--- a/介绍/EMI测试自动化.pptx
+++ b/介绍/EMI测试自动化.pptx
@@ -5,11 +5,13 @@
     <p:sldMasterId id="2147483648" r:id="rId1"/>
   </p:sldMasterIdLst>
   <p:notesMasterIdLst>
-    <p:notesMasterId r:id="rId4"/>
+    <p:notesMasterId r:id="rId6"/>
   </p:notesMasterIdLst>
   <p:sldIdLst>
-    <p:sldId id="302" r:id="rId2"/>
-    <p:sldId id="303" r:id="rId3"/>
+    <p:sldId id="305" r:id="rId2"/>
+    <p:sldId id="304" r:id="rId3"/>
+    <p:sldId id="307" r:id="rId4"/>
+    <p:sldId id="308" r:id="rId5"/>
   </p:sldIdLst>
   <p:sldSz cx="12188825" cy="6858000"/>
   <p:notesSz cx="6858000" cy="9144000"/>
@@ -127,6 +129,2936 @@
 </p:presentation>
 </file>
 
+<file path=ppt/diagrams/colors1.xml><?xml version="1.0" encoding="utf-8"?>
+<dgm:colorsDef xmlns:dgm="http://schemas.openxmlformats.org/drawingml/2006/diagram" xmlns:a="http://schemas.openxmlformats.org/drawingml/2006/main" uniqueId="urn:microsoft.com/office/officeart/2005/8/colors/accent1_2">
+  <dgm:title val=""/>
+  <dgm:desc val=""/>
+  <dgm:catLst>
+    <dgm:cat type="accent1" pri="11200"/>
+  </dgm:catLst>
+  <dgm:styleLbl name="node0">
+    <dgm:fillClrLst meth="repeat">
+      <a:schemeClr val="accent1"/>
+    </dgm:fillClrLst>
+    <dgm:linClrLst meth="repeat">
+      <a:schemeClr val="lt1"/>
+    </dgm:linClrLst>
+    <dgm:effectClrLst/>
+    <dgm:txLinClrLst/>
+    <dgm:txFillClrLst/>
+    <dgm:txEffectClrLst/>
+  </dgm:styleLbl>
+  <dgm:styleLbl name="alignNode1">
+    <dgm:fillClrLst meth="repeat">
+      <a:schemeClr val="accent1"/>
+    </dgm:fillClrLst>
+    <dgm:linClrLst meth="repeat">
+      <a:schemeClr val="accent1"/>
+    </dgm:linClrLst>
+    <dgm:effectClrLst/>
+    <dgm:txLinClrLst/>
+    <dgm:txFillClrLst/>
+    <dgm:txEffectClrLst/>
+  </dgm:styleLbl>
+  <dgm:styleLbl name="node1">
+    <dgm:fillClrLst meth="repeat">
+      <a:schemeClr val="accent1"/>
+    </dgm:fillClrLst>
+    <dgm:linClrLst meth="repeat">
+      <a:schemeClr val="lt1"/>
+    </dgm:linClrLst>
+    <dgm:effectClrLst/>
+    <dgm:txLinClrLst/>
+    <dgm:txFillClrLst/>
+    <dgm:txEffectClrLst/>
+  </dgm:styleLbl>
+  <dgm:styleLbl name="lnNode1">
+    <dgm:fillClrLst meth="repeat">
+      <a:schemeClr val="accent1"/>
+    </dgm:fillClrLst>
+    <dgm:linClrLst meth="repeat">
+      <a:schemeClr val="lt1"/>
+    </dgm:linClrLst>
+    <dgm:effectClrLst/>
+    <dgm:txLinClrLst/>
+    <dgm:txFillClrLst/>
+    <dgm:txEffectClrLst/>
+  </dgm:styleLbl>
+  <dgm:styleLbl name="vennNode1">
+    <dgm:fillClrLst meth="repeat">
+      <a:schemeClr val="accent1">
+        <a:alpha val="50000"/>
+      </a:schemeClr>
+    </dgm:fillClrLst>
+    <dgm:linClrLst meth="repeat">
+      <a:schemeClr val="lt1"/>
+    </dgm:linClrLst>
+    <dgm:effectClrLst/>
+    <dgm:txLinClrLst/>
+    <dgm:txFillClrLst/>
+    <dgm:txEffectClrLst/>
+  </dgm:styleLbl>
+  <dgm:styleLbl name="node2">
+    <dgm:fillClrLst meth="repeat">
+      <a:schemeClr val="accent1"/>
+    </dgm:fillClrLst>
+    <dgm:linClrLst meth="repeat">
+      <a:schemeClr val="lt1"/>
+    </dgm:linClrLst>
+    <dgm:effectClrLst/>
+    <dgm:txLinClrLst/>
+    <dgm:txFillClrLst/>
+    <dgm:txEffectClrLst/>
+  </dgm:styleLbl>
+  <dgm:styleLbl name="node3">
+    <dgm:fillClrLst meth="repeat">
+      <a:schemeClr val="accent1"/>
+    </dgm:fillClrLst>
+    <dgm:linClrLst meth="repeat">
+      <a:schemeClr val="lt1"/>
+    </dgm:linClrLst>
+    <dgm:effectClrLst/>
+    <dgm:txLinClrLst/>
+    <dgm:txFillClrLst/>
+    <dgm:txEffectClrLst/>
+  </dgm:styleLbl>
+  <dgm:styleLbl name="node4">
+    <dgm:fillClrLst meth="repeat">
+      <a:schemeClr val="accent1"/>
+    </dgm:fillClrLst>
+    <dgm:linClrLst meth="repeat">
+      <a:schemeClr val="lt1"/>
+    </dgm:linClrLst>
+    <dgm:effectClrLst/>
+    <dgm:txLinClrLst/>
+    <dgm:txFillClrLst/>
+    <dgm:txEffectClrLst/>
+  </dgm:styleLbl>
+  <dgm:styleLbl name="fgImgPlace1">
+    <dgm:fillClrLst meth="repeat">
+      <a:schemeClr val="accent1">
+        <a:tint val="50000"/>
+      </a:schemeClr>
+    </dgm:fillClrLst>
+    <dgm:linClrLst meth="repeat">
+      <a:schemeClr val="lt1"/>
+    </dgm:linClrLst>
+    <dgm:effectClrLst/>
+    <dgm:txLinClrLst/>
+    <dgm:txFillClrLst meth="repeat">
+      <a:schemeClr val="lt1"/>
+    </dgm:txFillClrLst>
+    <dgm:txEffectClrLst/>
+  </dgm:styleLbl>
+  <dgm:styleLbl name="alignImgPlace1">
+    <dgm:fillClrLst meth="repeat">
+      <a:schemeClr val="accent1">
+        <a:tint val="50000"/>
+      </a:schemeClr>
+    </dgm:fillClrLst>
+    <dgm:linClrLst meth="repeat">
+      <a:schemeClr val="lt1"/>
+    </dgm:linClrLst>
+    <dgm:effectClrLst/>
+    <dgm:txLinClrLst/>
+    <dgm:txFillClrLst meth="repeat">
+      <a:schemeClr val="lt1"/>
+    </dgm:txFillClrLst>
+    <dgm:txEffectClrLst/>
+  </dgm:styleLbl>
+  <dgm:styleLbl name="bgImgPlace1">
+    <dgm:fillClrLst meth="repeat">
+      <a:schemeClr val="accent1">
+        <a:tint val="50000"/>
+      </a:schemeClr>
+    </dgm:fillClrLst>
+    <dgm:linClrLst meth="repeat">
+      <a:schemeClr val="lt1"/>
+    </dgm:linClrLst>
+    <dgm:effectClrLst/>
+    <dgm:txLinClrLst/>
+    <dgm:txFillClrLst meth="repeat">
+      <a:schemeClr val="lt1"/>
+    </dgm:txFillClrLst>
+    <dgm:txEffectClrLst/>
+  </dgm:styleLbl>
+  <dgm:styleLbl name="sibTrans2D1">
+    <dgm:fillClrLst meth="repeat">
+      <a:schemeClr val="accent1">
+        <a:tint val="60000"/>
+      </a:schemeClr>
+    </dgm:fillClrLst>
+    <dgm:linClrLst meth="repeat">
+      <a:schemeClr val="accent1">
+        <a:tint val="60000"/>
+      </a:schemeClr>
+    </dgm:linClrLst>
+    <dgm:effectClrLst/>
+    <dgm:txLinClrLst/>
+    <dgm:txFillClrLst/>
+    <dgm:txEffectClrLst/>
+  </dgm:styleLbl>
+  <dgm:styleLbl name="fgSibTrans2D1">
+    <dgm:fillClrLst meth="repeat">
+      <a:schemeClr val="accent1">
+        <a:tint val="60000"/>
+      </a:schemeClr>
+    </dgm:fillClrLst>
+    <dgm:linClrLst meth="repeat">
+      <a:schemeClr val="accent1">
+        <a:tint val="60000"/>
+      </a:schemeClr>
+    </dgm:linClrLst>
+    <dgm:effectClrLst/>
+    <dgm:txLinClrLst/>
+    <dgm:txFillClrLst/>
+    <dgm:txEffectClrLst/>
+  </dgm:styleLbl>
+  <dgm:styleLbl name="bgSibTrans2D1">
+    <dgm:fillClrLst meth="repeat">
+      <a:schemeClr val="accent1">
+        <a:tint val="60000"/>
+      </a:schemeClr>
+    </dgm:fillClrLst>
+    <dgm:linClrLst meth="repeat">
+      <a:schemeClr val="accent1">
+        <a:tint val="60000"/>
+      </a:schemeClr>
+    </dgm:linClrLst>
+    <dgm:effectClrLst/>
+    <dgm:txLinClrLst/>
+    <dgm:txFillClrLst/>
+    <dgm:txEffectClrLst/>
+  </dgm:styleLbl>
+  <dgm:styleLbl name="sibTrans1D1">
+    <dgm:fillClrLst meth="repeat">
+      <a:schemeClr val="accent1"/>
+    </dgm:fillClrLst>
+    <dgm:linClrLst meth="repeat">
+      <a:schemeClr val="accent1"/>
+    </dgm:linClrLst>
+    <dgm:effectClrLst/>
+    <dgm:txLinClrLst/>
+    <dgm:txFillClrLst meth="repeat">
+      <a:schemeClr val="tx1"/>
+    </dgm:txFillClrLst>
+    <dgm:txEffectClrLst/>
+  </dgm:styleLbl>
+  <dgm:styleLbl name="callout">
+    <dgm:fillClrLst meth="repeat">
+      <a:schemeClr val="accent1"/>
+    </dgm:fillClrLst>
+    <dgm:linClrLst meth="repeat">
+      <a:schemeClr val="accent1">
+        <a:tint val="50000"/>
+      </a:schemeClr>
+    </dgm:linClrLst>
+    <dgm:effectClrLst/>
+    <dgm:txLinClrLst/>
+    <dgm:txFillClrLst meth="repeat">
+      <a:schemeClr val="tx1"/>
+    </dgm:txFillClrLst>
+    <dgm:txEffectClrLst/>
+  </dgm:styleLbl>
+  <dgm:styleLbl name="asst0">
+    <dgm:fillClrLst meth="repeat">
+      <a:schemeClr val="accent1"/>
+    </dgm:fillClrLst>
+    <dgm:linClrLst meth="repeat">
+      <a:schemeClr val="lt1"/>
+    </dgm:linClrLst>
+    <dgm:effectClrLst/>
+    <dgm:txLinClrLst/>
+    <dgm:txFillClrLst/>
+    <dgm:txEffectClrLst/>
+  </dgm:styleLbl>
+  <dgm:styleLbl name="asst1">
+    <dgm:fillClrLst meth="repeat">
+      <a:schemeClr val="accent1"/>
+    </dgm:fillClrLst>
+    <dgm:linClrLst meth="repeat">
+      <a:schemeClr val="lt1"/>
+    </dgm:linClrLst>
+    <dgm:effectClrLst/>
+    <dgm:txLinClrLst/>
+    <dgm:txFillClrLst/>
+    <dgm:txEffectClrLst/>
+  </dgm:styleLbl>
+  <dgm:styleLbl name="asst2">
+    <dgm:fillClrLst meth="repeat">
+      <a:schemeClr val="accent1"/>
+    </dgm:fillClrLst>
+    <dgm:linClrLst meth="repeat">
+      <a:schemeClr val="lt1"/>
+    </dgm:linClrLst>
+    <dgm:effectClrLst/>
+    <dgm:txLinClrLst/>
+    <dgm:txFillClrLst/>
+    <dgm:txEffectClrLst/>
+  </dgm:styleLbl>
+  <dgm:styleLbl name="asst3">
+    <dgm:fillClrLst meth="repeat">
+      <a:schemeClr val="accent1"/>
+    </dgm:fillClrLst>
+    <dgm:linClrLst meth="repeat">
+      <a:schemeClr val="lt1"/>
+    </dgm:linClrLst>
+    <dgm:effectClrLst/>
+    <dgm:txLinClrLst/>
+    <dgm:txFillClrLst/>
+    <dgm:txEffectClrLst/>
+  </dgm:styleLbl>
+  <dgm:styleLbl name="asst4">
+    <dgm:fillClrLst meth="repeat">
+      <a:schemeClr val="accent1"/>
+    </dgm:fillClrLst>
+    <dgm:linClrLst meth="repeat">
+      <a:schemeClr val="lt1"/>
+    </dgm:linClrLst>
+    <dgm:effectClrLst/>
+    <dgm:txLinClrLst/>
+    <dgm:txFillClrLst/>
+    <dgm:txEffectClrLst/>
+  </dgm:styleLbl>
+  <dgm:styleLbl name="parChTrans2D1">
+    <dgm:fillClrLst meth="repeat">
+      <a:schemeClr val="accent1">
+        <a:tint val="60000"/>
+      </a:schemeClr>
+    </dgm:fillClrLst>
+    <dgm:linClrLst meth="repeat">
+      <a:schemeClr val="accent1">
+        <a:tint val="60000"/>
+      </a:schemeClr>
+    </dgm:linClrLst>
+    <dgm:effectClrLst/>
+    <dgm:txLinClrLst/>
+    <dgm:txFillClrLst meth="repeat">
+      <a:schemeClr val="lt1"/>
+    </dgm:txFillClrLst>
+    <dgm:txEffectClrLst/>
+  </dgm:styleLbl>
+  <dgm:styleLbl name="parChTrans2D2">
+    <dgm:fillClrLst meth="repeat">
+      <a:schemeClr val="accent1"/>
+    </dgm:fillClrLst>
+    <dgm:linClrLst meth="repeat">
+      <a:schemeClr val="accent1"/>
+    </dgm:linClrLst>
+    <dgm:effectClrLst/>
+    <dgm:txLinClrLst/>
+    <dgm:txFillClrLst meth="repeat">
+      <a:schemeClr val="lt1"/>
+    </dgm:txFillClrLst>
+    <dgm:txEffectClrLst/>
+  </dgm:styleLbl>
+  <dgm:styleLbl name="parChTrans2D3">
+    <dgm:fillClrLst meth="repeat">
+      <a:schemeClr val="accent1"/>
+    </dgm:fillClrLst>
+    <dgm:linClrLst meth="repeat">
+      <a:schemeClr val="accent1"/>
+    </dgm:linClrLst>
+    <dgm:effectClrLst/>
+    <dgm:txLinClrLst/>
+    <dgm:txFillClrLst meth="repeat">
+      <a:schemeClr val="lt1"/>
+    </dgm:txFillClrLst>
+    <dgm:txEffectClrLst/>
+  </dgm:styleLbl>
+  <dgm:styleLbl name="parChTrans2D4">
+    <dgm:fillClrLst meth="repeat">
+      <a:schemeClr val="accent1"/>
+    </dgm:fillClrLst>
+    <dgm:linClrLst meth="repeat">
+      <a:schemeClr val="accent1"/>
+    </dgm:linClrLst>
+    <dgm:effectClrLst/>
+    <dgm:txLinClrLst/>
+    <dgm:txFillClrLst meth="repeat">
+      <a:schemeClr val="lt1"/>
+    </dgm:txFillClrLst>
+    <dgm:txEffectClrLst/>
+  </dgm:styleLbl>
+  <dgm:styleLbl name="parChTrans1D1">
+    <dgm:fillClrLst meth="repeat">
+      <a:schemeClr val="accent1"/>
+    </dgm:fillClrLst>
+    <dgm:linClrLst meth="repeat">
+      <a:schemeClr val="accent1">
+        <a:shade val="60000"/>
+      </a:schemeClr>
+    </dgm:linClrLst>
+    <dgm:effectClrLst/>
+    <dgm:txLinClrLst/>
+    <dgm:txFillClrLst meth="repeat">
+      <a:schemeClr val="tx1"/>
+    </dgm:txFillClrLst>
+    <dgm:txEffectClrLst/>
+  </dgm:styleLbl>
+  <dgm:styleLbl name="parChTrans1D2">
+    <dgm:fillClrLst meth="repeat">
+      <a:schemeClr val="accent1"/>
+    </dgm:fillClrLst>
+    <dgm:linClrLst meth="repeat">
+      <a:schemeClr val="accent1">
+        <a:shade val="60000"/>
+      </a:schemeClr>
+    </dgm:linClrLst>
+    <dgm:effectClrLst/>
+    <dgm:txLinClrLst/>
+    <dgm:txFillClrLst meth="repeat">
+      <a:schemeClr val="tx1"/>
+    </dgm:txFillClrLst>
+    <dgm:txEffectClrLst/>
+  </dgm:styleLbl>
+  <dgm:styleLbl name="parChTrans1D3">
+    <dgm:fillClrLst meth="repeat">
+      <a:schemeClr val="accent1"/>
+    </dgm:fillClrLst>
+    <dgm:linClrLst meth="repeat">
+      <a:schemeClr val="accent1">
+        <a:shade val="80000"/>
+      </a:schemeClr>
+    </dgm:linClrLst>
+    <dgm:effectClrLst/>
+    <dgm:txLinClrLst/>
+    <dgm:txFillClrLst meth="repeat">
+      <a:schemeClr val="tx1"/>
+    </dgm:txFillClrLst>
+    <dgm:txEffectClrLst/>
+  </dgm:styleLbl>
+  <dgm:styleLbl name="parChTrans1D4">
+    <dgm:fillClrLst meth="repeat">
+      <a:schemeClr val="accent1"/>
+    </dgm:fillClrLst>
+    <dgm:linClrLst meth="repeat">
+      <a:schemeClr val="accent1">
+        <a:shade val="80000"/>
+      </a:schemeClr>
+    </dgm:linClrLst>
+    <dgm:effectClrLst/>
+    <dgm:txLinClrLst/>
+    <dgm:txFillClrLst meth="repeat">
+      <a:schemeClr val="tx1"/>
+    </dgm:txFillClrLst>
+    <dgm:txEffectClrLst/>
+  </dgm:styleLbl>
+  <dgm:styleLbl name="fgAcc1">
+    <dgm:fillClrLst meth="repeat">
+      <a:schemeClr val="lt1">
+        <a:alpha val="90000"/>
+      </a:schemeClr>
+    </dgm:fillClrLst>
+    <dgm:linClrLst meth="repeat">
+      <a:schemeClr val="accent1"/>
+    </dgm:linClrLst>
+    <dgm:effectClrLst/>
+    <dgm:txLinClrLst/>
+    <dgm:txFillClrLst meth="repeat">
+      <a:schemeClr val="dk1"/>
+    </dgm:txFillClrLst>
+    <dgm:txEffectClrLst/>
+  </dgm:styleLbl>
+  <dgm:styleLbl name="conFgAcc1">
+    <dgm:fillClrLst meth="repeat">
+      <a:schemeClr val="lt1">
+        <a:alpha val="90000"/>
+      </a:schemeClr>
+    </dgm:fillClrLst>
+    <dgm:linClrLst meth="repeat">
+      <a:schemeClr val="accent1"/>
+    </dgm:linClrLst>
+    <dgm:effectClrLst/>
+    <dgm:txLinClrLst/>
+    <dgm:txFillClrLst meth="repeat">
+      <a:schemeClr val="dk1"/>
+    </dgm:txFillClrLst>
+    <dgm:txEffectClrLst/>
+  </dgm:styleLbl>
+  <dgm:styleLbl name="alignAcc1">
+    <dgm:fillClrLst meth="repeat">
+      <a:schemeClr val="lt1">
+        <a:alpha val="90000"/>
+      </a:schemeClr>
+    </dgm:fillClrLst>
+    <dgm:linClrLst meth="repeat">
+      <a:schemeClr val="accent1"/>
+    </dgm:linClrLst>
+    <dgm:effectClrLst/>
+    <dgm:txLinClrLst/>
+    <dgm:txFillClrLst meth="repeat">
+      <a:schemeClr val="dk1"/>
+    </dgm:txFillClrLst>
+    <dgm:txEffectClrLst/>
+  </dgm:styleLbl>
+  <dgm:styleLbl name="trAlignAcc1">
+    <dgm:fillClrLst meth="repeat">
+      <a:schemeClr val="lt1">
+        <a:alpha val="40000"/>
+      </a:schemeClr>
+    </dgm:fillClrLst>
+    <dgm:linClrLst meth="repeat">
+      <a:schemeClr val="accent1"/>
+    </dgm:linClrLst>
+    <dgm:effectClrLst/>
+    <dgm:txLinClrLst/>
+    <dgm:txFillClrLst meth="repeat">
+      <a:schemeClr val="dk1"/>
+    </dgm:txFillClrLst>
+    <dgm:txEffectClrLst/>
+  </dgm:styleLbl>
+  <dgm:styleLbl name="bgAcc1">
+    <dgm:fillClrLst meth="repeat">
+      <a:schemeClr val="lt1">
+        <a:alpha val="90000"/>
+      </a:schemeClr>
+    </dgm:fillClrLst>
+    <dgm:linClrLst meth="repeat">
+      <a:schemeClr val="accent1"/>
+    </dgm:linClrLst>
+    <dgm:effectClrLst/>
+    <dgm:txLinClrLst/>
+    <dgm:txFillClrLst meth="repeat">
+      <a:schemeClr val="dk1"/>
+    </dgm:txFillClrLst>
+    <dgm:txEffectClrLst/>
+  </dgm:styleLbl>
+  <dgm:styleLbl name="solidFgAcc1">
+    <dgm:fillClrLst meth="repeat">
+      <a:schemeClr val="lt1"/>
+    </dgm:fillClrLst>
+    <dgm:linClrLst meth="repeat">
+      <a:schemeClr val="accent1"/>
+    </dgm:linClrLst>
+    <dgm:effectClrLst/>
+    <dgm:txLinClrLst/>
+    <dgm:txFillClrLst meth="repeat">
+      <a:schemeClr val="dk1"/>
+    </dgm:txFillClrLst>
+    <dgm:txEffectClrLst/>
+  </dgm:styleLbl>
+  <dgm:styleLbl name="solidAlignAcc1">
+    <dgm:fillClrLst meth="repeat">
+      <a:schemeClr val="lt1"/>
+    </dgm:fillClrLst>
+    <dgm:linClrLst meth="repeat">
+      <a:schemeClr val="accent1"/>
+    </dgm:linClrLst>
+    <dgm:effectClrLst/>
+    <dgm:txLinClrLst/>
+    <dgm:txFillClrLst meth="repeat">
+      <a:schemeClr val="dk1"/>
+    </dgm:txFillClrLst>
+    <dgm:txEffectClrLst/>
+  </dgm:styleLbl>
+  <dgm:styleLbl name="solidBgAcc1">
+    <dgm:fillClrLst meth="repeat">
+      <a:schemeClr val="lt1"/>
+    </dgm:fillClrLst>
+    <dgm:linClrLst meth="repeat">
+      <a:schemeClr val="accent1"/>
+    </dgm:linClrLst>
+    <dgm:effectClrLst/>
+    <dgm:txLinClrLst/>
+    <dgm:txFillClrLst meth="repeat">
+      <a:schemeClr val="dk1"/>
+    </dgm:txFillClrLst>
+    <dgm:txEffectClrLst/>
+  </dgm:styleLbl>
+  <dgm:styleLbl name="fgAccFollowNode1">
+    <dgm:fillClrLst meth="repeat">
+      <a:schemeClr val="accent1">
+        <a:alpha val="90000"/>
+        <a:tint val="40000"/>
+      </a:schemeClr>
+    </dgm:fillClrLst>
+    <dgm:linClrLst meth="repeat">
+      <a:schemeClr val="accent1">
+        <a:alpha val="90000"/>
+        <a:tint val="40000"/>
+      </a:schemeClr>
+    </dgm:linClrLst>
+    <dgm:effectClrLst/>
+    <dgm:txLinClrLst/>
+    <dgm:txFillClrLst meth="repeat">
+      <a:schemeClr val="dk1"/>
+    </dgm:txFillClrLst>
+    <dgm:txEffectClrLst/>
+  </dgm:styleLbl>
+  <dgm:styleLbl name="alignAccFollowNode1">
+    <dgm:fillClrLst meth="repeat">
+      <a:schemeClr val="accent1">
+        <a:alpha val="90000"/>
+        <a:tint val="40000"/>
+      </a:schemeClr>
+    </dgm:fillClrLst>
+    <dgm:linClrLst meth="repeat">
+      <a:schemeClr val="accent1">
+        <a:alpha val="90000"/>
+        <a:tint val="40000"/>
+      </a:schemeClr>
+    </dgm:linClrLst>
+    <dgm:effectClrLst/>
+    <dgm:txLinClrLst/>
+    <dgm:txFillClrLst meth="repeat">
+      <a:schemeClr val="dk1"/>
+    </dgm:txFillClrLst>
+    <dgm:txEffectClrLst/>
+  </dgm:styleLbl>
+  <dgm:styleLbl name="bgAccFollowNode1">
+    <dgm:fillClrLst meth="repeat">
+      <a:schemeClr val="accent1">
+        <a:alpha val="90000"/>
+        <a:tint val="40000"/>
+      </a:schemeClr>
+    </dgm:fillClrLst>
+    <dgm:linClrLst meth="repeat">
+      <a:schemeClr val="accent1">
+        <a:alpha val="90000"/>
+        <a:tint val="40000"/>
+      </a:schemeClr>
+    </dgm:linClrLst>
+    <dgm:effectClrLst/>
+    <dgm:txLinClrLst/>
+    <dgm:txFillClrLst meth="repeat">
+      <a:schemeClr val="dk1"/>
+    </dgm:txFillClrLst>
+    <dgm:txEffectClrLst/>
+  </dgm:styleLbl>
+  <dgm:styleLbl name="fgAcc0">
+    <dgm:fillClrLst meth="repeat">
+      <a:schemeClr val="lt1">
+        <a:alpha val="90000"/>
+      </a:schemeClr>
+    </dgm:fillClrLst>
+    <dgm:linClrLst meth="repeat">
+      <a:schemeClr val="accent1"/>
+    </dgm:linClrLst>
+    <dgm:effectClrLst/>
+    <dgm:txLinClrLst/>
+    <dgm:txFillClrLst meth="repeat">
+      <a:schemeClr val="dk1"/>
+    </dgm:txFillClrLst>
+    <dgm:txEffectClrLst/>
+  </dgm:styleLbl>
+  <dgm:styleLbl name="fgAcc2">
+    <dgm:fillClrLst meth="repeat">
+      <a:schemeClr val="lt1">
+        <a:alpha val="90000"/>
+      </a:schemeClr>
+    </dgm:fillClrLst>
+    <dgm:linClrLst meth="repeat">
+      <a:schemeClr val="accent1"/>
+    </dgm:linClrLst>
+    <dgm:effectClrLst/>
+    <dgm:txLinClrLst/>
+    <dgm:txFillClrLst meth="repeat">
+      <a:schemeClr val="dk1"/>
+    </dgm:txFillClrLst>
+    <dgm:txEffectClrLst/>
+  </dgm:styleLbl>
+  <dgm:styleLbl name="fgAcc3">
+    <dgm:fillClrLst meth="repeat">
+      <a:schemeClr val="lt1">
+        <a:alpha val="90000"/>
+      </a:schemeClr>
+    </dgm:fillClrLst>
+    <dgm:linClrLst meth="repeat">
+      <a:schemeClr val="accent1"/>
+    </dgm:linClrLst>
+    <dgm:effectClrLst/>
+    <dgm:txLinClrLst/>
+    <dgm:txFillClrLst meth="repeat">
+      <a:schemeClr val="dk1"/>
+    </dgm:txFillClrLst>
+    <dgm:txEffectClrLst/>
+  </dgm:styleLbl>
+  <dgm:styleLbl name="fgAcc4">
+    <dgm:fillClrLst meth="repeat">
+      <a:schemeClr val="lt1">
+        <a:alpha val="90000"/>
+      </a:schemeClr>
+    </dgm:fillClrLst>
+    <dgm:linClrLst meth="repeat">
+      <a:schemeClr val="accent1"/>
+    </dgm:linClrLst>
+    <dgm:effectClrLst/>
+    <dgm:txLinClrLst/>
+    <dgm:txFillClrLst meth="repeat">
+      <a:schemeClr val="dk1"/>
+    </dgm:txFillClrLst>
+    <dgm:txEffectClrLst/>
+  </dgm:styleLbl>
+  <dgm:styleLbl name="bgShp">
+    <dgm:fillClrLst meth="repeat">
+      <a:schemeClr val="accent1">
+        <a:tint val="40000"/>
+      </a:schemeClr>
+    </dgm:fillClrLst>
+    <dgm:linClrLst meth="repeat">
+      <a:schemeClr val="accent1"/>
+    </dgm:linClrLst>
+    <dgm:effectClrLst/>
+    <dgm:txLinClrLst/>
+    <dgm:txFillClrLst meth="repeat">
+      <a:schemeClr val="dk1"/>
+    </dgm:txFillClrLst>
+    <dgm:txEffectClrLst/>
+  </dgm:styleLbl>
+  <dgm:styleLbl name="dkBgShp">
+    <dgm:fillClrLst meth="repeat">
+      <a:schemeClr val="accent1">
+        <a:shade val="80000"/>
+      </a:schemeClr>
+    </dgm:fillClrLst>
+    <dgm:linClrLst meth="repeat">
+      <a:schemeClr val="accent1"/>
+    </dgm:linClrLst>
+    <dgm:effectClrLst/>
+    <dgm:txLinClrLst/>
+    <dgm:txFillClrLst meth="repeat">
+      <a:schemeClr val="lt1"/>
+    </dgm:txFillClrLst>
+    <dgm:txEffectClrLst/>
+  </dgm:styleLbl>
+  <dgm:styleLbl name="trBgShp">
+    <dgm:fillClrLst meth="repeat">
+      <a:schemeClr val="accent1">
+        <a:tint val="50000"/>
+        <a:alpha val="40000"/>
+      </a:schemeClr>
+    </dgm:fillClrLst>
+    <dgm:linClrLst meth="repeat">
+      <a:schemeClr val="accent1"/>
+    </dgm:linClrLst>
+    <dgm:effectClrLst/>
+    <dgm:txLinClrLst/>
+    <dgm:txFillClrLst meth="repeat">
+      <a:schemeClr val="lt1"/>
+    </dgm:txFillClrLst>
+    <dgm:txEffectClrLst/>
+  </dgm:styleLbl>
+  <dgm:styleLbl name="fgShp">
+    <dgm:fillClrLst meth="repeat">
+      <a:schemeClr val="accent1">
+        <a:tint val="60000"/>
+      </a:schemeClr>
+    </dgm:fillClrLst>
+    <dgm:linClrLst meth="repeat">
+      <a:schemeClr val="lt1"/>
+    </dgm:linClrLst>
+    <dgm:effectClrLst/>
+    <dgm:txLinClrLst/>
+    <dgm:txFillClrLst meth="repeat">
+      <a:schemeClr val="dk1"/>
+    </dgm:txFillClrLst>
+    <dgm:txEffectClrLst/>
+  </dgm:styleLbl>
+  <dgm:styleLbl name="revTx">
+    <dgm:fillClrLst meth="repeat">
+      <a:schemeClr val="lt1">
+        <a:alpha val="0"/>
+      </a:schemeClr>
+    </dgm:fillClrLst>
+    <dgm:linClrLst meth="repeat">
+      <a:schemeClr val="dk1">
+        <a:alpha val="0"/>
+      </a:schemeClr>
+    </dgm:linClrLst>
+    <dgm:effectClrLst/>
+    <dgm:txLinClrLst/>
+    <dgm:txFillClrLst meth="repeat">
+      <a:schemeClr val="tx1"/>
+    </dgm:txFillClrLst>
+    <dgm:txEffectClrLst/>
+  </dgm:styleLbl>
+</dgm:colorsDef>
+</file>
+
+<file path=ppt/diagrams/data1.xml><?xml version="1.0" encoding="utf-8"?>
+<dgm:dataModel xmlns:dgm="http://schemas.openxmlformats.org/drawingml/2006/diagram" xmlns:a="http://schemas.openxmlformats.org/drawingml/2006/main">
+  <dgm:ptLst>
+    <dgm:pt modelId="{52C198B7-33A8-432A-9139-0DDD1D9E74F4}" type="doc">
+      <dgm:prSet loTypeId="urn:microsoft.com/office/officeart/2005/8/layout/lProcess2" loCatId="list" qsTypeId="urn:microsoft.com/office/officeart/2005/8/quickstyle/simple1" qsCatId="simple" csTypeId="urn:microsoft.com/office/officeart/2005/8/colors/accent1_2" csCatId="accent1" phldr="1"/>
+      <dgm:spPr/>
+      <dgm:t>
+        <a:bodyPr/>
+        <a:lstStyle/>
+        <a:p>
+          <a:endParaRPr lang="zh-TW" altLang="en-US"/>
+        </a:p>
+      </dgm:t>
+    </dgm:pt>
+    <dgm:pt modelId="{227E52B0-5A82-4907-B9F2-9F08DF2553BF}">
+      <dgm:prSet phldrT="[文字]" custT="1"/>
+      <dgm:spPr/>
+      <dgm:t>
+        <a:bodyPr/>
+        <a:lstStyle/>
+        <a:p>
+          <a:r>
+            <a:rPr lang="zh-CN" altLang="en-US" sz="3600" dirty="0" smtClean="0"/>
+            <a:t>人工记录</a:t>
+          </a:r>
+          <a:endParaRPr lang="zh-TW" altLang="en-US" sz="3600" dirty="0"/>
+        </a:p>
+      </dgm:t>
+    </dgm:pt>
+    <dgm:pt modelId="{7C1FE677-A5D5-4EB8-A87A-F1E4D0CFA0E7}" type="parTrans" cxnId="{FDBAC5CB-2EC7-41F7-B55D-B5E465E38563}">
+      <dgm:prSet/>
+      <dgm:spPr/>
+      <dgm:t>
+        <a:bodyPr/>
+        <a:lstStyle/>
+        <a:p>
+          <a:endParaRPr lang="zh-TW" altLang="en-US"/>
+        </a:p>
+      </dgm:t>
+    </dgm:pt>
+    <dgm:pt modelId="{DCCF67E6-449E-4F42-97A3-FA54FB1546E4}" type="sibTrans" cxnId="{FDBAC5CB-2EC7-41F7-B55D-B5E465E38563}">
+      <dgm:prSet/>
+      <dgm:spPr/>
+      <dgm:t>
+        <a:bodyPr/>
+        <a:lstStyle/>
+        <a:p>
+          <a:endParaRPr lang="zh-TW" altLang="en-US"/>
+        </a:p>
+      </dgm:t>
+    </dgm:pt>
+    <dgm:pt modelId="{80BFFD35-AA51-4225-909F-205841D8C818}">
+      <dgm:prSet phldrT="[文字]" custT="1"/>
+      <dgm:spPr/>
+      <dgm:t>
+        <a:bodyPr/>
+        <a:lstStyle/>
+        <a:p>
+          <a:r>
+            <a:rPr lang="zh-CN" altLang="en-US" sz="2400" dirty="0" smtClean="0"/>
+            <a:t>易抄错、漏记</a:t>
+          </a:r>
+          <a:endParaRPr lang="zh-TW" altLang="en-US" sz="2400" dirty="0"/>
+        </a:p>
+      </dgm:t>
+    </dgm:pt>
+    <dgm:pt modelId="{AC822D68-EAD9-45EE-AAA5-FDF032B06E9A}" type="parTrans" cxnId="{3BD55CD1-4CD0-4BAE-9DB6-031058CEE478}">
+      <dgm:prSet/>
+      <dgm:spPr/>
+      <dgm:t>
+        <a:bodyPr/>
+        <a:lstStyle/>
+        <a:p>
+          <a:endParaRPr lang="zh-TW" altLang="en-US"/>
+        </a:p>
+      </dgm:t>
+    </dgm:pt>
+    <dgm:pt modelId="{81DDCE2B-6DE7-42F4-8EF8-4F801F8DC16E}" type="sibTrans" cxnId="{3BD55CD1-4CD0-4BAE-9DB6-031058CEE478}">
+      <dgm:prSet/>
+      <dgm:spPr/>
+      <dgm:t>
+        <a:bodyPr/>
+        <a:lstStyle/>
+        <a:p>
+          <a:endParaRPr lang="zh-TW" altLang="en-US"/>
+        </a:p>
+      </dgm:t>
+    </dgm:pt>
+    <dgm:pt modelId="{21E9BD4F-3F27-4D7D-899A-FD9357B53021}">
+      <dgm:prSet phldrT="[文字]" custT="1"/>
+      <dgm:spPr/>
+      <dgm:t>
+        <a:bodyPr/>
+        <a:lstStyle/>
+        <a:p>
+          <a:r>
+            <a:rPr lang="zh-CN" altLang="en-US" sz="3600" dirty="0" smtClean="0"/>
+            <a:t>重复操作</a:t>
+          </a:r>
+          <a:endParaRPr lang="zh-TW" altLang="en-US" sz="3600" dirty="0"/>
+        </a:p>
+      </dgm:t>
+    </dgm:pt>
+    <dgm:pt modelId="{697B6575-A92F-4671-90B6-4E0FBDFC6CD8}" type="parTrans" cxnId="{7803656D-5DE3-4B3B-9F5F-E7D16975F1F8}">
+      <dgm:prSet/>
+      <dgm:spPr/>
+      <dgm:t>
+        <a:bodyPr/>
+        <a:lstStyle/>
+        <a:p>
+          <a:endParaRPr lang="zh-TW" altLang="en-US"/>
+        </a:p>
+      </dgm:t>
+    </dgm:pt>
+    <dgm:pt modelId="{7CB3A502-6D76-4E1F-B6E3-833B01071A4B}" type="sibTrans" cxnId="{7803656D-5DE3-4B3B-9F5F-E7D16975F1F8}">
+      <dgm:prSet/>
+      <dgm:spPr/>
+      <dgm:t>
+        <a:bodyPr/>
+        <a:lstStyle/>
+        <a:p>
+          <a:endParaRPr lang="zh-TW" altLang="en-US"/>
+        </a:p>
+      </dgm:t>
+    </dgm:pt>
+    <dgm:pt modelId="{C91CB743-7286-48A9-83AF-8608867E9716}">
+      <dgm:prSet phldrT="[文字]" custT="1"/>
+      <dgm:spPr/>
+      <dgm:t>
+        <a:bodyPr/>
+        <a:lstStyle/>
+        <a:p>
+          <a:r>
+            <a:rPr lang="zh-CN" altLang="en-US" sz="2400" dirty="0" smtClean="0"/>
+            <a:t>每个零件都要重复测试</a:t>
+          </a:r>
+          <a:r>
+            <a:rPr lang="en-US" altLang="zh-CN" sz="2400" dirty="0" smtClean="0"/>
+            <a:t>5</a:t>
+          </a:r>
+          <a:r>
+            <a:rPr lang="zh-CN" altLang="en-US" sz="2400" dirty="0" smtClean="0"/>
+            <a:t>次</a:t>
+          </a:r>
+          <a:endParaRPr lang="zh-TW" altLang="en-US" sz="2400" dirty="0"/>
+        </a:p>
+      </dgm:t>
+    </dgm:pt>
+    <dgm:pt modelId="{3BDEBD0F-B73F-4B98-BD2D-00924DD00B84}" type="parTrans" cxnId="{91A87CF2-1940-461C-AFBD-65C52CFB8660}">
+      <dgm:prSet/>
+      <dgm:spPr/>
+      <dgm:t>
+        <a:bodyPr/>
+        <a:lstStyle/>
+        <a:p>
+          <a:endParaRPr lang="zh-TW" altLang="en-US"/>
+        </a:p>
+      </dgm:t>
+    </dgm:pt>
+    <dgm:pt modelId="{D7193136-6AB9-4469-8F5C-AD26E0973E6C}" type="sibTrans" cxnId="{91A87CF2-1940-461C-AFBD-65C52CFB8660}">
+      <dgm:prSet/>
+      <dgm:spPr/>
+      <dgm:t>
+        <a:bodyPr/>
+        <a:lstStyle/>
+        <a:p>
+          <a:endParaRPr lang="zh-TW" altLang="en-US"/>
+        </a:p>
+      </dgm:t>
+    </dgm:pt>
+    <dgm:pt modelId="{166BAA31-ABD8-4630-859A-AC88CBCB05A7}">
+      <dgm:prSet phldrT="[文字]" custT="1"/>
+      <dgm:spPr/>
+      <dgm:t>
+        <a:bodyPr/>
+        <a:lstStyle/>
+        <a:p>
+          <a:r>
+            <a:rPr lang="zh-CN" altLang="en-US" sz="2400" dirty="0" smtClean="0"/>
+            <a:t>每个数据都是手动录入系统</a:t>
+          </a:r>
+          <a:endParaRPr lang="zh-TW" altLang="en-US" sz="2400" dirty="0"/>
+        </a:p>
+      </dgm:t>
+    </dgm:pt>
+    <dgm:pt modelId="{F3C4DF8C-303C-47C8-85D2-366CBB648EE8}" type="parTrans" cxnId="{ECCCB7A6-6CEC-45F2-8EAB-F1C8FF4C9E99}">
+      <dgm:prSet/>
+      <dgm:spPr/>
+      <dgm:t>
+        <a:bodyPr/>
+        <a:lstStyle/>
+        <a:p>
+          <a:endParaRPr lang="zh-TW" altLang="en-US"/>
+        </a:p>
+      </dgm:t>
+    </dgm:pt>
+    <dgm:pt modelId="{0AFAF082-03DE-409F-B369-2E9D1DD6F3E3}" type="sibTrans" cxnId="{ECCCB7A6-6CEC-45F2-8EAB-F1C8FF4C9E99}">
+      <dgm:prSet/>
+      <dgm:spPr/>
+      <dgm:t>
+        <a:bodyPr/>
+        <a:lstStyle/>
+        <a:p>
+          <a:endParaRPr lang="zh-TW" altLang="en-US"/>
+        </a:p>
+      </dgm:t>
+    </dgm:pt>
+    <dgm:pt modelId="{9F750EDE-642B-4792-9507-3D97D79E5EAC}">
+      <dgm:prSet phldrT="[文字]" custT="1"/>
+      <dgm:spPr/>
+      <dgm:t>
+        <a:bodyPr/>
+        <a:lstStyle/>
+        <a:p>
+          <a:r>
+            <a:rPr lang="zh-CN" altLang="en-US" sz="2400" dirty="0" smtClean="0"/>
+            <a:t>数据混乱</a:t>
+          </a:r>
+          <a:endParaRPr lang="zh-TW" altLang="en-US" sz="2400" dirty="0"/>
+        </a:p>
+      </dgm:t>
+    </dgm:pt>
+    <dgm:pt modelId="{69E42CB9-668A-4B01-B3F1-F9D4437F5BA9}" type="parTrans" cxnId="{733325DA-07BA-4A5C-AE91-94EB143CED87}">
+      <dgm:prSet/>
+      <dgm:spPr/>
+      <dgm:t>
+        <a:bodyPr/>
+        <a:lstStyle/>
+        <a:p>
+          <a:endParaRPr lang="zh-TW" altLang="en-US"/>
+        </a:p>
+      </dgm:t>
+    </dgm:pt>
+    <dgm:pt modelId="{B6A58B19-8817-42C1-A075-A12C5822115A}" type="sibTrans" cxnId="{733325DA-07BA-4A5C-AE91-94EB143CED87}">
+      <dgm:prSet/>
+      <dgm:spPr/>
+      <dgm:t>
+        <a:bodyPr/>
+        <a:lstStyle/>
+        <a:p>
+          <a:endParaRPr lang="zh-TW" altLang="en-US"/>
+        </a:p>
+      </dgm:t>
+    </dgm:pt>
+    <dgm:pt modelId="{12B21BA9-C89D-4879-9FAF-2F8B9D637619}" type="pres">
+      <dgm:prSet presAssocID="{52C198B7-33A8-432A-9139-0DDD1D9E74F4}" presName="theList" presStyleCnt="0">
+        <dgm:presLayoutVars>
+          <dgm:dir/>
+          <dgm:animLvl val="lvl"/>
+          <dgm:resizeHandles val="exact"/>
+        </dgm:presLayoutVars>
+      </dgm:prSet>
+      <dgm:spPr/>
+      <dgm:t>
+        <a:bodyPr/>
+        <a:lstStyle/>
+        <a:p>
+          <a:endParaRPr lang="zh-TW" altLang="en-US"/>
+        </a:p>
+      </dgm:t>
+    </dgm:pt>
+    <dgm:pt modelId="{ACFCCB12-5099-42E3-BB3C-C0976C19AC6B}" type="pres">
+      <dgm:prSet presAssocID="{227E52B0-5A82-4907-B9F2-9F08DF2553BF}" presName="compNode" presStyleCnt="0"/>
+      <dgm:spPr/>
+    </dgm:pt>
+    <dgm:pt modelId="{0FAF5DA0-DEB7-45ED-8E13-1A0FD1021AC8}" type="pres">
+      <dgm:prSet presAssocID="{227E52B0-5A82-4907-B9F2-9F08DF2553BF}" presName="aNode" presStyleLbl="bgShp" presStyleIdx="0" presStyleCnt="2"/>
+      <dgm:spPr/>
+      <dgm:t>
+        <a:bodyPr/>
+        <a:lstStyle/>
+        <a:p>
+          <a:endParaRPr lang="zh-TW" altLang="en-US"/>
+        </a:p>
+      </dgm:t>
+    </dgm:pt>
+    <dgm:pt modelId="{EE300394-A35B-4B57-BBA1-B1E21D6526DB}" type="pres">
+      <dgm:prSet presAssocID="{227E52B0-5A82-4907-B9F2-9F08DF2553BF}" presName="textNode" presStyleLbl="bgShp" presStyleIdx="0" presStyleCnt="2"/>
+      <dgm:spPr/>
+      <dgm:t>
+        <a:bodyPr/>
+        <a:lstStyle/>
+        <a:p>
+          <a:endParaRPr lang="zh-TW" altLang="en-US"/>
+        </a:p>
+      </dgm:t>
+    </dgm:pt>
+    <dgm:pt modelId="{DB816AA8-7996-4368-9F3E-BEE463D00B0A}" type="pres">
+      <dgm:prSet presAssocID="{227E52B0-5A82-4907-B9F2-9F08DF2553BF}" presName="compChildNode" presStyleCnt="0"/>
+      <dgm:spPr/>
+    </dgm:pt>
+    <dgm:pt modelId="{AA653ED1-B5E9-415C-896C-AC255ED793EA}" type="pres">
+      <dgm:prSet presAssocID="{227E52B0-5A82-4907-B9F2-9F08DF2553BF}" presName="theInnerList" presStyleCnt="0"/>
+      <dgm:spPr/>
+    </dgm:pt>
+    <dgm:pt modelId="{21D116B6-210E-4A93-9FE4-686CA9E0C4CA}" type="pres">
+      <dgm:prSet presAssocID="{80BFFD35-AA51-4225-909F-205841D8C818}" presName="childNode" presStyleLbl="node1" presStyleIdx="0" presStyleCnt="4">
+        <dgm:presLayoutVars>
+          <dgm:bulletEnabled val="1"/>
+        </dgm:presLayoutVars>
+      </dgm:prSet>
+      <dgm:spPr/>
+      <dgm:t>
+        <a:bodyPr/>
+        <a:lstStyle/>
+        <a:p>
+          <a:endParaRPr lang="zh-TW" altLang="en-US"/>
+        </a:p>
+      </dgm:t>
+    </dgm:pt>
+    <dgm:pt modelId="{E65F9626-56B5-4A09-A34E-7D5CA3490D29}" type="pres">
+      <dgm:prSet presAssocID="{80BFFD35-AA51-4225-909F-205841D8C818}" presName="aSpace2" presStyleCnt="0"/>
+      <dgm:spPr/>
+    </dgm:pt>
+    <dgm:pt modelId="{A1EAD898-F8B8-49B4-9B15-F6FACD22D2AE}" type="pres">
+      <dgm:prSet presAssocID="{9F750EDE-642B-4792-9507-3D97D79E5EAC}" presName="childNode" presStyleLbl="node1" presStyleIdx="1" presStyleCnt="4">
+        <dgm:presLayoutVars>
+          <dgm:bulletEnabled val="1"/>
+        </dgm:presLayoutVars>
+      </dgm:prSet>
+      <dgm:spPr/>
+      <dgm:t>
+        <a:bodyPr/>
+        <a:lstStyle/>
+        <a:p>
+          <a:endParaRPr lang="zh-TW" altLang="en-US"/>
+        </a:p>
+      </dgm:t>
+    </dgm:pt>
+    <dgm:pt modelId="{038B98FA-08B9-479C-8D3F-4026DB028DAF}" type="pres">
+      <dgm:prSet presAssocID="{227E52B0-5A82-4907-B9F2-9F08DF2553BF}" presName="aSpace" presStyleCnt="0"/>
+      <dgm:spPr/>
+    </dgm:pt>
+    <dgm:pt modelId="{E102EA8E-4CA6-4764-B0A2-0ED1C72E25B3}" type="pres">
+      <dgm:prSet presAssocID="{21E9BD4F-3F27-4D7D-899A-FD9357B53021}" presName="compNode" presStyleCnt="0"/>
+      <dgm:spPr/>
+    </dgm:pt>
+    <dgm:pt modelId="{A587BF03-B3C0-4D95-86F8-388F39C94604}" type="pres">
+      <dgm:prSet presAssocID="{21E9BD4F-3F27-4D7D-899A-FD9357B53021}" presName="aNode" presStyleLbl="bgShp" presStyleIdx="1" presStyleCnt="2"/>
+      <dgm:spPr/>
+      <dgm:t>
+        <a:bodyPr/>
+        <a:lstStyle/>
+        <a:p>
+          <a:endParaRPr lang="zh-TW" altLang="en-US"/>
+        </a:p>
+      </dgm:t>
+    </dgm:pt>
+    <dgm:pt modelId="{27247EFE-F21A-45F8-B4DC-10F467B7FA1F}" type="pres">
+      <dgm:prSet presAssocID="{21E9BD4F-3F27-4D7D-899A-FD9357B53021}" presName="textNode" presStyleLbl="bgShp" presStyleIdx="1" presStyleCnt="2"/>
+      <dgm:spPr/>
+      <dgm:t>
+        <a:bodyPr/>
+        <a:lstStyle/>
+        <a:p>
+          <a:endParaRPr lang="zh-TW" altLang="en-US"/>
+        </a:p>
+      </dgm:t>
+    </dgm:pt>
+    <dgm:pt modelId="{52C495BE-1FC3-4B2D-BF9E-1D4AF7117D95}" type="pres">
+      <dgm:prSet presAssocID="{21E9BD4F-3F27-4D7D-899A-FD9357B53021}" presName="compChildNode" presStyleCnt="0"/>
+      <dgm:spPr/>
+    </dgm:pt>
+    <dgm:pt modelId="{D059FADC-813A-4C00-9B3C-B9DA41C8E1A7}" type="pres">
+      <dgm:prSet presAssocID="{21E9BD4F-3F27-4D7D-899A-FD9357B53021}" presName="theInnerList" presStyleCnt="0"/>
+      <dgm:spPr/>
+    </dgm:pt>
+    <dgm:pt modelId="{136ED017-E181-448B-AD7E-2EC4C03FB1C8}" type="pres">
+      <dgm:prSet presAssocID="{C91CB743-7286-48A9-83AF-8608867E9716}" presName="childNode" presStyleLbl="node1" presStyleIdx="2" presStyleCnt="4">
+        <dgm:presLayoutVars>
+          <dgm:bulletEnabled val="1"/>
+        </dgm:presLayoutVars>
+      </dgm:prSet>
+      <dgm:spPr/>
+      <dgm:t>
+        <a:bodyPr/>
+        <a:lstStyle/>
+        <a:p>
+          <a:endParaRPr lang="zh-TW" altLang="en-US"/>
+        </a:p>
+      </dgm:t>
+    </dgm:pt>
+    <dgm:pt modelId="{9E05C035-1939-43AA-8516-BF36131FA0CD}" type="pres">
+      <dgm:prSet presAssocID="{C91CB743-7286-48A9-83AF-8608867E9716}" presName="aSpace2" presStyleCnt="0"/>
+      <dgm:spPr/>
+    </dgm:pt>
+    <dgm:pt modelId="{6ED04703-09C8-4B99-8CA4-F4FA2D736088}" type="pres">
+      <dgm:prSet presAssocID="{166BAA31-ABD8-4630-859A-AC88CBCB05A7}" presName="childNode" presStyleLbl="node1" presStyleIdx="3" presStyleCnt="4">
+        <dgm:presLayoutVars>
+          <dgm:bulletEnabled val="1"/>
+        </dgm:presLayoutVars>
+      </dgm:prSet>
+      <dgm:spPr/>
+      <dgm:t>
+        <a:bodyPr/>
+        <a:lstStyle/>
+        <a:p>
+          <a:endParaRPr lang="zh-TW" altLang="en-US"/>
+        </a:p>
+      </dgm:t>
+    </dgm:pt>
+  </dgm:ptLst>
+  <dgm:cxnLst>
+    <dgm:cxn modelId="{256CD258-AA4A-4130-BEA3-174D84FB715E}" type="presOf" srcId="{52C198B7-33A8-432A-9139-0DDD1D9E74F4}" destId="{12B21BA9-C89D-4879-9FAF-2F8B9D637619}" srcOrd="0" destOrd="0" presId="urn:microsoft.com/office/officeart/2005/8/layout/lProcess2"/>
+    <dgm:cxn modelId="{A20AFB62-E56D-44B8-9A3B-715EA353662B}" type="presOf" srcId="{21E9BD4F-3F27-4D7D-899A-FD9357B53021}" destId="{A587BF03-B3C0-4D95-86F8-388F39C94604}" srcOrd="0" destOrd="0" presId="urn:microsoft.com/office/officeart/2005/8/layout/lProcess2"/>
+    <dgm:cxn modelId="{3BD55CD1-4CD0-4BAE-9DB6-031058CEE478}" srcId="{227E52B0-5A82-4907-B9F2-9F08DF2553BF}" destId="{80BFFD35-AA51-4225-909F-205841D8C818}" srcOrd="0" destOrd="0" parTransId="{AC822D68-EAD9-45EE-AAA5-FDF032B06E9A}" sibTransId="{81DDCE2B-6DE7-42F4-8EF8-4F801F8DC16E}"/>
+    <dgm:cxn modelId="{16F68EDF-53E4-4094-B1AD-78FBBA8104C4}" type="presOf" srcId="{166BAA31-ABD8-4630-859A-AC88CBCB05A7}" destId="{6ED04703-09C8-4B99-8CA4-F4FA2D736088}" srcOrd="0" destOrd="0" presId="urn:microsoft.com/office/officeart/2005/8/layout/lProcess2"/>
+    <dgm:cxn modelId="{FDBAC5CB-2EC7-41F7-B55D-B5E465E38563}" srcId="{52C198B7-33A8-432A-9139-0DDD1D9E74F4}" destId="{227E52B0-5A82-4907-B9F2-9F08DF2553BF}" srcOrd="0" destOrd="0" parTransId="{7C1FE677-A5D5-4EB8-A87A-F1E4D0CFA0E7}" sibTransId="{DCCF67E6-449E-4F42-97A3-FA54FB1546E4}"/>
+    <dgm:cxn modelId="{ECCCB7A6-6CEC-45F2-8EAB-F1C8FF4C9E99}" srcId="{21E9BD4F-3F27-4D7D-899A-FD9357B53021}" destId="{166BAA31-ABD8-4630-859A-AC88CBCB05A7}" srcOrd="1" destOrd="0" parTransId="{F3C4DF8C-303C-47C8-85D2-366CBB648EE8}" sibTransId="{0AFAF082-03DE-409F-B369-2E9D1DD6F3E3}"/>
+    <dgm:cxn modelId="{7BF56900-E8DD-487B-9552-3B6EC2217A84}" type="presOf" srcId="{21E9BD4F-3F27-4D7D-899A-FD9357B53021}" destId="{27247EFE-F21A-45F8-B4DC-10F467B7FA1F}" srcOrd="1" destOrd="0" presId="urn:microsoft.com/office/officeart/2005/8/layout/lProcess2"/>
+    <dgm:cxn modelId="{9601A12B-6F3D-4153-BA7E-48103F2B4D53}" type="presOf" srcId="{80BFFD35-AA51-4225-909F-205841D8C818}" destId="{21D116B6-210E-4A93-9FE4-686CA9E0C4CA}" srcOrd="0" destOrd="0" presId="urn:microsoft.com/office/officeart/2005/8/layout/lProcess2"/>
+    <dgm:cxn modelId="{74408255-3367-49F7-9640-A24E23E0B3D8}" type="presOf" srcId="{C91CB743-7286-48A9-83AF-8608867E9716}" destId="{136ED017-E181-448B-AD7E-2EC4C03FB1C8}" srcOrd="0" destOrd="0" presId="urn:microsoft.com/office/officeart/2005/8/layout/lProcess2"/>
+    <dgm:cxn modelId="{91A87CF2-1940-461C-AFBD-65C52CFB8660}" srcId="{21E9BD4F-3F27-4D7D-899A-FD9357B53021}" destId="{C91CB743-7286-48A9-83AF-8608867E9716}" srcOrd="0" destOrd="0" parTransId="{3BDEBD0F-B73F-4B98-BD2D-00924DD00B84}" sibTransId="{D7193136-6AB9-4469-8F5C-AD26E0973E6C}"/>
+    <dgm:cxn modelId="{7F3CF8A5-C8C0-4A88-8AAC-075A96975E62}" type="presOf" srcId="{9F750EDE-642B-4792-9507-3D97D79E5EAC}" destId="{A1EAD898-F8B8-49B4-9B15-F6FACD22D2AE}" srcOrd="0" destOrd="0" presId="urn:microsoft.com/office/officeart/2005/8/layout/lProcess2"/>
+    <dgm:cxn modelId="{0446AE1A-4ED1-4391-ABDB-18E93E59A70E}" type="presOf" srcId="{227E52B0-5A82-4907-B9F2-9F08DF2553BF}" destId="{0FAF5DA0-DEB7-45ED-8E13-1A0FD1021AC8}" srcOrd="0" destOrd="0" presId="urn:microsoft.com/office/officeart/2005/8/layout/lProcess2"/>
+    <dgm:cxn modelId="{7803656D-5DE3-4B3B-9F5F-E7D16975F1F8}" srcId="{52C198B7-33A8-432A-9139-0DDD1D9E74F4}" destId="{21E9BD4F-3F27-4D7D-899A-FD9357B53021}" srcOrd="1" destOrd="0" parTransId="{697B6575-A92F-4671-90B6-4E0FBDFC6CD8}" sibTransId="{7CB3A502-6D76-4E1F-B6E3-833B01071A4B}"/>
+    <dgm:cxn modelId="{37285DA6-81A6-4F1C-8D60-CFBDB32E6120}" type="presOf" srcId="{227E52B0-5A82-4907-B9F2-9F08DF2553BF}" destId="{EE300394-A35B-4B57-BBA1-B1E21D6526DB}" srcOrd="1" destOrd="0" presId="urn:microsoft.com/office/officeart/2005/8/layout/lProcess2"/>
+    <dgm:cxn modelId="{733325DA-07BA-4A5C-AE91-94EB143CED87}" srcId="{227E52B0-5A82-4907-B9F2-9F08DF2553BF}" destId="{9F750EDE-642B-4792-9507-3D97D79E5EAC}" srcOrd="1" destOrd="0" parTransId="{69E42CB9-668A-4B01-B3F1-F9D4437F5BA9}" sibTransId="{B6A58B19-8817-42C1-A075-A12C5822115A}"/>
+    <dgm:cxn modelId="{0E2308F7-6A14-431C-8616-46511D79F67E}" type="presParOf" srcId="{12B21BA9-C89D-4879-9FAF-2F8B9D637619}" destId="{ACFCCB12-5099-42E3-BB3C-C0976C19AC6B}" srcOrd="0" destOrd="0" presId="urn:microsoft.com/office/officeart/2005/8/layout/lProcess2"/>
+    <dgm:cxn modelId="{47548F7A-629B-47DF-8EC2-E4DEE74EA484}" type="presParOf" srcId="{ACFCCB12-5099-42E3-BB3C-C0976C19AC6B}" destId="{0FAF5DA0-DEB7-45ED-8E13-1A0FD1021AC8}" srcOrd="0" destOrd="0" presId="urn:microsoft.com/office/officeart/2005/8/layout/lProcess2"/>
+    <dgm:cxn modelId="{3254130C-BC6A-44B4-9FA0-8A02F6C75BDF}" type="presParOf" srcId="{ACFCCB12-5099-42E3-BB3C-C0976C19AC6B}" destId="{EE300394-A35B-4B57-BBA1-B1E21D6526DB}" srcOrd="1" destOrd="0" presId="urn:microsoft.com/office/officeart/2005/8/layout/lProcess2"/>
+    <dgm:cxn modelId="{5E2DDF6D-162B-4FF7-99D3-FF789153F30F}" type="presParOf" srcId="{ACFCCB12-5099-42E3-BB3C-C0976C19AC6B}" destId="{DB816AA8-7996-4368-9F3E-BEE463D00B0A}" srcOrd="2" destOrd="0" presId="urn:microsoft.com/office/officeart/2005/8/layout/lProcess2"/>
+    <dgm:cxn modelId="{E1F9976F-5676-4082-94DA-8480F0175075}" type="presParOf" srcId="{DB816AA8-7996-4368-9F3E-BEE463D00B0A}" destId="{AA653ED1-B5E9-415C-896C-AC255ED793EA}" srcOrd="0" destOrd="0" presId="urn:microsoft.com/office/officeart/2005/8/layout/lProcess2"/>
+    <dgm:cxn modelId="{546A9E86-8BBE-4126-8F34-A3013D6EF433}" type="presParOf" srcId="{AA653ED1-B5E9-415C-896C-AC255ED793EA}" destId="{21D116B6-210E-4A93-9FE4-686CA9E0C4CA}" srcOrd="0" destOrd="0" presId="urn:microsoft.com/office/officeart/2005/8/layout/lProcess2"/>
+    <dgm:cxn modelId="{F3311E89-6B75-4ACA-9689-54B4CE70E2C7}" type="presParOf" srcId="{AA653ED1-B5E9-415C-896C-AC255ED793EA}" destId="{E65F9626-56B5-4A09-A34E-7D5CA3490D29}" srcOrd="1" destOrd="0" presId="urn:microsoft.com/office/officeart/2005/8/layout/lProcess2"/>
+    <dgm:cxn modelId="{9864D411-86C7-4AA5-A793-5783274543DD}" type="presParOf" srcId="{AA653ED1-B5E9-415C-896C-AC255ED793EA}" destId="{A1EAD898-F8B8-49B4-9B15-F6FACD22D2AE}" srcOrd="2" destOrd="0" presId="urn:microsoft.com/office/officeart/2005/8/layout/lProcess2"/>
+    <dgm:cxn modelId="{C1E8437E-7071-4E58-87CA-14DF424F0C8F}" type="presParOf" srcId="{12B21BA9-C89D-4879-9FAF-2F8B9D637619}" destId="{038B98FA-08B9-479C-8D3F-4026DB028DAF}" srcOrd="1" destOrd="0" presId="urn:microsoft.com/office/officeart/2005/8/layout/lProcess2"/>
+    <dgm:cxn modelId="{CD002FB1-F141-45D7-B412-2507D825B14A}" type="presParOf" srcId="{12B21BA9-C89D-4879-9FAF-2F8B9D637619}" destId="{E102EA8E-4CA6-4764-B0A2-0ED1C72E25B3}" srcOrd="2" destOrd="0" presId="urn:microsoft.com/office/officeart/2005/8/layout/lProcess2"/>
+    <dgm:cxn modelId="{3A9E5AD5-07D8-478C-A26B-9722AB33CD31}" type="presParOf" srcId="{E102EA8E-4CA6-4764-B0A2-0ED1C72E25B3}" destId="{A587BF03-B3C0-4D95-86F8-388F39C94604}" srcOrd="0" destOrd="0" presId="urn:microsoft.com/office/officeart/2005/8/layout/lProcess2"/>
+    <dgm:cxn modelId="{52533FB7-D70E-435D-BEF7-2190A49F5C91}" type="presParOf" srcId="{E102EA8E-4CA6-4764-B0A2-0ED1C72E25B3}" destId="{27247EFE-F21A-45F8-B4DC-10F467B7FA1F}" srcOrd="1" destOrd="0" presId="urn:microsoft.com/office/officeart/2005/8/layout/lProcess2"/>
+    <dgm:cxn modelId="{E4FDFCC8-7CB1-4D64-BB9E-B87317538DD2}" type="presParOf" srcId="{E102EA8E-4CA6-4764-B0A2-0ED1C72E25B3}" destId="{52C495BE-1FC3-4B2D-BF9E-1D4AF7117D95}" srcOrd="2" destOrd="0" presId="urn:microsoft.com/office/officeart/2005/8/layout/lProcess2"/>
+    <dgm:cxn modelId="{C5FD70BF-718E-494F-9785-647BB1A3FFB9}" type="presParOf" srcId="{52C495BE-1FC3-4B2D-BF9E-1D4AF7117D95}" destId="{D059FADC-813A-4C00-9B3C-B9DA41C8E1A7}" srcOrd="0" destOrd="0" presId="urn:microsoft.com/office/officeart/2005/8/layout/lProcess2"/>
+    <dgm:cxn modelId="{1AFE8E4A-7170-41D9-9A93-37BFAFA944E8}" type="presParOf" srcId="{D059FADC-813A-4C00-9B3C-B9DA41C8E1A7}" destId="{136ED017-E181-448B-AD7E-2EC4C03FB1C8}" srcOrd="0" destOrd="0" presId="urn:microsoft.com/office/officeart/2005/8/layout/lProcess2"/>
+    <dgm:cxn modelId="{162CB87A-D4DD-411B-A59F-E4C102D2A8AA}" type="presParOf" srcId="{D059FADC-813A-4C00-9B3C-B9DA41C8E1A7}" destId="{9E05C035-1939-43AA-8516-BF36131FA0CD}" srcOrd="1" destOrd="0" presId="urn:microsoft.com/office/officeart/2005/8/layout/lProcess2"/>
+    <dgm:cxn modelId="{B52BDE4E-5050-432F-8AB4-B8FA27600519}" type="presParOf" srcId="{D059FADC-813A-4C00-9B3C-B9DA41C8E1A7}" destId="{6ED04703-09C8-4B99-8CA4-F4FA2D736088}" srcOrd="2" destOrd="0" presId="urn:microsoft.com/office/officeart/2005/8/layout/lProcess2"/>
+  </dgm:cxnLst>
+  <dgm:bg/>
+  <dgm:whole/>
+  <dgm:extLst>
+    <a:ext uri="http://schemas.microsoft.com/office/drawing/2008/diagram">
+      <dsp:dataModelExt xmlns:dsp="http://schemas.microsoft.com/office/drawing/2008/diagram" relId="rId7" minVer="http://schemas.openxmlformats.org/drawingml/2006/diagram"/>
+    </a:ext>
+  </dgm:extLst>
+</dgm:dataModel>
+</file>
+
+<file path=ppt/diagrams/drawing1.xml><?xml version="1.0" encoding="utf-8"?>
+<dsp:drawing xmlns:dgm="http://schemas.openxmlformats.org/drawingml/2006/diagram" xmlns:dsp="http://schemas.microsoft.com/office/drawing/2008/diagram" xmlns:a="http://schemas.openxmlformats.org/drawingml/2006/main">
+  <dsp:spTree>
+    <dsp:nvGrpSpPr>
+      <dsp:cNvPr id="0" name=""/>
+      <dsp:cNvGrpSpPr/>
+    </dsp:nvGrpSpPr>
+    <dsp:grpSpPr/>
+    <dsp:sp modelId="{0FAF5DA0-DEB7-45ED-8E13-1A0FD1021AC8}">
+      <dsp:nvSpPr>
+        <dsp:cNvPr id="0" name=""/>
+        <dsp:cNvSpPr/>
+      </dsp:nvSpPr>
+      <dsp:spPr>
+        <a:xfrm>
+          <a:off x="3099" y="0"/>
+          <a:ext cx="2981440" cy="3528392"/>
+        </a:xfrm>
+        <a:prstGeom prst="roundRect">
+          <a:avLst>
+            <a:gd name="adj" fmla="val 10000"/>
+          </a:avLst>
+        </a:prstGeom>
+        <a:solidFill>
+          <a:schemeClr val="accent1">
+            <a:tint val="40000"/>
+            <a:hueOff val="0"/>
+            <a:satOff val="0"/>
+            <a:lumOff val="0"/>
+            <a:alphaOff val="0"/>
+          </a:schemeClr>
+        </a:solidFill>
+        <a:ln>
+          <a:noFill/>
+        </a:ln>
+        <a:effectLst/>
+      </dsp:spPr>
+      <dsp:style>
+        <a:lnRef idx="0">
+          <a:scrgbClr r="0" g="0" b="0"/>
+        </a:lnRef>
+        <a:fillRef idx="1">
+          <a:scrgbClr r="0" g="0" b="0"/>
+        </a:fillRef>
+        <a:effectRef idx="0">
+          <a:scrgbClr r="0" g="0" b="0"/>
+        </a:effectRef>
+        <a:fontRef idx="minor"/>
+      </dsp:style>
+      <dsp:txBody>
+        <a:bodyPr spcFirstLastPara="0" vert="horz" wrap="square" lIns="137160" tIns="137160" rIns="137160" bIns="137160" numCol="1" spcCol="1270" anchor="ctr" anchorCtr="0">
+          <a:noAutofit/>
+        </a:bodyPr>
+        <a:lstStyle/>
+        <a:p>
+          <a:pPr lvl="0" algn="ctr" defTabSz="1600200">
+            <a:lnSpc>
+              <a:spcPct val="90000"/>
+            </a:lnSpc>
+            <a:spcBef>
+              <a:spcPct val="0"/>
+            </a:spcBef>
+            <a:spcAft>
+              <a:spcPct val="35000"/>
+            </a:spcAft>
+          </a:pPr>
+          <a:r>
+            <a:rPr lang="zh-CN" altLang="en-US" sz="3600" kern="1200" dirty="0" smtClean="0"/>
+            <a:t>人工记录</a:t>
+          </a:r>
+          <a:endParaRPr lang="zh-TW" altLang="en-US" sz="3600" kern="1200" dirty="0"/>
+        </a:p>
+      </dsp:txBody>
+      <dsp:txXfrm>
+        <a:off x="3099" y="0"/>
+        <a:ext cx="2981440" cy="1058517"/>
+      </dsp:txXfrm>
+    </dsp:sp>
+    <dsp:sp modelId="{21D116B6-210E-4A93-9FE4-686CA9E0C4CA}">
+      <dsp:nvSpPr>
+        <dsp:cNvPr id="0" name=""/>
+        <dsp:cNvSpPr/>
+      </dsp:nvSpPr>
+      <dsp:spPr>
+        <a:xfrm>
+          <a:off x="301243" y="1059551"/>
+          <a:ext cx="2385152" cy="1063858"/>
+        </a:xfrm>
+        <a:prstGeom prst="roundRect">
+          <a:avLst>
+            <a:gd name="adj" fmla="val 10000"/>
+          </a:avLst>
+        </a:prstGeom>
+        <a:solidFill>
+          <a:schemeClr val="accent1">
+            <a:hueOff val="0"/>
+            <a:satOff val="0"/>
+            <a:lumOff val="0"/>
+            <a:alphaOff val="0"/>
+          </a:schemeClr>
+        </a:solidFill>
+        <a:ln w="25400" cap="flat" cmpd="sng" algn="ctr">
+          <a:solidFill>
+            <a:schemeClr val="lt1">
+              <a:hueOff val="0"/>
+              <a:satOff val="0"/>
+              <a:lumOff val="0"/>
+              <a:alphaOff val="0"/>
+            </a:schemeClr>
+          </a:solidFill>
+          <a:prstDash val="solid"/>
+        </a:ln>
+        <a:effectLst/>
+      </dsp:spPr>
+      <dsp:style>
+        <a:lnRef idx="2">
+          <a:scrgbClr r="0" g="0" b="0"/>
+        </a:lnRef>
+        <a:fillRef idx="1">
+          <a:scrgbClr r="0" g="0" b="0"/>
+        </a:fillRef>
+        <a:effectRef idx="0">
+          <a:scrgbClr r="0" g="0" b="0"/>
+        </a:effectRef>
+        <a:fontRef idx="minor">
+          <a:schemeClr val="lt1"/>
+        </a:fontRef>
+      </dsp:style>
+      <dsp:txBody>
+        <a:bodyPr spcFirstLastPara="0" vert="horz" wrap="square" lIns="60960" tIns="45720" rIns="60960" bIns="45720" numCol="1" spcCol="1270" anchor="ctr" anchorCtr="0">
+          <a:noAutofit/>
+        </a:bodyPr>
+        <a:lstStyle/>
+        <a:p>
+          <a:pPr lvl="0" algn="ctr" defTabSz="1066800">
+            <a:lnSpc>
+              <a:spcPct val="90000"/>
+            </a:lnSpc>
+            <a:spcBef>
+              <a:spcPct val="0"/>
+            </a:spcBef>
+            <a:spcAft>
+              <a:spcPct val="35000"/>
+            </a:spcAft>
+          </a:pPr>
+          <a:r>
+            <a:rPr lang="zh-CN" altLang="en-US" sz="2400" kern="1200" dirty="0" smtClean="0"/>
+            <a:t>易抄错、漏记</a:t>
+          </a:r>
+          <a:endParaRPr lang="zh-TW" altLang="en-US" sz="2400" kern="1200" dirty="0"/>
+        </a:p>
+      </dsp:txBody>
+      <dsp:txXfrm>
+        <a:off x="332402" y="1090710"/>
+        <a:ext cx="2322834" cy="1001540"/>
+      </dsp:txXfrm>
+    </dsp:sp>
+    <dsp:sp modelId="{A1EAD898-F8B8-49B4-9B15-F6FACD22D2AE}">
+      <dsp:nvSpPr>
+        <dsp:cNvPr id="0" name=""/>
+        <dsp:cNvSpPr/>
+      </dsp:nvSpPr>
+      <dsp:spPr>
+        <a:xfrm>
+          <a:off x="301243" y="2287080"/>
+          <a:ext cx="2385152" cy="1063858"/>
+        </a:xfrm>
+        <a:prstGeom prst="roundRect">
+          <a:avLst>
+            <a:gd name="adj" fmla="val 10000"/>
+          </a:avLst>
+        </a:prstGeom>
+        <a:solidFill>
+          <a:schemeClr val="accent1">
+            <a:hueOff val="0"/>
+            <a:satOff val="0"/>
+            <a:lumOff val="0"/>
+            <a:alphaOff val="0"/>
+          </a:schemeClr>
+        </a:solidFill>
+        <a:ln w="25400" cap="flat" cmpd="sng" algn="ctr">
+          <a:solidFill>
+            <a:schemeClr val="lt1">
+              <a:hueOff val="0"/>
+              <a:satOff val="0"/>
+              <a:lumOff val="0"/>
+              <a:alphaOff val="0"/>
+            </a:schemeClr>
+          </a:solidFill>
+          <a:prstDash val="solid"/>
+        </a:ln>
+        <a:effectLst/>
+      </dsp:spPr>
+      <dsp:style>
+        <a:lnRef idx="2">
+          <a:scrgbClr r="0" g="0" b="0"/>
+        </a:lnRef>
+        <a:fillRef idx="1">
+          <a:scrgbClr r="0" g="0" b="0"/>
+        </a:fillRef>
+        <a:effectRef idx="0">
+          <a:scrgbClr r="0" g="0" b="0"/>
+        </a:effectRef>
+        <a:fontRef idx="minor">
+          <a:schemeClr val="lt1"/>
+        </a:fontRef>
+      </dsp:style>
+      <dsp:txBody>
+        <a:bodyPr spcFirstLastPara="0" vert="horz" wrap="square" lIns="60960" tIns="45720" rIns="60960" bIns="45720" numCol="1" spcCol="1270" anchor="ctr" anchorCtr="0">
+          <a:noAutofit/>
+        </a:bodyPr>
+        <a:lstStyle/>
+        <a:p>
+          <a:pPr lvl="0" algn="ctr" defTabSz="1066800">
+            <a:lnSpc>
+              <a:spcPct val="90000"/>
+            </a:lnSpc>
+            <a:spcBef>
+              <a:spcPct val="0"/>
+            </a:spcBef>
+            <a:spcAft>
+              <a:spcPct val="35000"/>
+            </a:spcAft>
+          </a:pPr>
+          <a:r>
+            <a:rPr lang="zh-CN" altLang="en-US" sz="2400" kern="1200" dirty="0" smtClean="0"/>
+            <a:t>数据混乱</a:t>
+          </a:r>
+          <a:endParaRPr lang="zh-TW" altLang="en-US" sz="2400" kern="1200" dirty="0"/>
+        </a:p>
+      </dsp:txBody>
+      <dsp:txXfrm>
+        <a:off x="332402" y="2318239"/>
+        <a:ext cx="2322834" cy="1001540"/>
+      </dsp:txXfrm>
+    </dsp:sp>
+    <dsp:sp modelId="{A587BF03-B3C0-4D95-86F8-388F39C94604}">
+      <dsp:nvSpPr>
+        <dsp:cNvPr id="0" name=""/>
+        <dsp:cNvSpPr/>
+      </dsp:nvSpPr>
+      <dsp:spPr>
+        <a:xfrm>
+          <a:off x="3208148" y="0"/>
+          <a:ext cx="2981440" cy="3528392"/>
+        </a:xfrm>
+        <a:prstGeom prst="roundRect">
+          <a:avLst>
+            <a:gd name="adj" fmla="val 10000"/>
+          </a:avLst>
+        </a:prstGeom>
+        <a:solidFill>
+          <a:schemeClr val="accent1">
+            <a:tint val="40000"/>
+            <a:hueOff val="0"/>
+            <a:satOff val="0"/>
+            <a:lumOff val="0"/>
+            <a:alphaOff val="0"/>
+          </a:schemeClr>
+        </a:solidFill>
+        <a:ln>
+          <a:noFill/>
+        </a:ln>
+        <a:effectLst/>
+      </dsp:spPr>
+      <dsp:style>
+        <a:lnRef idx="0">
+          <a:scrgbClr r="0" g="0" b="0"/>
+        </a:lnRef>
+        <a:fillRef idx="1">
+          <a:scrgbClr r="0" g="0" b="0"/>
+        </a:fillRef>
+        <a:effectRef idx="0">
+          <a:scrgbClr r="0" g="0" b="0"/>
+        </a:effectRef>
+        <a:fontRef idx="minor"/>
+      </dsp:style>
+      <dsp:txBody>
+        <a:bodyPr spcFirstLastPara="0" vert="horz" wrap="square" lIns="137160" tIns="137160" rIns="137160" bIns="137160" numCol="1" spcCol="1270" anchor="ctr" anchorCtr="0">
+          <a:noAutofit/>
+        </a:bodyPr>
+        <a:lstStyle/>
+        <a:p>
+          <a:pPr lvl="0" algn="ctr" defTabSz="1600200">
+            <a:lnSpc>
+              <a:spcPct val="90000"/>
+            </a:lnSpc>
+            <a:spcBef>
+              <a:spcPct val="0"/>
+            </a:spcBef>
+            <a:spcAft>
+              <a:spcPct val="35000"/>
+            </a:spcAft>
+          </a:pPr>
+          <a:r>
+            <a:rPr lang="zh-CN" altLang="en-US" sz="3600" kern="1200" dirty="0" smtClean="0"/>
+            <a:t>重复操作</a:t>
+          </a:r>
+          <a:endParaRPr lang="zh-TW" altLang="en-US" sz="3600" kern="1200" dirty="0"/>
+        </a:p>
+      </dsp:txBody>
+      <dsp:txXfrm>
+        <a:off x="3208148" y="0"/>
+        <a:ext cx="2981440" cy="1058517"/>
+      </dsp:txXfrm>
+    </dsp:sp>
+    <dsp:sp modelId="{136ED017-E181-448B-AD7E-2EC4C03FB1C8}">
+      <dsp:nvSpPr>
+        <dsp:cNvPr id="0" name=""/>
+        <dsp:cNvSpPr/>
+      </dsp:nvSpPr>
+      <dsp:spPr>
+        <a:xfrm>
+          <a:off x="3506292" y="1059551"/>
+          <a:ext cx="2385152" cy="1063858"/>
+        </a:xfrm>
+        <a:prstGeom prst="roundRect">
+          <a:avLst>
+            <a:gd name="adj" fmla="val 10000"/>
+          </a:avLst>
+        </a:prstGeom>
+        <a:solidFill>
+          <a:schemeClr val="accent1">
+            <a:hueOff val="0"/>
+            <a:satOff val="0"/>
+            <a:lumOff val="0"/>
+            <a:alphaOff val="0"/>
+          </a:schemeClr>
+        </a:solidFill>
+        <a:ln w="25400" cap="flat" cmpd="sng" algn="ctr">
+          <a:solidFill>
+            <a:schemeClr val="lt1">
+              <a:hueOff val="0"/>
+              <a:satOff val="0"/>
+              <a:lumOff val="0"/>
+              <a:alphaOff val="0"/>
+            </a:schemeClr>
+          </a:solidFill>
+          <a:prstDash val="solid"/>
+        </a:ln>
+        <a:effectLst/>
+      </dsp:spPr>
+      <dsp:style>
+        <a:lnRef idx="2">
+          <a:scrgbClr r="0" g="0" b="0"/>
+        </a:lnRef>
+        <a:fillRef idx="1">
+          <a:scrgbClr r="0" g="0" b="0"/>
+        </a:fillRef>
+        <a:effectRef idx="0">
+          <a:scrgbClr r="0" g="0" b="0"/>
+        </a:effectRef>
+        <a:fontRef idx="minor">
+          <a:schemeClr val="lt1"/>
+        </a:fontRef>
+      </dsp:style>
+      <dsp:txBody>
+        <a:bodyPr spcFirstLastPara="0" vert="horz" wrap="square" lIns="60960" tIns="45720" rIns="60960" bIns="45720" numCol="1" spcCol="1270" anchor="ctr" anchorCtr="0">
+          <a:noAutofit/>
+        </a:bodyPr>
+        <a:lstStyle/>
+        <a:p>
+          <a:pPr lvl="0" algn="ctr" defTabSz="1066800">
+            <a:lnSpc>
+              <a:spcPct val="90000"/>
+            </a:lnSpc>
+            <a:spcBef>
+              <a:spcPct val="0"/>
+            </a:spcBef>
+            <a:spcAft>
+              <a:spcPct val="35000"/>
+            </a:spcAft>
+          </a:pPr>
+          <a:r>
+            <a:rPr lang="zh-CN" altLang="en-US" sz="2400" kern="1200" dirty="0" smtClean="0"/>
+            <a:t>每个零件都要重复测试</a:t>
+          </a:r>
+          <a:r>
+            <a:rPr lang="en-US" altLang="zh-CN" sz="2400" kern="1200" dirty="0" smtClean="0"/>
+            <a:t>5</a:t>
+          </a:r>
+          <a:r>
+            <a:rPr lang="zh-CN" altLang="en-US" sz="2400" kern="1200" dirty="0" smtClean="0"/>
+            <a:t>次</a:t>
+          </a:r>
+          <a:endParaRPr lang="zh-TW" altLang="en-US" sz="2400" kern="1200" dirty="0"/>
+        </a:p>
+      </dsp:txBody>
+      <dsp:txXfrm>
+        <a:off x="3537451" y="1090710"/>
+        <a:ext cx="2322834" cy="1001540"/>
+      </dsp:txXfrm>
+    </dsp:sp>
+    <dsp:sp modelId="{6ED04703-09C8-4B99-8CA4-F4FA2D736088}">
+      <dsp:nvSpPr>
+        <dsp:cNvPr id="0" name=""/>
+        <dsp:cNvSpPr/>
+      </dsp:nvSpPr>
+      <dsp:spPr>
+        <a:xfrm>
+          <a:off x="3506292" y="2287080"/>
+          <a:ext cx="2385152" cy="1063858"/>
+        </a:xfrm>
+        <a:prstGeom prst="roundRect">
+          <a:avLst>
+            <a:gd name="adj" fmla="val 10000"/>
+          </a:avLst>
+        </a:prstGeom>
+        <a:solidFill>
+          <a:schemeClr val="accent1">
+            <a:hueOff val="0"/>
+            <a:satOff val="0"/>
+            <a:lumOff val="0"/>
+            <a:alphaOff val="0"/>
+          </a:schemeClr>
+        </a:solidFill>
+        <a:ln w="25400" cap="flat" cmpd="sng" algn="ctr">
+          <a:solidFill>
+            <a:schemeClr val="lt1">
+              <a:hueOff val="0"/>
+              <a:satOff val="0"/>
+              <a:lumOff val="0"/>
+              <a:alphaOff val="0"/>
+            </a:schemeClr>
+          </a:solidFill>
+          <a:prstDash val="solid"/>
+        </a:ln>
+        <a:effectLst/>
+      </dsp:spPr>
+      <dsp:style>
+        <a:lnRef idx="2">
+          <a:scrgbClr r="0" g="0" b="0"/>
+        </a:lnRef>
+        <a:fillRef idx="1">
+          <a:scrgbClr r="0" g="0" b="0"/>
+        </a:fillRef>
+        <a:effectRef idx="0">
+          <a:scrgbClr r="0" g="0" b="0"/>
+        </a:effectRef>
+        <a:fontRef idx="minor">
+          <a:schemeClr val="lt1"/>
+        </a:fontRef>
+      </dsp:style>
+      <dsp:txBody>
+        <a:bodyPr spcFirstLastPara="0" vert="horz" wrap="square" lIns="60960" tIns="45720" rIns="60960" bIns="45720" numCol="1" spcCol="1270" anchor="ctr" anchorCtr="0">
+          <a:noAutofit/>
+        </a:bodyPr>
+        <a:lstStyle/>
+        <a:p>
+          <a:pPr lvl="0" algn="ctr" defTabSz="1066800">
+            <a:lnSpc>
+              <a:spcPct val="90000"/>
+            </a:lnSpc>
+            <a:spcBef>
+              <a:spcPct val="0"/>
+            </a:spcBef>
+            <a:spcAft>
+              <a:spcPct val="35000"/>
+            </a:spcAft>
+          </a:pPr>
+          <a:r>
+            <a:rPr lang="zh-CN" altLang="en-US" sz="2400" kern="1200" dirty="0" smtClean="0"/>
+            <a:t>每个数据都是手动录入系统</a:t>
+          </a:r>
+          <a:endParaRPr lang="zh-TW" altLang="en-US" sz="2400" kern="1200" dirty="0"/>
+        </a:p>
+      </dsp:txBody>
+      <dsp:txXfrm>
+        <a:off x="3537451" y="2318239"/>
+        <a:ext cx="2322834" cy="1001540"/>
+      </dsp:txXfrm>
+    </dsp:sp>
+  </dsp:spTree>
+</dsp:drawing>
+</file>
+
+<file path=ppt/diagrams/layout1.xml><?xml version="1.0" encoding="utf-8"?>
+<dgm:layoutDef xmlns:dgm="http://schemas.openxmlformats.org/drawingml/2006/diagram" xmlns:a="http://schemas.openxmlformats.org/drawingml/2006/main" uniqueId="urn:microsoft.com/office/officeart/2005/8/layout/lProcess2">
+  <dgm:title val=""/>
+  <dgm:desc val=""/>
+  <dgm:catLst>
+    <dgm:cat type="list" pri="10000"/>
+    <dgm:cat type="relationship" pri="13000"/>
+  </dgm:catLst>
+  <dgm:sampData>
+    <dgm:dataModel>
+      <dgm:ptLst>
+        <dgm:pt modelId="0" type="doc"/>
+        <dgm:pt modelId="1">
+          <dgm:prSet phldr="1"/>
+        </dgm:pt>
+        <dgm:pt modelId="11">
+          <dgm:prSet phldr="1"/>
+        </dgm:pt>
+        <dgm:pt modelId="12">
+          <dgm:prSet phldr="1"/>
+        </dgm:pt>
+        <dgm:pt modelId="2">
+          <dgm:prSet phldr="1"/>
+        </dgm:pt>
+        <dgm:pt modelId="21">
+          <dgm:prSet phldr="1"/>
+        </dgm:pt>
+        <dgm:pt modelId="22">
+          <dgm:prSet phldr="1"/>
+        </dgm:pt>
+        <dgm:pt modelId="3">
+          <dgm:prSet phldr="1"/>
+        </dgm:pt>
+        <dgm:pt modelId="31">
+          <dgm:prSet phldr="1"/>
+        </dgm:pt>
+        <dgm:pt modelId="32">
+          <dgm:prSet phldr="1"/>
+        </dgm:pt>
+      </dgm:ptLst>
+      <dgm:cxnLst>
+        <dgm:cxn modelId="4" srcId="0" destId="1" srcOrd="0" destOrd="0"/>
+        <dgm:cxn modelId="5" srcId="0" destId="2" srcOrd="1" destOrd="0"/>
+        <dgm:cxn modelId="13" srcId="1" destId="11" srcOrd="0" destOrd="0"/>
+        <dgm:cxn modelId="14" srcId="1" destId="12" srcOrd="0" destOrd="0"/>
+        <dgm:cxn modelId="23" srcId="2" destId="21" srcOrd="0" destOrd="0"/>
+        <dgm:cxn modelId="24" srcId="2" destId="22" srcOrd="0" destOrd="0"/>
+        <dgm:cxn modelId="33" srcId="3" destId="31" srcOrd="0" destOrd="0"/>
+        <dgm:cxn modelId="34" srcId="3" destId="32" srcOrd="0" destOrd="0"/>
+      </dgm:cxnLst>
+      <dgm:bg/>
+      <dgm:whole/>
+    </dgm:dataModel>
+  </dgm:sampData>
+  <dgm:styleData useDef="1">
+    <dgm:dataModel>
+      <dgm:ptLst/>
+      <dgm:bg/>
+      <dgm:whole/>
+    </dgm:dataModel>
+  </dgm:styleData>
+  <dgm:clrData useDef="1">
+    <dgm:dataModel>
+      <dgm:ptLst/>
+      <dgm:bg/>
+      <dgm:whole/>
+    </dgm:dataModel>
+  </dgm:clrData>
+  <dgm:layoutNode name="theList">
+    <dgm:varLst>
+      <dgm:dir/>
+      <dgm:animLvl val="lvl"/>
+      <dgm:resizeHandles val="exact"/>
+    </dgm:varLst>
+    <dgm:choose name="Name0">
+      <dgm:if name="Name1" func="var" arg="dir" op="equ" val="norm">
+        <dgm:alg type="lin"/>
+      </dgm:if>
+      <dgm:else name="Name2">
+        <dgm:alg type="lin">
+          <dgm:param type="linDir" val="fromR"/>
+        </dgm:alg>
+      </dgm:else>
+    </dgm:choose>
+    <dgm:shape xmlns:r="http://schemas.openxmlformats.org/officeDocument/2006/relationships" r:blip="">
+      <dgm:adjLst/>
+    </dgm:shape>
+    <dgm:presOf/>
+    <dgm:constrLst>
+      <dgm:constr type="w" for="ch" forName="compNode" refType="w"/>
+      <dgm:constr type="h" for="ch" forName="compNode" refType="h"/>
+      <dgm:constr type="w" for="ch" forName="aSpace" refType="w" fact="0.075"/>
+      <dgm:constr type="h" for="des" forName="aSpace2" refType="h" fact="0.1"/>
+      <dgm:constr type="primFontSz" for="des" forName="textNode" op="equ"/>
+      <dgm:constr type="primFontSz" for="des" forName="childNode" op="equ"/>
+    </dgm:constrLst>
+    <dgm:ruleLst/>
+    <dgm:forEach name="aNodeForEach" axis="ch" ptType="node">
+      <dgm:layoutNode name="compNode">
+        <dgm:alg type="composite"/>
+        <dgm:shape xmlns:r="http://schemas.openxmlformats.org/officeDocument/2006/relationships" r:blip="">
+          <dgm:adjLst/>
+        </dgm:shape>
+        <dgm:presOf/>
+        <dgm:constrLst>
+          <dgm:constr type="w" for="ch" forName="aNode" refType="w"/>
+          <dgm:constr type="h" for="ch" forName="aNode" refType="h"/>
+          <dgm:constr type="w" for="ch" forName="textNode" refType="w"/>
+          <dgm:constr type="h" for="ch" forName="textNode" refType="h" fact="0.3"/>
+          <dgm:constr type="ctrX" for="ch" forName="textNode" refType="w" fact="0.5"/>
+          <dgm:constr type="w" for="ch" forName="compChildNode" refType="w" fact="0.8"/>
+          <dgm:constr type="h" for="ch" forName="compChildNode" refType="h" fact="0.65"/>
+          <dgm:constr type="t" for="ch" forName="compChildNode" refType="h" fact="0.3"/>
+          <dgm:constr type="ctrX" for="ch" forName="compChildNode" refType="w" fact="0.5"/>
+        </dgm:constrLst>
+        <dgm:ruleLst/>
+        <dgm:layoutNode name="aNode" styleLbl="bgShp">
+          <dgm:alg type="sp"/>
+          <dgm:shape xmlns:r="http://schemas.openxmlformats.org/officeDocument/2006/relationships" type="roundRect" r:blip="">
+            <dgm:adjLst>
+              <dgm:adj idx="1" val="0.1"/>
+            </dgm:adjLst>
+          </dgm:shape>
+          <dgm:presOf axis="self"/>
+          <dgm:constrLst/>
+          <dgm:ruleLst/>
+        </dgm:layoutNode>
+        <dgm:layoutNode name="textNode" styleLbl="bgShp">
+          <dgm:alg type="tx"/>
+          <dgm:shape xmlns:r="http://schemas.openxmlformats.org/officeDocument/2006/relationships" type="rect" r:blip="" hideGeom="1">
+            <dgm:adjLst>
+              <dgm:adj idx="1" val="0.1"/>
+            </dgm:adjLst>
+          </dgm:shape>
+          <dgm:presOf axis="self"/>
+          <dgm:constrLst>
+            <dgm:constr type="primFontSz" val="65"/>
+            <dgm:constr type="lMarg" refType="primFontSz" fact="0.3"/>
+            <dgm:constr type="rMarg" refType="primFontSz" fact="0.3"/>
+            <dgm:constr type="tMarg" refType="primFontSz" fact="0.3"/>
+            <dgm:constr type="bMarg" refType="primFontSz" fact="0.3"/>
+          </dgm:constrLst>
+          <dgm:ruleLst>
+            <dgm:rule type="primFontSz" val="5" fact="NaN" max="NaN"/>
+          </dgm:ruleLst>
+        </dgm:layoutNode>
+        <dgm:layoutNode name="compChildNode">
+          <dgm:alg type="composite"/>
+          <dgm:shape xmlns:r="http://schemas.openxmlformats.org/officeDocument/2006/relationships" r:blip="">
+            <dgm:adjLst/>
+          </dgm:shape>
+          <dgm:presOf/>
+          <dgm:constrLst>
+            <dgm:constr type="w" for="des" forName="childNode" refType="w"/>
+            <dgm:constr type="h" for="des" forName="childNode" refType="h"/>
+          </dgm:constrLst>
+          <dgm:ruleLst/>
+          <dgm:layoutNode name="theInnerList">
+            <dgm:alg type="lin">
+              <dgm:param type="linDir" val="fromT"/>
+            </dgm:alg>
+            <dgm:shape xmlns:r="http://schemas.openxmlformats.org/officeDocument/2006/relationships" r:blip="">
+              <dgm:adjLst/>
+            </dgm:shape>
+            <dgm:presOf/>
+            <dgm:constrLst/>
+            <dgm:ruleLst/>
+            <dgm:forEach name="childNodeForEach" axis="ch" ptType="node">
+              <dgm:layoutNode name="childNode" styleLbl="node1">
+                <dgm:varLst>
+                  <dgm:bulletEnabled val="1"/>
+                </dgm:varLst>
+                <dgm:alg type="tx"/>
+                <dgm:shape xmlns:r="http://schemas.openxmlformats.org/officeDocument/2006/relationships" type="roundRect" r:blip="">
+                  <dgm:adjLst>
+                    <dgm:adj idx="1" val="0.1"/>
+                  </dgm:adjLst>
+                </dgm:shape>
+                <dgm:presOf axis="desOrSelf" ptType="node"/>
+                <dgm:constrLst>
+                  <dgm:constr type="primFontSz" val="65"/>
+                  <dgm:constr type="tMarg" refType="primFontSz" fact="0.15"/>
+                  <dgm:constr type="bMarg" refType="primFontSz" fact="0.15"/>
+                  <dgm:constr type="lMarg" refType="primFontSz" fact="0.2"/>
+                  <dgm:constr type="rMarg" refType="primFontSz" fact="0.2"/>
+                </dgm:constrLst>
+                <dgm:ruleLst>
+                  <dgm:rule type="primFontSz" val="5" fact="NaN" max="NaN"/>
+                </dgm:ruleLst>
+              </dgm:layoutNode>
+              <dgm:choose name="Name3">
+                <dgm:if name="Name4" axis="self" ptType="node" func="revPos" op="equ" val="1"/>
+                <dgm:else name="Name5">
+                  <dgm:layoutNode name="aSpace2">
+                    <dgm:alg type="sp"/>
+                    <dgm:shape xmlns:r="http://schemas.openxmlformats.org/officeDocument/2006/relationships" r:blip="">
+                      <dgm:adjLst/>
+                    </dgm:shape>
+                    <dgm:presOf/>
+                    <dgm:constrLst/>
+                    <dgm:ruleLst/>
+                  </dgm:layoutNode>
+                </dgm:else>
+              </dgm:choose>
+            </dgm:forEach>
+          </dgm:layoutNode>
+        </dgm:layoutNode>
+      </dgm:layoutNode>
+      <dgm:choose name="Name6">
+        <dgm:if name="Name7" axis="self" ptType="node" func="revPos" op="equ" val="1"/>
+        <dgm:else name="Name8">
+          <dgm:layoutNode name="aSpace">
+            <dgm:alg type="sp"/>
+            <dgm:shape xmlns:r="http://schemas.openxmlformats.org/officeDocument/2006/relationships" r:blip="">
+              <dgm:adjLst/>
+            </dgm:shape>
+            <dgm:presOf/>
+            <dgm:constrLst/>
+            <dgm:ruleLst/>
+          </dgm:layoutNode>
+        </dgm:else>
+      </dgm:choose>
+    </dgm:forEach>
+  </dgm:layoutNode>
+</dgm:layoutDef>
+</file>
+
+<file path=ppt/diagrams/quickStyle1.xml><?xml version="1.0" encoding="utf-8"?>
+<dgm:styleDef xmlns:dgm="http://schemas.openxmlformats.org/drawingml/2006/diagram" xmlns:a="http://schemas.openxmlformats.org/drawingml/2006/main" uniqueId="urn:microsoft.com/office/officeart/2005/8/quickstyle/simple1">
+  <dgm:title val=""/>
+  <dgm:desc val=""/>
+  <dgm:catLst>
+    <dgm:cat type="simple" pri="10100"/>
+  </dgm:catLst>
+  <dgm:scene3d>
+    <a:camera prst="orthographicFront"/>
+    <a:lightRig rig="threePt" dir="t"/>
+  </dgm:scene3d>
+  <dgm:styleLbl name="node0">
+    <dgm:scene3d>
+      <a:camera prst="orthographicFront"/>
+      <a:lightRig rig="threePt" dir="t"/>
+    </dgm:scene3d>
+    <dgm:sp3d/>
+    <dgm:txPr/>
+    <dgm:style>
+      <a:lnRef idx="2">
+        <a:scrgbClr r="0" g="0" b="0"/>
+      </a:lnRef>
+      <a:fillRef idx="1">
+        <a:scrgbClr r="0" g="0" b="0"/>
+      </a:fillRef>
+      <a:effectRef idx="0">
+        <a:scrgbClr r="0" g="0" b="0"/>
+      </a:effectRef>
+      <a:fontRef idx="minor">
+        <a:schemeClr val="lt1"/>
+      </a:fontRef>
+    </dgm:style>
+  </dgm:styleLbl>
+  <dgm:styleLbl name="lnNode1">
+    <dgm:scene3d>
+      <a:camera prst="orthographicFront"/>
+      <a:lightRig rig="threePt" dir="t"/>
+    </dgm:scene3d>
+    <dgm:sp3d/>
+    <dgm:txPr/>
+    <dgm:style>
+      <a:lnRef idx="2">
+        <a:scrgbClr r="0" g="0" b="0"/>
+      </a:lnRef>
+      <a:fillRef idx="1">
+        <a:scrgbClr r="0" g="0" b="0"/>
+      </a:fillRef>
+      <a:effectRef idx="0">
+        <a:scrgbClr r="0" g="0" b="0"/>
+      </a:effectRef>
+      <a:fontRef idx="minor">
+        <a:schemeClr val="lt1"/>
+      </a:fontRef>
+    </dgm:style>
+  </dgm:styleLbl>
+  <dgm:styleLbl name="vennNode1">
+    <dgm:scene3d>
+      <a:camera prst="orthographicFront"/>
+      <a:lightRig rig="threePt" dir="t"/>
+    </dgm:scene3d>
+    <dgm:sp3d/>
+    <dgm:txPr/>
+    <dgm:style>
+      <a:lnRef idx="2">
+        <a:scrgbClr r="0" g="0" b="0"/>
+      </a:lnRef>
+      <a:fillRef idx="1">
+        <a:scrgbClr r="0" g="0" b="0"/>
+      </a:fillRef>
+      <a:effectRef idx="0">
+        <a:scrgbClr r="0" g="0" b="0"/>
+      </a:effectRef>
+      <a:fontRef idx="minor">
+        <a:schemeClr val="tx1"/>
+      </a:fontRef>
+    </dgm:style>
+  </dgm:styleLbl>
+  <dgm:styleLbl name="alignNode1">
+    <dgm:scene3d>
+      <a:camera prst="orthographicFront"/>
+      <a:lightRig rig="threePt" dir="t"/>
+    </dgm:scene3d>
+    <dgm:sp3d/>
+    <dgm:txPr/>
+    <dgm:style>
+      <a:lnRef idx="2">
+        <a:scrgbClr r="0" g="0" b="0"/>
+      </a:lnRef>
+      <a:fillRef idx="1">
+        <a:scrgbClr r="0" g="0" b="0"/>
+      </a:fillRef>
+      <a:effectRef idx="0">
+        <a:scrgbClr r="0" g="0" b="0"/>
+      </a:effectRef>
+      <a:fontRef idx="minor">
+        <a:schemeClr val="lt1"/>
+      </a:fontRef>
+    </dgm:style>
+  </dgm:styleLbl>
+  <dgm:styleLbl name="node1">
+    <dgm:scene3d>
+      <a:camera prst="orthographicFront"/>
+      <a:lightRig rig="threePt" dir="t"/>
+    </dgm:scene3d>
+    <dgm:sp3d/>
+    <dgm:txPr/>
+    <dgm:style>
+      <a:lnRef idx="2">
+        <a:scrgbClr r="0" g="0" b="0"/>
+      </a:lnRef>
+      <a:fillRef idx="1">
+        <a:scrgbClr r="0" g="0" b="0"/>
+      </a:fillRef>
+      <a:effectRef idx="0">
+        <a:scrgbClr r="0" g="0" b="0"/>
+      </a:effectRef>
+      <a:fontRef idx="minor">
+        <a:schemeClr val="lt1"/>
+      </a:fontRef>
+    </dgm:style>
+  </dgm:styleLbl>
+  <dgm:styleLbl name="node2">
+    <dgm:scene3d>
+      <a:camera prst="orthographicFront"/>
+      <a:lightRig rig="threePt" dir="t"/>
+    </dgm:scene3d>
+    <dgm:sp3d/>
+    <dgm:txPr/>
+    <dgm:style>
+      <a:lnRef idx="2">
+        <a:scrgbClr r="0" g="0" b="0"/>
+      </a:lnRef>
+      <a:fillRef idx="1">
+        <a:scrgbClr r="0" g="0" b="0"/>
+      </a:fillRef>
+      <a:effectRef idx="0">
+        <a:scrgbClr r="0" g="0" b="0"/>
+      </a:effectRef>
+      <a:fontRef idx="minor">
+        <a:schemeClr val="lt1"/>
+      </a:fontRef>
+    </dgm:style>
+  </dgm:styleLbl>
+  <dgm:styleLbl name="node3">
+    <dgm:scene3d>
+      <a:camera prst="orthographicFront"/>
+      <a:lightRig rig="threePt" dir="t"/>
+    </dgm:scene3d>
+    <dgm:sp3d/>
+    <dgm:txPr/>
+    <dgm:style>
+      <a:lnRef idx="2">
+        <a:scrgbClr r="0" g="0" b="0"/>
+      </a:lnRef>
+      <a:fillRef idx="1">
+        <a:scrgbClr r="0" g="0" b="0"/>
+      </a:fillRef>
+      <a:effectRef idx="0">
+        <a:scrgbClr r="0" g="0" b="0"/>
+      </a:effectRef>
+      <a:fontRef idx="minor">
+        <a:schemeClr val="lt1"/>
+      </a:fontRef>
+    </dgm:style>
+  </dgm:styleLbl>
+  <dgm:styleLbl name="node4">
+    <dgm:scene3d>
+      <a:camera prst="orthographicFront"/>
+      <a:lightRig rig="threePt" dir="t"/>
+    </dgm:scene3d>
+    <dgm:sp3d/>
+    <dgm:txPr/>
+    <dgm:style>
+      <a:lnRef idx="2">
+        <a:scrgbClr r="0" g="0" b="0"/>
+      </a:lnRef>
+      <a:fillRef idx="1">
+        <a:scrgbClr r="0" g="0" b="0"/>
+      </a:fillRef>
+      <a:effectRef idx="0">
+        <a:scrgbClr r="0" g="0" b="0"/>
+      </a:effectRef>
+      <a:fontRef idx="minor">
+        <a:schemeClr val="lt1"/>
+      </a:fontRef>
+    </dgm:style>
+  </dgm:styleLbl>
+  <dgm:styleLbl name="fgImgPlace1">
+    <dgm:scene3d>
+      <a:camera prst="orthographicFront"/>
+      <a:lightRig rig="threePt" dir="t"/>
+    </dgm:scene3d>
+    <dgm:sp3d/>
+    <dgm:txPr/>
+    <dgm:style>
+      <a:lnRef idx="2">
+        <a:scrgbClr r="0" g="0" b="0"/>
+      </a:lnRef>
+      <a:fillRef idx="1">
+        <a:scrgbClr r="0" g="0" b="0"/>
+      </a:fillRef>
+      <a:effectRef idx="0">
+        <a:scrgbClr r="0" g="0" b="0"/>
+      </a:effectRef>
+      <a:fontRef idx="minor"/>
+    </dgm:style>
+  </dgm:styleLbl>
+  <dgm:styleLbl name="alignImgPlace1">
+    <dgm:scene3d>
+      <a:camera prst="orthographicFront"/>
+      <a:lightRig rig="threePt" dir="t"/>
+    </dgm:scene3d>
+    <dgm:sp3d/>
+    <dgm:txPr/>
+    <dgm:style>
+      <a:lnRef idx="2">
+        <a:scrgbClr r="0" g="0" b="0"/>
+      </a:lnRef>
+      <a:fillRef idx="1">
+        <a:scrgbClr r="0" g="0" b="0"/>
+      </a:fillRef>
+      <a:effectRef idx="0">
+        <a:scrgbClr r="0" g="0" b="0"/>
+      </a:effectRef>
+      <a:fontRef idx="minor"/>
+    </dgm:style>
+  </dgm:styleLbl>
+  <dgm:styleLbl name="bgImgPlace1">
+    <dgm:scene3d>
+      <a:camera prst="orthographicFront"/>
+      <a:lightRig rig="threePt" dir="t"/>
+    </dgm:scene3d>
+    <dgm:sp3d/>
+    <dgm:txPr/>
+    <dgm:style>
+      <a:lnRef idx="2">
+        <a:scrgbClr r="0" g="0" b="0"/>
+      </a:lnRef>
+      <a:fillRef idx="1">
+        <a:scrgbClr r="0" g="0" b="0"/>
+      </a:fillRef>
+      <a:effectRef idx="0">
+        <a:scrgbClr r="0" g="0" b="0"/>
+      </a:effectRef>
+      <a:fontRef idx="minor"/>
+    </dgm:style>
+  </dgm:styleLbl>
+  <dgm:styleLbl name="sibTrans2D1">
+    <dgm:scene3d>
+      <a:camera prst="orthographicFront"/>
+      <a:lightRig rig="threePt" dir="t"/>
+    </dgm:scene3d>
+    <dgm:sp3d/>
+    <dgm:txPr/>
+    <dgm:style>
+      <a:lnRef idx="0">
+        <a:scrgbClr r="0" g="0" b="0"/>
+      </a:lnRef>
+      <a:fillRef idx="1">
+        <a:scrgbClr r="0" g="0" b="0"/>
+      </a:fillRef>
+      <a:effectRef idx="0">
+        <a:scrgbClr r="0" g="0" b="0"/>
+      </a:effectRef>
+      <a:fontRef idx="minor">
+        <a:schemeClr val="lt1"/>
+      </a:fontRef>
+    </dgm:style>
+  </dgm:styleLbl>
+  <dgm:styleLbl name="fgSibTrans2D1">
+    <dgm:scene3d>
+      <a:camera prst="orthographicFront"/>
+      <a:lightRig rig="threePt" dir="t"/>
+    </dgm:scene3d>
+    <dgm:sp3d/>
+    <dgm:txPr/>
+    <dgm:style>
+      <a:lnRef idx="0">
+        <a:scrgbClr r="0" g="0" b="0"/>
+      </a:lnRef>
+      <a:fillRef idx="1">
+        <a:scrgbClr r="0" g="0" b="0"/>
+      </a:fillRef>
+      <a:effectRef idx="0">
+        <a:scrgbClr r="0" g="0" b="0"/>
+      </a:effectRef>
+      <a:fontRef idx="minor">
+        <a:schemeClr val="lt1"/>
+      </a:fontRef>
+    </dgm:style>
+  </dgm:styleLbl>
+  <dgm:styleLbl name="bgSibTrans2D1">
+    <dgm:scene3d>
+      <a:camera prst="orthographicFront"/>
+      <a:lightRig rig="threePt" dir="t"/>
+    </dgm:scene3d>
+    <dgm:sp3d/>
+    <dgm:txPr/>
+    <dgm:style>
+      <a:lnRef idx="0">
+        <a:scrgbClr r="0" g="0" b="0"/>
+      </a:lnRef>
+      <a:fillRef idx="1">
+        <a:scrgbClr r="0" g="0" b="0"/>
+      </a:fillRef>
+      <a:effectRef idx="0">
+        <a:scrgbClr r="0" g="0" b="0"/>
+      </a:effectRef>
+      <a:fontRef idx="minor">
+        <a:schemeClr val="lt1"/>
+      </a:fontRef>
+    </dgm:style>
+  </dgm:styleLbl>
+  <dgm:styleLbl name="sibTrans1D1">
+    <dgm:scene3d>
+      <a:camera prst="orthographicFront"/>
+      <a:lightRig rig="threePt" dir="t"/>
+    </dgm:scene3d>
+    <dgm:sp3d/>
+    <dgm:txPr/>
+    <dgm:style>
+      <a:lnRef idx="1">
+        <a:scrgbClr r="0" g="0" b="0"/>
+      </a:lnRef>
+      <a:fillRef idx="0">
+        <a:scrgbClr r="0" g="0" b="0"/>
+      </a:fillRef>
+      <a:effectRef idx="0">
+        <a:scrgbClr r="0" g="0" b="0"/>
+      </a:effectRef>
+      <a:fontRef idx="minor"/>
+    </dgm:style>
+  </dgm:styleLbl>
+  <dgm:styleLbl name="callout">
+    <dgm:scene3d>
+      <a:camera prst="orthographicFront"/>
+      <a:lightRig rig="threePt" dir="t"/>
+    </dgm:scene3d>
+    <dgm:sp3d/>
+    <dgm:txPr/>
+    <dgm:style>
+      <a:lnRef idx="2">
+        <a:scrgbClr r="0" g="0" b="0"/>
+      </a:lnRef>
+      <a:fillRef idx="1">
+        <a:scrgbClr r="0" g="0" b="0"/>
+      </a:fillRef>
+      <a:effectRef idx="0">
+        <a:scrgbClr r="0" g="0" b="0"/>
+      </a:effectRef>
+      <a:fontRef idx="minor"/>
+    </dgm:style>
+  </dgm:styleLbl>
+  <dgm:styleLbl name="asst0">
+    <dgm:scene3d>
+      <a:camera prst="orthographicFront"/>
+      <a:lightRig rig="threePt" dir="t"/>
+    </dgm:scene3d>
+    <dgm:sp3d/>
+    <dgm:txPr/>
+    <dgm:style>
+      <a:lnRef idx="2">
+        <a:scrgbClr r="0" g="0" b="0"/>
+      </a:lnRef>
+      <a:fillRef idx="1">
+        <a:scrgbClr r="0" g="0" b="0"/>
+      </a:fillRef>
+      <a:effectRef idx="0">
+        <a:scrgbClr r="0" g="0" b="0"/>
+      </a:effectRef>
+      <a:fontRef idx="minor">
+        <a:schemeClr val="lt1"/>
+      </a:fontRef>
+    </dgm:style>
+  </dgm:styleLbl>
+  <dgm:styleLbl name="asst1">
+    <dgm:scene3d>
+      <a:camera prst="orthographicFront"/>
+      <a:lightRig rig="threePt" dir="t"/>
+    </dgm:scene3d>
+    <dgm:sp3d/>
+    <dgm:txPr/>
+    <dgm:style>
+      <a:lnRef idx="2">
+        <a:scrgbClr r="0" g="0" b="0"/>
+      </a:lnRef>
+      <a:fillRef idx="1">
+        <a:scrgbClr r="0" g="0" b="0"/>
+      </a:fillRef>
+      <a:effectRef idx="0">
+        <a:scrgbClr r="0" g="0" b="0"/>
+      </a:effectRef>
+      <a:fontRef idx="minor">
+        <a:schemeClr val="lt1"/>
+      </a:fontRef>
+    </dgm:style>
+  </dgm:styleLbl>
+  <dgm:styleLbl name="asst2">
+    <dgm:scene3d>
+      <a:camera prst="orthographicFront"/>
+      <a:lightRig rig="threePt" dir="t"/>
+    </dgm:scene3d>
+    <dgm:sp3d/>
+    <dgm:txPr/>
+    <dgm:style>
+      <a:lnRef idx="2">
+        <a:scrgbClr r="0" g="0" b="0"/>
+      </a:lnRef>
+      <a:fillRef idx="1">
+        <a:scrgbClr r="0" g="0" b="0"/>
+      </a:fillRef>
+      <a:effectRef idx="0">
+        <a:scrgbClr r="0" g="0" b="0"/>
+      </a:effectRef>
+      <a:fontRef idx="minor">
+        <a:schemeClr val="lt1"/>
+      </a:fontRef>
+    </dgm:style>
+  </dgm:styleLbl>
+  <dgm:styleLbl name="asst3">
+    <dgm:scene3d>
+      <a:camera prst="orthographicFront"/>
+      <a:lightRig rig="threePt" dir="t"/>
+    </dgm:scene3d>
+    <dgm:sp3d/>
+    <dgm:txPr/>
+    <dgm:style>
+      <a:lnRef idx="2">
+        <a:scrgbClr r="0" g="0" b="0"/>
+      </a:lnRef>
+      <a:fillRef idx="1">
+        <a:scrgbClr r="0" g="0" b="0"/>
+      </a:fillRef>
+      <a:effectRef idx="0">
+        <a:scrgbClr r="0" g="0" b="0"/>
+      </a:effectRef>
+      <a:fontRef idx="minor">
+        <a:schemeClr val="lt1"/>
+      </a:fontRef>
+    </dgm:style>
+  </dgm:styleLbl>
+  <dgm:styleLbl name="asst4">
+    <dgm:scene3d>
+      <a:camera prst="orthographicFront"/>
+      <a:lightRig rig="threePt" dir="t"/>
+    </dgm:scene3d>
+    <dgm:sp3d/>
+    <dgm:txPr/>
+    <dgm:style>
+      <a:lnRef idx="2">
+        <a:scrgbClr r="0" g="0" b="0"/>
+      </a:lnRef>
+      <a:fillRef idx="1">
+        <a:scrgbClr r="0" g="0" b="0"/>
+      </a:fillRef>
+      <a:effectRef idx="0">
+        <a:scrgbClr r="0" g="0" b="0"/>
+      </a:effectRef>
+      <a:fontRef idx="minor">
+        <a:schemeClr val="lt1"/>
+      </a:fontRef>
+    </dgm:style>
+  </dgm:styleLbl>
+  <dgm:styleLbl name="parChTrans2D1">
+    <dgm:scene3d>
+      <a:camera prst="orthographicFront"/>
+      <a:lightRig rig="threePt" dir="t"/>
+    </dgm:scene3d>
+    <dgm:sp3d/>
+    <dgm:txPr/>
+    <dgm:style>
+      <a:lnRef idx="2">
+        <a:scrgbClr r="0" g="0" b="0"/>
+      </a:lnRef>
+      <a:fillRef idx="1">
+        <a:scrgbClr r="0" g="0" b="0"/>
+      </a:fillRef>
+      <a:effectRef idx="0">
+        <a:scrgbClr r="0" g="0" b="0"/>
+      </a:effectRef>
+      <a:fontRef idx="minor">
+        <a:schemeClr val="lt1"/>
+      </a:fontRef>
+    </dgm:style>
+  </dgm:styleLbl>
+  <dgm:styleLbl name="parChTrans2D2">
+    <dgm:scene3d>
+      <a:camera prst="orthographicFront"/>
+      <a:lightRig rig="threePt" dir="t"/>
+    </dgm:scene3d>
+    <dgm:sp3d/>
+    <dgm:txPr/>
+    <dgm:style>
+      <a:lnRef idx="2">
+        <a:scrgbClr r="0" g="0" b="0"/>
+      </a:lnRef>
+      <a:fillRef idx="1">
+        <a:scrgbClr r="0" g="0" b="0"/>
+      </a:fillRef>
+      <a:effectRef idx="0">
+        <a:scrgbClr r="0" g="0" b="0"/>
+      </a:effectRef>
+      <a:fontRef idx="minor">
+        <a:schemeClr val="lt1"/>
+      </a:fontRef>
+    </dgm:style>
+  </dgm:styleLbl>
+  <dgm:styleLbl name="parChTrans2D3">
+    <dgm:scene3d>
+      <a:camera prst="orthographicFront"/>
+      <a:lightRig rig="threePt" dir="t"/>
+    </dgm:scene3d>
+    <dgm:sp3d/>
+    <dgm:txPr/>
+    <dgm:style>
+      <a:lnRef idx="2">
+        <a:scrgbClr r="0" g="0" b="0"/>
+      </a:lnRef>
+      <a:fillRef idx="1">
+        <a:scrgbClr r="0" g="0" b="0"/>
+      </a:fillRef>
+      <a:effectRef idx="0">
+        <a:scrgbClr r="0" g="0" b="0"/>
+      </a:effectRef>
+      <a:fontRef idx="minor">
+        <a:schemeClr val="lt1"/>
+      </a:fontRef>
+    </dgm:style>
+  </dgm:styleLbl>
+  <dgm:styleLbl name="parChTrans2D4">
+    <dgm:scene3d>
+      <a:camera prst="orthographicFront"/>
+      <a:lightRig rig="threePt" dir="t"/>
+    </dgm:scene3d>
+    <dgm:sp3d/>
+    <dgm:txPr/>
+    <dgm:style>
+      <a:lnRef idx="2">
+        <a:scrgbClr r="0" g="0" b="0"/>
+      </a:lnRef>
+      <a:fillRef idx="1">
+        <a:scrgbClr r="0" g="0" b="0"/>
+      </a:fillRef>
+      <a:effectRef idx="0">
+        <a:scrgbClr r="0" g="0" b="0"/>
+      </a:effectRef>
+      <a:fontRef idx="minor">
+        <a:schemeClr val="lt1"/>
+      </a:fontRef>
+    </dgm:style>
+  </dgm:styleLbl>
+  <dgm:styleLbl name="parChTrans1D1">
+    <dgm:scene3d>
+      <a:camera prst="orthographicFront"/>
+      <a:lightRig rig="threePt" dir="t"/>
+    </dgm:scene3d>
+    <dgm:sp3d/>
+    <dgm:txPr/>
+    <dgm:style>
+      <a:lnRef idx="2">
+        <a:scrgbClr r="0" g="0" b="0"/>
+      </a:lnRef>
+      <a:fillRef idx="0">
+        <a:scrgbClr r="0" g="0" b="0"/>
+      </a:fillRef>
+      <a:effectRef idx="0">
+        <a:scrgbClr r="0" g="0" b="0"/>
+      </a:effectRef>
+      <a:fontRef idx="minor"/>
+    </dgm:style>
+  </dgm:styleLbl>
+  <dgm:styleLbl name="parChTrans1D2">
+    <dgm:scene3d>
+      <a:camera prst="orthographicFront"/>
+      <a:lightRig rig="threePt" dir="t"/>
+    </dgm:scene3d>
+    <dgm:sp3d/>
+    <dgm:txPr/>
+    <dgm:style>
+      <a:lnRef idx="2">
+        <a:scrgbClr r="0" g="0" b="0"/>
+      </a:lnRef>
+      <a:fillRef idx="0">
+        <a:scrgbClr r="0" g="0" b="0"/>
+      </a:fillRef>
+      <a:effectRef idx="0">
+        <a:scrgbClr r="0" g="0" b="0"/>
+      </a:effectRef>
+      <a:fontRef idx="minor"/>
+    </dgm:style>
+  </dgm:styleLbl>
+  <dgm:styleLbl name="parChTrans1D3">
+    <dgm:scene3d>
+      <a:camera prst="orthographicFront"/>
+      <a:lightRig rig="threePt" dir="t"/>
+    </dgm:scene3d>
+    <dgm:sp3d/>
+    <dgm:txPr/>
+    <dgm:style>
+      <a:lnRef idx="2">
+        <a:scrgbClr r="0" g="0" b="0"/>
+      </a:lnRef>
+      <a:fillRef idx="0">
+        <a:scrgbClr r="0" g="0" b="0"/>
+      </a:fillRef>
+      <a:effectRef idx="0">
+        <a:scrgbClr r="0" g="0" b="0"/>
+      </a:effectRef>
+      <a:fontRef idx="minor"/>
+    </dgm:style>
+  </dgm:styleLbl>
+  <dgm:styleLbl name="parChTrans1D4">
+    <dgm:scene3d>
+      <a:camera prst="orthographicFront"/>
+      <a:lightRig rig="threePt" dir="t"/>
+    </dgm:scene3d>
+    <dgm:sp3d/>
+    <dgm:txPr/>
+    <dgm:style>
+      <a:lnRef idx="2">
+        <a:scrgbClr r="0" g="0" b="0"/>
+      </a:lnRef>
+      <a:fillRef idx="0">
+        <a:scrgbClr r="0" g="0" b="0"/>
+      </a:fillRef>
+      <a:effectRef idx="0">
+        <a:scrgbClr r="0" g="0" b="0"/>
+      </a:effectRef>
+      <a:fontRef idx="minor"/>
+    </dgm:style>
+  </dgm:styleLbl>
+  <dgm:styleLbl name="fgAcc1">
+    <dgm:scene3d>
+      <a:camera prst="orthographicFront"/>
+      <a:lightRig rig="threePt" dir="t"/>
+    </dgm:scene3d>
+    <dgm:sp3d/>
+    <dgm:txPr/>
+    <dgm:style>
+      <a:lnRef idx="2">
+        <a:scrgbClr r="0" g="0" b="0"/>
+      </a:lnRef>
+      <a:fillRef idx="1">
+        <a:scrgbClr r="0" g="0" b="0"/>
+      </a:fillRef>
+      <a:effectRef idx="0">
+        <a:scrgbClr r="0" g="0" b="0"/>
+      </a:effectRef>
+      <a:fontRef idx="minor"/>
+    </dgm:style>
+  </dgm:styleLbl>
+  <dgm:styleLbl name="conFgAcc1">
+    <dgm:scene3d>
+      <a:camera prst="orthographicFront"/>
+      <a:lightRig rig="threePt" dir="t"/>
+    </dgm:scene3d>
+    <dgm:sp3d/>
+    <dgm:txPr/>
+    <dgm:style>
+      <a:lnRef idx="2">
+        <a:scrgbClr r="0" g="0" b="0"/>
+      </a:lnRef>
+      <a:fillRef idx="1">
+        <a:scrgbClr r="0" g="0" b="0"/>
+      </a:fillRef>
+      <a:effectRef idx="0">
+        <a:scrgbClr r="0" g="0" b="0"/>
+      </a:effectRef>
+      <a:fontRef idx="minor"/>
+    </dgm:style>
+  </dgm:styleLbl>
+  <dgm:styleLbl name="alignAcc1">
+    <dgm:scene3d>
+      <a:camera prst="orthographicFront"/>
+      <a:lightRig rig="threePt" dir="t"/>
+    </dgm:scene3d>
+    <dgm:sp3d/>
+    <dgm:txPr/>
+    <dgm:style>
+      <a:lnRef idx="2">
+        <a:scrgbClr r="0" g="0" b="0"/>
+      </a:lnRef>
+      <a:fillRef idx="1">
+        <a:scrgbClr r="0" g="0" b="0"/>
+      </a:fillRef>
+      <a:effectRef idx="0">
+        <a:scrgbClr r="0" g="0" b="0"/>
+      </a:effectRef>
+      <a:fontRef idx="minor"/>
+    </dgm:style>
+  </dgm:styleLbl>
+  <dgm:styleLbl name="trAlignAcc1">
+    <dgm:scene3d>
+      <a:camera prst="orthographicFront"/>
+      <a:lightRig rig="threePt" dir="t"/>
+    </dgm:scene3d>
+    <dgm:sp3d/>
+    <dgm:txPr/>
+    <dgm:style>
+      <a:lnRef idx="1">
+        <a:scrgbClr r="0" g="0" b="0"/>
+      </a:lnRef>
+      <a:fillRef idx="1">
+        <a:scrgbClr r="0" g="0" b="0"/>
+      </a:fillRef>
+      <a:effectRef idx="0">
+        <a:scrgbClr r="0" g="0" b="0"/>
+      </a:effectRef>
+      <a:fontRef idx="minor"/>
+    </dgm:style>
+  </dgm:styleLbl>
+  <dgm:styleLbl name="bgAcc1">
+    <dgm:scene3d>
+      <a:camera prst="orthographicFront"/>
+      <a:lightRig rig="threePt" dir="t"/>
+    </dgm:scene3d>
+    <dgm:sp3d/>
+    <dgm:txPr/>
+    <dgm:style>
+      <a:lnRef idx="2">
+        <a:scrgbClr r="0" g="0" b="0"/>
+      </a:lnRef>
+      <a:fillRef idx="1">
+        <a:scrgbClr r="0" g="0" b="0"/>
+      </a:fillRef>
+      <a:effectRef idx="0">
+        <a:scrgbClr r="0" g="0" b="0"/>
+      </a:effectRef>
+      <a:fontRef idx="minor"/>
+    </dgm:style>
+  </dgm:styleLbl>
+  <dgm:styleLbl name="solidFgAcc1">
+    <dgm:scene3d>
+      <a:camera prst="orthographicFront"/>
+      <a:lightRig rig="threePt" dir="t"/>
+    </dgm:scene3d>
+    <dgm:sp3d/>
+    <dgm:txPr/>
+    <dgm:style>
+      <a:lnRef idx="2">
+        <a:scrgbClr r="0" g="0" b="0"/>
+      </a:lnRef>
+      <a:fillRef idx="1">
+        <a:scrgbClr r="0" g="0" b="0"/>
+      </a:fillRef>
+      <a:effectRef idx="0">
+        <a:scrgbClr r="0" g="0" b="0"/>
+      </a:effectRef>
+      <a:fontRef idx="minor"/>
+    </dgm:style>
+  </dgm:styleLbl>
+  <dgm:styleLbl name="solidAlignAcc1">
+    <dgm:scene3d>
+      <a:camera prst="orthographicFront"/>
+      <a:lightRig rig="threePt" dir="t"/>
+    </dgm:scene3d>
+    <dgm:sp3d/>
+    <dgm:txPr/>
+    <dgm:style>
+      <a:lnRef idx="2">
+        <a:scrgbClr r="0" g="0" b="0"/>
+      </a:lnRef>
+      <a:fillRef idx="1">
+        <a:scrgbClr r="0" g="0" b="0"/>
+      </a:fillRef>
+      <a:effectRef idx="0">
+        <a:scrgbClr r="0" g="0" b="0"/>
+      </a:effectRef>
+      <a:fontRef idx="minor"/>
+    </dgm:style>
+  </dgm:styleLbl>
+  <dgm:styleLbl name="solidBgAcc1">
+    <dgm:scene3d>
+      <a:camera prst="orthographicFront"/>
+      <a:lightRig rig="threePt" dir="t"/>
+    </dgm:scene3d>
+    <dgm:sp3d/>
+    <dgm:txPr/>
+    <dgm:style>
+      <a:lnRef idx="2">
+        <a:scrgbClr r="0" g="0" b="0"/>
+      </a:lnRef>
+      <a:fillRef idx="1">
+        <a:scrgbClr r="0" g="0" b="0"/>
+      </a:fillRef>
+      <a:effectRef idx="0">
+        <a:scrgbClr r="0" g="0" b="0"/>
+      </a:effectRef>
+      <a:fontRef idx="minor"/>
+    </dgm:style>
+  </dgm:styleLbl>
+  <dgm:styleLbl name="fgAccFollowNode1">
+    <dgm:scene3d>
+      <a:camera prst="orthographicFront"/>
+      <a:lightRig rig="threePt" dir="t"/>
+    </dgm:scene3d>
+    <dgm:sp3d/>
+    <dgm:txPr/>
+    <dgm:style>
+      <a:lnRef idx="2">
+        <a:scrgbClr r="0" g="0" b="0"/>
+      </a:lnRef>
+      <a:fillRef idx="1">
+        <a:scrgbClr r="0" g="0" b="0"/>
+      </a:fillRef>
+      <a:effectRef idx="0">
+        <a:scrgbClr r="0" g="0" b="0"/>
+      </a:effectRef>
+      <a:fontRef idx="minor"/>
+    </dgm:style>
+  </dgm:styleLbl>
+  <dgm:styleLbl name="alignAccFollowNode1">
+    <dgm:scene3d>
+      <a:camera prst="orthographicFront"/>
+      <a:lightRig rig="threePt" dir="t"/>
+    </dgm:scene3d>
+    <dgm:sp3d/>
+    <dgm:txPr/>
+    <dgm:style>
+      <a:lnRef idx="2">
+        <a:scrgbClr r="0" g="0" b="0"/>
+      </a:lnRef>
+      <a:fillRef idx="1">
+        <a:scrgbClr r="0" g="0" b="0"/>
+      </a:fillRef>
+      <a:effectRef idx="0">
+        <a:scrgbClr r="0" g="0" b="0"/>
+      </a:effectRef>
+      <a:fontRef idx="minor"/>
+    </dgm:style>
+  </dgm:styleLbl>
+  <dgm:styleLbl name="bgAccFollowNode1">
+    <dgm:scene3d>
+      <a:camera prst="orthographicFront"/>
+      <a:lightRig rig="threePt" dir="t"/>
+    </dgm:scene3d>
+    <dgm:sp3d/>
+    <dgm:txPr/>
+    <dgm:style>
+      <a:lnRef idx="2">
+        <a:scrgbClr r="0" g="0" b="0"/>
+      </a:lnRef>
+      <a:fillRef idx="1">
+        <a:scrgbClr r="0" g="0" b="0"/>
+      </a:fillRef>
+      <a:effectRef idx="0">
+        <a:scrgbClr r="0" g="0" b="0"/>
+      </a:effectRef>
+      <a:fontRef idx="minor"/>
+    </dgm:style>
+  </dgm:styleLbl>
+  <dgm:styleLbl name="fgAcc0">
+    <dgm:scene3d>
+      <a:camera prst="orthographicFront"/>
+      <a:lightRig rig="threePt" dir="t"/>
+    </dgm:scene3d>
+    <dgm:sp3d/>
+    <dgm:txPr/>
+    <dgm:style>
+      <a:lnRef idx="2">
+        <a:scrgbClr r="0" g="0" b="0"/>
+      </a:lnRef>
+      <a:fillRef idx="1">
+        <a:scrgbClr r="0" g="0" b="0"/>
+      </a:fillRef>
+      <a:effectRef idx="0">
+        <a:scrgbClr r="0" g="0" b="0"/>
+      </a:effectRef>
+      <a:fontRef idx="minor"/>
+    </dgm:style>
+  </dgm:styleLbl>
+  <dgm:styleLbl name="fgAcc2">
+    <dgm:scene3d>
+      <a:camera prst="orthographicFront"/>
+      <a:lightRig rig="threePt" dir="t"/>
+    </dgm:scene3d>
+    <dgm:sp3d/>
+    <dgm:txPr/>
+    <dgm:style>
+      <a:lnRef idx="2">
+        <a:scrgbClr r="0" g="0" b="0"/>
+      </a:lnRef>
+      <a:fillRef idx="1">
+        <a:scrgbClr r="0" g="0" b="0"/>
+      </a:fillRef>
+      <a:effectRef idx="0">
+        <a:scrgbClr r="0" g="0" b="0"/>
+      </a:effectRef>
+      <a:fontRef idx="minor"/>
+    </dgm:style>
+  </dgm:styleLbl>
+  <dgm:styleLbl name="fgAcc3">
+    <dgm:scene3d>
+      <a:camera prst="orthographicFront"/>
+      <a:lightRig rig="threePt" dir="t"/>
+    </dgm:scene3d>
+    <dgm:sp3d/>
+    <dgm:txPr/>
+    <dgm:style>
+      <a:lnRef idx="2">
+        <a:scrgbClr r="0" g="0" b="0"/>
+      </a:lnRef>
+      <a:fillRef idx="1">
+        <a:scrgbClr r="0" g="0" b="0"/>
+      </a:fillRef>
+      <a:effectRef idx="0">
+        <a:scrgbClr r="0" g="0" b="0"/>
+      </a:effectRef>
+      <a:fontRef idx="minor"/>
+    </dgm:style>
+  </dgm:styleLbl>
+  <dgm:styleLbl name="fgAcc4">
+    <dgm:scene3d>
+      <a:camera prst="orthographicFront"/>
+      <a:lightRig rig="threePt" dir="t"/>
+    </dgm:scene3d>
+    <dgm:sp3d/>
+    <dgm:txPr/>
+    <dgm:style>
+      <a:lnRef idx="2">
+        <a:scrgbClr r="0" g="0" b="0"/>
+      </a:lnRef>
+      <a:fillRef idx="1">
+        <a:scrgbClr r="0" g="0" b="0"/>
+      </a:fillRef>
+      <a:effectRef idx="0">
+        <a:scrgbClr r="0" g="0" b="0"/>
+      </a:effectRef>
+      <a:fontRef idx="minor"/>
+    </dgm:style>
+  </dgm:styleLbl>
+  <dgm:styleLbl name="bgShp">
+    <dgm:scene3d>
+      <a:camera prst="orthographicFront"/>
+      <a:lightRig rig="threePt" dir="t"/>
+    </dgm:scene3d>
+    <dgm:sp3d/>
+    <dgm:txPr/>
+    <dgm:style>
+      <a:lnRef idx="0">
+        <a:scrgbClr r="0" g="0" b="0"/>
+      </a:lnRef>
+      <a:fillRef idx="1">
+        <a:scrgbClr r="0" g="0" b="0"/>
+      </a:fillRef>
+      <a:effectRef idx="0">
+        <a:scrgbClr r="0" g="0" b="0"/>
+      </a:effectRef>
+      <a:fontRef idx="minor"/>
+    </dgm:style>
+  </dgm:styleLbl>
+  <dgm:styleLbl name="dkBgShp">
+    <dgm:scene3d>
+      <a:camera prst="orthographicFront"/>
+      <a:lightRig rig="threePt" dir="t"/>
+    </dgm:scene3d>
+    <dgm:sp3d/>
+    <dgm:txPr/>
+    <dgm:style>
+      <a:lnRef idx="0">
+        <a:scrgbClr r="0" g="0" b="0"/>
+      </a:lnRef>
+      <a:fillRef idx="1">
+        <a:scrgbClr r="0" g="0" b="0"/>
+      </a:fillRef>
+      <a:effectRef idx="0">
+        <a:scrgbClr r="0" g="0" b="0"/>
+      </a:effectRef>
+      <a:fontRef idx="minor"/>
+    </dgm:style>
+  </dgm:styleLbl>
+  <dgm:styleLbl name="trBgShp">
+    <dgm:scene3d>
+      <a:camera prst="orthographicFront"/>
+      <a:lightRig rig="threePt" dir="t"/>
+    </dgm:scene3d>
+    <dgm:sp3d/>
+    <dgm:txPr/>
+    <dgm:style>
+      <a:lnRef idx="0">
+        <a:scrgbClr r="0" g="0" b="0"/>
+      </a:lnRef>
+      <a:fillRef idx="1">
+        <a:scrgbClr r="0" g="0" b="0"/>
+      </a:fillRef>
+      <a:effectRef idx="0">
+        <a:scrgbClr r="0" g="0" b="0"/>
+      </a:effectRef>
+      <a:fontRef idx="minor"/>
+    </dgm:style>
+  </dgm:styleLbl>
+  <dgm:styleLbl name="fgShp">
+    <dgm:scene3d>
+      <a:camera prst="orthographicFront"/>
+      <a:lightRig rig="threePt" dir="t"/>
+    </dgm:scene3d>
+    <dgm:sp3d/>
+    <dgm:txPr/>
+    <dgm:style>
+      <a:lnRef idx="2">
+        <a:scrgbClr r="0" g="0" b="0"/>
+      </a:lnRef>
+      <a:fillRef idx="1">
+        <a:scrgbClr r="0" g="0" b="0"/>
+      </a:fillRef>
+      <a:effectRef idx="0">
+        <a:scrgbClr r="0" g="0" b="0"/>
+      </a:effectRef>
+      <a:fontRef idx="minor"/>
+    </dgm:style>
+  </dgm:styleLbl>
+  <dgm:styleLbl name="revTx">
+    <dgm:scene3d>
+      <a:camera prst="orthographicFront"/>
+      <a:lightRig rig="threePt" dir="t"/>
+    </dgm:scene3d>
+    <dgm:sp3d/>
+    <dgm:txPr/>
+    <dgm:style>
+      <a:lnRef idx="0">
+        <a:scrgbClr r="0" g="0" b="0"/>
+      </a:lnRef>
+      <a:fillRef idx="0">
+        <a:scrgbClr r="0" g="0" b="0"/>
+      </a:fillRef>
+      <a:effectRef idx="0">
+        <a:scrgbClr r="0" g="0" b="0"/>
+      </a:effectRef>
+      <a:fontRef idx="minor"/>
+    </dgm:style>
+  </dgm:styleLbl>
+</dgm:styleDef>
+</file>
+
 <file path=ppt/notesMasters/notesMaster1.xml><?xml version="1.0" encoding="utf-8"?>
 <p:notesMaster xmlns:a="http://schemas.openxmlformats.org/drawingml/2006/main" xmlns:r="http://schemas.openxmlformats.org/officeDocument/2006/relationships" xmlns:p="http://schemas.openxmlformats.org/presentationml/2006/main">
   <p:cSld>
@@ -210,7 +3142,7 @@
             <a:fld id="{7AB488F7-1FAC-40D2-BB7E-BA3CE28D8950}" type="datetimeFigureOut">
               <a:rPr lang="en-US" smtClean="0"/>
               <a:pPr/>
-              <a:t>8/19/2025</a:t>
+              <a:t>8/22/2025</a:t>
             </a:fld>
             <a:endParaRPr lang="en-US"/>
           </a:p>
@@ -544,7 +3476,7 @@
             <a:fld id="{CA2D21D1-52E2-420B-B491-CFF6D7BB79FB}" type="slidenum">
               <a:rPr lang="en-US" smtClean="0"/>
               <a:pPr/>
-              <a:t>1</a:t>
+              <a:t>2</a:t>
             </a:fld>
             <a:endParaRPr lang="en-US"/>
           </a:p>
@@ -553,7 +3485,92 @@
     </p:spTree>
     <p:extLst>
       <p:ext uri="{BB962C8B-B14F-4D97-AF65-F5344CB8AC3E}">
-        <p14:creationId xmlns:p14="http://schemas.microsoft.com/office/powerpoint/2010/main" val="1007639591"/>
+        <p14:creationId xmlns:p14="http://schemas.microsoft.com/office/powerpoint/2010/main" val="526851797"/>
+      </p:ext>
+    </p:extLst>
+  </p:cSld>
+  <p:clrMapOvr>
+    <a:masterClrMapping/>
+  </p:clrMapOvr>
+</p:notes>
+</file>
+
+<file path=ppt/notesSlides/notesSlide2.xml><?xml version="1.0" encoding="utf-8"?>
+<p:notes xmlns:a="http://schemas.openxmlformats.org/drawingml/2006/main" xmlns:r="http://schemas.openxmlformats.org/officeDocument/2006/relationships" xmlns:p="http://schemas.openxmlformats.org/presentationml/2006/main">
+  <p:cSld>
+    <p:spTree>
+      <p:nvGrpSpPr>
+        <p:cNvPr id="1" name=""/>
+        <p:cNvGrpSpPr/>
+        <p:nvPr/>
+      </p:nvGrpSpPr>
+      <p:grpSpPr>
+        <a:xfrm>
+          <a:off x="0" y="0"/>
+          <a:ext cx="0" cy="0"/>
+          <a:chOff x="0" y="0"/>
+          <a:chExt cx="0" cy="0"/>
+        </a:xfrm>
+      </p:grpSpPr>
+      <p:sp>
+        <p:nvSpPr>
+          <p:cNvPr id="2" name="幻灯片图像占位符 1"/>
+          <p:cNvSpPr>
+            <a:spLocks noGrp="1" noRot="1" noChangeAspect="1"/>
+          </p:cNvSpPr>
+          <p:nvPr>
+            <p:ph type="sldImg"/>
+          </p:nvPr>
+        </p:nvSpPr>
+        <p:spPr/>
+      </p:sp>
+      <p:sp>
+        <p:nvSpPr>
+          <p:cNvPr id="3" name="备注占位符 2"/>
+          <p:cNvSpPr>
+            <a:spLocks noGrp="1"/>
+          </p:cNvSpPr>
+          <p:nvPr>
+            <p:ph type="body" idx="1"/>
+          </p:nvPr>
+        </p:nvSpPr>
+        <p:spPr/>
+        <p:txBody>
+          <a:bodyPr/>
+          <a:lstStyle/>
+          <a:p>
+            <a:endParaRPr lang="zh-CN" altLang="en-US" dirty="0"/>
+          </a:p>
+        </p:txBody>
+      </p:sp>
+      <p:sp>
+        <p:nvSpPr>
+          <p:cNvPr id="4" name="灯片编号占位符 3"/>
+          <p:cNvSpPr>
+            <a:spLocks noGrp="1"/>
+          </p:cNvSpPr>
+          <p:nvPr>
+            <p:ph type="sldNum" sz="quarter" idx="5"/>
+          </p:nvPr>
+        </p:nvSpPr>
+        <p:spPr/>
+        <p:txBody>
+          <a:bodyPr/>
+          <a:lstStyle/>
+          <a:p>
+            <a:fld id="{CA2D21D1-52E2-420B-B491-CFF6D7BB79FB}" type="slidenum">
+              <a:rPr lang="en-US" smtClean="0"/>
+              <a:pPr/>
+              <a:t>3</a:t>
+            </a:fld>
+            <a:endParaRPr lang="en-US"/>
+          </a:p>
+        </p:txBody>
+      </p:sp>
+    </p:spTree>
+    <p:extLst>
+      <p:ext uri="{BB962C8B-B14F-4D97-AF65-F5344CB8AC3E}">
+        <p14:creationId xmlns:p14="http://schemas.microsoft.com/office/powerpoint/2010/main" val="1237952224"/>
       </p:ext>
     </p:extLst>
   </p:cSld>
@@ -857,7 +3874,7 @@
           <a:blip r:embed="rId2" cstate="print">
             <a:extLst>
               <a:ext uri="{28A0092B-C50C-407E-A947-70E740481C1C}">
-                <a14:useLocalDpi xmlns:a14="http://schemas.microsoft.com/office/drawing/2010/main" val="0"/>
+                <a14:useLocalDpi xmlns:a14="http://schemas.microsoft.com/office/drawing/2010/main"/>
               </a:ext>
             </a:extLst>
           </a:blip>
@@ -1278,7 +4295,7 @@
           <a:blip r:embed="rId2" cstate="print">
             <a:extLst>
               <a:ext uri="{28A0092B-C50C-407E-A947-70E740481C1C}">
-                <a14:useLocalDpi xmlns:a14="http://schemas.microsoft.com/office/drawing/2010/main" val="0"/>
+                <a14:useLocalDpi xmlns:a14="http://schemas.microsoft.com/office/drawing/2010/main"/>
               </a:ext>
             </a:extLst>
           </a:blip>
@@ -1580,7 +4597,7 @@
           <a:blip r:embed="rId2" cstate="print">
             <a:extLst>
               <a:ext uri="{28A0092B-C50C-407E-A947-70E740481C1C}">
-                <a14:useLocalDpi xmlns:a14="http://schemas.microsoft.com/office/drawing/2010/main" val="0"/>
+                <a14:useLocalDpi xmlns:a14="http://schemas.microsoft.com/office/drawing/2010/main"/>
               </a:ext>
             </a:extLst>
           </a:blip>
@@ -1925,7 +4942,7 @@
           <a:blip r:embed="rId2" cstate="print">
             <a:extLst>
               <a:ext uri="{28A0092B-C50C-407E-A947-70E740481C1C}">
-                <a14:useLocalDpi xmlns:a14="http://schemas.microsoft.com/office/drawing/2010/main" val="0"/>
+                <a14:useLocalDpi xmlns:a14="http://schemas.microsoft.com/office/drawing/2010/main"/>
               </a:ext>
             </a:extLst>
           </a:blip>
@@ -2191,7 +5208,7 @@
           <a:blip r:embed="rId2" cstate="print">
             <a:extLst>
               <a:ext uri="{28A0092B-C50C-407E-A947-70E740481C1C}">
-                <a14:useLocalDpi xmlns:a14="http://schemas.microsoft.com/office/drawing/2010/main" val="0"/>
+                <a14:useLocalDpi xmlns:a14="http://schemas.microsoft.com/office/drawing/2010/main"/>
               </a:ext>
             </a:extLst>
           </a:blip>
@@ -2520,7 +5537,7 @@
           <a:blip r:embed="rId2" cstate="print">
             <a:extLst>
               <a:ext uri="{28A0092B-C50C-407E-A947-70E740481C1C}">
-                <a14:useLocalDpi xmlns:a14="http://schemas.microsoft.com/office/drawing/2010/main" val="0"/>
+                <a14:useLocalDpi xmlns:a14="http://schemas.microsoft.com/office/drawing/2010/main"/>
               </a:ext>
             </a:extLst>
           </a:blip>
@@ -2638,7 +5655,7 @@
           <a:blip r:embed="rId2" cstate="print">
             <a:extLst>
               <a:ext uri="{28A0092B-C50C-407E-A947-70E740481C1C}">
-                <a14:useLocalDpi xmlns:a14="http://schemas.microsoft.com/office/drawing/2010/main" val="0"/>
+                <a14:useLocalDpi xmlns:a14="http://schemas.microsoft.com/office/drawing/2010/main"/>
               </a:ext>
             </a:extLst>
           </a:blip>
@@ -3029,7 +6046,7 @@
           <a:blip r:embed="rId2" cstate="print">
             <a:extLst>
               <a:ext uri="{28A0092B-C50C-407E-A947-70E740481C1C}">
-                <a14:useLocalDpi xmlns:a14="http://schemas.microsoft.com/office/drawing/2010/main" val="0"/>
+                <a14:useLocalDpi xmlns:a14="http://schemas.microsoft.com/office/drawing/2010/main"/>
               </a:ext>
             </a:extLst>
           </a:blip>
@@ -3550,7 +6567,7 @@
           <a:blip r:embed="rId2" cstate="print">
             <a:extLst>
               <a:ext uri="{28A0092B-C50C-407E-A947-70E740481C1C}">
-                <a14:useLocalDpi xmlns:a14="http://schemas.microsoft.com/office/drawing/2010/main" val="0"/>
+                <a14:useLocalDpi xmlns:a14="http://schemas.microsoft.com/office/drawing/2010/main"/>
               </a:ext>
             </a:extLst>
           </a:blip>
@@ -3710,7 +6727,7 @@
           <a:blip r:embed="rId2" cstate="print">
             <a:extLst>
               <a:ext uri="{28A0092B-C50C-407E-A947-70E740481C1C}">
-                <a14:useLocalDpi xmlns:a14="http://schemas.microsoft.com/office/drawing/2010/main" val="0"/>
+                <a14:useLocalDpi xmlns:a14="http://schemas.microsoft.com/office/drawing/2010/main"/>
               </a:ext>
             </a:extLst>
           </a:blip>
@@ -3898,7 +6915,7 @@
           <a:blip r:embed="rId2" cstate="print">
             <a:extLst>
               <a:ext uri="{28A0092B-C50C-407E-A947-70E740481C1C}">
-                <a14:useLocalDpi xmlns:a14="http://schemas.microsoft.com/office/drawing/2010/main" val="0"/>
+                <a14:useLocalDpi xmlns:a14="http://schemas.microsoft.com/office/drawing/2010/main"/>
               </a:ext>
             </a:extLst>
           </a:blip>
@@ -4070,7 +7087,7 @@
           <a:blip r:embed="rId2" cstate="print">
             <a:extLst>
               <a:ext uri="{28A0092B-C50C-407E-A947-70E740481C1C}">
-                <a14:useLocalDpi xmlns:a14="http://schemas.microsoft.com/office/drawing/2010/main" val="0"/>
+                <a14:useLocalDpi xmlns:a14="http://schemas.microsoft.com/office/drawing/2010/main"/>
               </a:ext>
             </a:extLst>
           </a:blip>
@@ -4648,6 +7665,234 @@
       </p:grpSpPr>
       <p:sp>
         <p:nvSpPr>
+          <p:cNvPr id="2" name="標題 1"/>
+          <p:cNvSpPr>
+            <a:spLocks noGrp="1"/>
+          </p:cNvSpPr>
+          <p:nvPr>
+            <p:ph type="ctrTitle"/>
+          </p:nvPr>
+        </p:nvSpPr>
+        <p:spPr>
+          <a:xfrm>
+            <a:off x="609442" y="1916832"/>
+            <a:ext cx="6139702" cy="1484848"/>
+          </a:xfrm>
+        </p:spPr>
+        <p:txBody>
+          <a:bodyPr anchor="ctr">
+            <a:normAutofit fontScale="90000"/>
+          </a:bodyPr>
+          <a:lstStyle/>
+          <a:p>
+            <a:r>
+              <a:rPr lang="zh-CN" altLang="en-US" b="1" dirty="0">
+                <a:latin typeface="微軟正黑體" panose="020B0604030504040204" pitchFamily="34" charset="-120"/>
+                <a:ea typeface="微軟正黑體" panose="020B0604030504040204" pitchFamily="34" charset="-120"/>
+              </a:rPr>
+              <a:t>武汉</a:t>
+            </a:r>
+            <a:r>
+              <a:rPr lang="en-US" altLang="zh-CN" b="1" dirty="0">
+                <a:latin typeface="微軟正黑體" panose="020B0604030504040204" pitchFamily="34" charset="-120"/>
+                <a:ea typeface="微軟正黑體" panose="020B0604030504040204" pitchFamily="34" charset="-120"/>
+              </a:rPr>
+              <a:t>IQC-TH2837</a:t>
+            </a:r>
+            <a:r>
+              <a:rPr lang="zh-CN" altLang="en-US" b="1" dirty="0">
+                <a:latin typeface="微軟正黑體" panose="020B0604030504040204" pitchFamily="34" charset="-120"/>
+                <a:ea typeface="微軟正黑體" panose="020B0604030504040204" pitchFamily="34" charset="-120"/>
+              </a:rPr>
+              <a:t>设备</a:t>
+            </a:r>
+            <a:r>
+              <a:rPr lang="en-US" altLang="zh-CN" b="1" dirty="0">
+                <a:latin typeface="微軟正黑體" panose="020B0604030504040204" pitchFamily="34" charset="-120"/>
+                <a:ea typeface="微軟正黑體" panose="020B0604030504040204" pitchFamily="34" charset="-120"/>
+              </a:rPr>
+              <a:t>--</a:t>
+            </a:r>
+            <a:r>
+              <a:rPr lang="zh-CN" altLang="en-US" b="1" dirty="0">
+                <a:latin typeface="微軟正黑體" panose="020B0604030504040204" pitchFamily="34" charset="-120"/>
+                <a:ea typeface="微軟正黑體" panose="020B0604030504040204" pitchFamily="34" charset="-120"/>
+              </a:rPr>
+              <a:t>数据获取自动化软件</a:t>
+            </a:r>
+            <a:br>
+              <a:rPr lang="zh-CN" altLang="en-US" b="1" dirty="0">
+                <a:latin typeface="微軟正黑體" panose="020B0604030504040204" pitchFamily="34" charset="-120"/>
+                <a:ea typeface="微軟正黑體" panose="020B0604030504040204" pitchFamily="34" charset="-120"/>
+              </a:rPr>
+            </a:br>
+            <a:endParaRPr lang="zh-TW" altLang="en-US" dirty="0"/>
+          </a:p>
+        </p:txBody>
+      </p:sp>
+      <p:sp>
+        <p:nvSpPr>
+          <p:cNvPr id="3" name="副標題 2"/>
+          <p:cNvSpPr>
+            <a:spLocks noGrp="1"/>
+          </p:cNvSpPr>
+          <p:nvPr>
+            <p:ph type="subTitle" idx="1"/>
+          </p:nvPr>
+        </p:nvSpPr>
+        <p:spPr/>
+        <p:txBody>
+          <a:bodyPr/>
+          <a:lstStyle/>
+          <a:p>
+            <a:r>
+              <a:rPr lang="zh-CN" altLang="en-US" dirty="0" smtClean="0"/>
+              <a:t>使用</a:t>
+            </a:r>
+            <a:r>
+              <a:rPr lang="en-US" altLang="zh-CN" dirty="0" smtClean="0"/>
+              <a:t>python</a:t>
+            </a:r>
+            <a:r>
+              <a:rPr lang="zh-CN" altLang="en-US" dirty="0" smtClean="0"/>
+              <a:t>开发</a:t>
+            </a:r>
+            <a:endParaRPr lang="zh-TW" altLang="en-US" dirty="0"/>
+          </a:p>
+        </p:txBody>
+      </p:sp>
+      <p:pic>
+        <p:nvPicPr>
+          <p:cNvPr id="8" name="圖片版面配置區 7"/>
+          <p:cNvPicPr>
+            <a:picLocks noGrp="1" noChangeAspect="1"/>
+          </p:cNvPicPr>
+          <p:nvPr>
+            <p:ph type="pic" sz="quarter" idx="13"/>
+          </p:nvPr>
+        </p:nvPicPr>
+        <p:blipFill>
+          <a:blip r:embed="rId2" cstate="hqprint">
+            <a:extLst>
+              <a:ext uri="{28A0092B-C50C-407E-A947-70E740481C1C}">
+                <a14:useLocalDpi xmlns:a14="http://schemas.microsoft.com/office/drawing/2010/main"/>
+              </a:ext>
+            </a:extLst>
+          </a:blip>
+          <a:srcRect/>
+          <a:stretch>
+            <a:fillRect/>
+          </a:stretch>
+        </p:blipFill>
+        <p:spPr>
+          <a:xfrm>
+            <a:off x="7966620" y="0"/>
+            <a:ext cx="3672408" cy="6858000"/>
+          </a:xfrm>
+          <a:prstGeom prst="rect">
+            <a:avLst/>
+          </a:prstGeom>
+          <a:gradFill>
+            <a:gsLst>
+              <a:gs pos="0">
+                <a:schemeClr val="accent1">
+                  <a:shade val="30000"/>
+                  <a:satMod val="115000"/>
+                </a:schemeClr>
+              </a:gs>
+              <a:gs pos="42000">
+                <a:schemeClr val="accent1">
+                  <a:shade val="67500"/>
+                  <a:satMod val="115000"/>
+                </a:schemeClr>
+              </a:gs>
+              <a:gs pos="94000">
+                <a:schemeClr val="accent1">
+                  <a:shade val="100000"/>
+                  <a:satMod val="115000"/>
+                </a:schemeClr>
+              </a:gs>
+            </a:gsLst>
+            <a:lin ang="2700000" scaled="1"/>
+          </a:gradFill>
+          <a:effectLst>
+            <a:softEdge rad="63500"/>
+          </a:effectLst>
+        </p:spPr>
+      </p:pic>
+      <p:sp>
+        <p:nvSpPr>
+          <p:cNvPr id="9" name="文字方塊 8"/>
+          <p:cNvSpPr txBox="1"/>
+          <p:nvPr/>
+        </p:nvSpPr>
+        <p:spPr>
+          <a:xfrm>
+            <a:off x="5025595" y="4869160"/>
+            <a:ext cx="1723549" cy="461665"/>
+          </a:xfrm>
+          <a:prstGeom prst="rect">
+            <a:avLst/>
+          </a:prstGeom>
+          <a:noFill/>
+        </p:spPr>
+        <p:txBody>
+          <a:bodyPr wrap="none" rtlCol="0">
+            <a:spAutoFit/>
+          </a:bodyPr>
+          <a:lstStyle/>
+          <a:p>
+            <a:r>
+              <a:rPr lang="en-US" altLang="zh-CN" dirty="0" smtClean="0"/>
+              <a:t>——</a:t>
+            </a:r>
+            <a:r>
+              <a:rPr lang="zh-CN" altLang="en-US" dirty="0" smtClean="0"/>
+              <a:t>李志斌</a:t>
+            </a:r>
+            <a:endParaRPr lang="zh-TW" altLang="en-US" dirty="0"/>
+          </a:p>
+        </p:txBody>
+      </p:sp>
+    </p:spTree>
+    <p:extLst>
+      <p:ext uri="{BB962C8B-B14F-4D97-AF65-F5344CB8AC3E}">
+        <p14:creationId xmlns:p14="http://schemas.microsoft.com/office/powerpoint/2010/main" val="1572491766"/>
+      </p:ext>
+    </p:extLst>
+  </p:cSld>
+  <p:clrMapOvr>
+    <a:masterClrMapping/>
+  </p:clrMapOvr>
+  <p:timing>
+    <p:tnLst>
+      <p:par>
+        <p:cTn id="1" dur="indefinite" restart="never" nodeType="tmRoot"/>
+      </p:par>
+    </p:tnLst>
+  </p:timing>
+</p:sld>
+</file>
+
+<file path=ppt/slides/slide2.xml><?xml version="1.0" encoding="utf-8"?>
+<p:sld xmlns:a="http://schemas.openxmlformats.org/drawingml/2006/main" xmlns:r="http://schemas.openxmlformats.org/officeDocument/2006/relationships" xmlns:p="http://schemas.openxmlformats.org/presentationml/2006/main">
+  <p:cSld>
+    <p:spTree>
+      <p:nvGrpSpPr>
+        <p:cNvPr id="1" name=""/>
+        <p:cNvGrpSpPr/>
+        <p:nvPr/>
+      </p:nvGrpSpPr>
+      <p:grpSpPr>
+        <a:xfrm>
+          <a:off x="0" y="0"/>
+          <a:ext cx="0" cy="0"/>
+          <a:chOff x="0" y="0"/>
+          <a:chExt cx="0" cy="0"/>
+        </a:xfrm>
+      </p:grpSpPr>
+      <p:sp>
+        <p:nvSpPr>
           <p:cNvPr id="4" name="Text Box 4"/>
           <p:cNvSpPr txBox="1">
             <a:spLocks noChangeArrowheads="1"/>
@@ -4656,7 +7901,7 @@
         </p:nvSpPr>
         <p:spPr bwMode="auto">
           <a:xfrm>
-            <a:off x="333772" y="260648"/>
+            <a:off x="333772" y="332655"/>
             <a:ext cx="9480104" cy="479928"/>
           </a:xfrm>
           <a:prstGeom prst="rect">
@@ -4811,35 +8056,14 @@
                 <a:latin typeface="微軟正黑體" panose="020B0604030504040204" pitchFamily="34" charset="-120"/>
                 <a:ea typeface="微軟正黑體" panose="020B0604030504040204" pitchFamily="34" charset="-120"/>
               </a:rPr>
-              <a:t>武汉</a:t>
+              <a:t>为什么开发这款软件</a:t>
             </a:r>
             <a:r>
               <a:rPr lang="en-US" altLang="zh-CN" sz="2933" b="1" dirty="0" smtClean="0">
                 <a:latin typeface="微軟正黑體" panose="020B0604030504040204" pitchFamily="34" charset="-120"/>
                 <a:ea typeface="微軟正黑體" panose="020B0604030504040204" pitchFamily="34" charset="-120"/>
               </a:rPr>
-              <a:t>IQC-TH2837</a:t>
-            </a:r>
-            <a:r>
-              <a:rPr lang="zh-CN" altLang="en-US" sz="2933" b="1" dirty="0" smtClean="0">
-                <a:latin typeface="微軟正黑體" panose="020B0604030504040204" pitchFamily="34" charset="-120"/>
-                <a:ea typeface="微軟正黑體" panose="020B0604030504040204" pitchFamily="34" charset="-120"/>
-              </a:rPr>
-              <a:t>设备</a:t>
-            </a:r>
-            <a:r>
-              <a:rPr lang="en-US" altLang="zh-CN" sz="2933" b="1" dirty="0" smtClean="0">
-                <a:latin typeface="微軟正黑體" panose="020B0604030504040204" pitchFamily="34" charset="-120"/>
-                <a:ea typeface="微軟正黑體" panose="020B0604030504040204" pitchFamily="34" charset="-120"/>
-              </a:rPr>
-              <a:t>--</a:t>
-            </a:r>
-            <a:r>
-              <a:rPr lang="zh-CN" altLang="en-US" sz="2933" b="1" dirty="0" smtClean="0">
-                <a:latin typeface="微軟正黑體" panose="020B0604030504040204" pitchFamily="34" charset="-120"/>
-                <a:ea typeface="微軟正黑體" panose="020B0604030504040204" pitchFamily="34" charset="-120"/>
-              </a:rPr>
-              <a:t>数据获取自动化软件</a:t>
+              <a:t>?</a:t>
             </a:r>
             <a:endParaRPr lang="zh-CN" altLang="en-US" sz="2933" b="1" dirty="0">
               <a:latin typeface="微軟正黑體" panose="020B0604030504040204" pitchFamily="34" charset="-120"/>
@@ -4848,9 +8072,444 @@
           </a:p>
         </p:txBody>
       </p:sp>
+      <p:grpSp>
+        <p:nvGrpSpPr>
+          <p:cNvPr id="9" name="群組 8"/>
+          <p:cNvGrpSpPr/>
+          <p:nvPr/>
+        </p:nvGrpSpPr>
+        <p:grpSpPr>
+          <a:xfrm>
+            <a:off x="837828" y="1340768"/>
+            <a:ext cx="6192688" cy="4200593"/>
+            <a:chOff x="693813" y="812583"/>
+            <a:chExt cx="6192688" cy="4200593"/>
+          </a:xfrm>
+        </p:grpSpPr>
+        <p:graphicFrame>
+          <p:nvGraphicFramePr>
+            <p:cNvPr id="3" name="資料庫圖表 2"/>
+            <p:cNvGraphicFramePr/>
+            <p:nvPr>
+              <p:extLst>
+                <p:ext uri="{D42A27DB-BD31-4B8C-83A1-F6EECF244321}">
+                  <p14:modId xmlns:p14="http://schemas.microsoft.com/office/powerpoint/2010/main" val="1171742378"/>
+                </p:ext>
+              </p:extLst>
+            </p:nvPr>
+          </p:nvGraphicFramePr>
+          <p:xfrm>
+            <a:off x="693813" y="1484784"/>
+            <a:ext cx="6192688" cy="3528392"/>
+          </p:xfrm>
+          <a:graphic>
+            <a:graphicData uri="http://schemas.openxmlformats.org/drawingml/2006/diagram">
+              <dgm:relIds xmlns:dgm="http://schemas.openxmlformats.org/drawingml/2006/diagram" xmlns:r="http://schemas.openxmlformats.org/officeDocument/2006/relationships" r:dm="rId3" r:lo="rId4" r:qs="rId5" r:cs="rId6"/>
+            </a:graphicData>
+          </a:graphic>
+        </p:graphicFrame>
+        <p:sp>
+          <p:nvSpPr>
+            <p:cNvPr id="8" name="文字方塊 7"/>
+            <p:cNvSpPr txBox="1"/>
+            <p:nvPr/>
+          </p:nvSpPr>
+          <p:spPr>
+            <a:xfrm>
+              <a:off x="1845940" y="812583"/>
+              <a:ext cx="3877985" cy="954107"/>
+            </a:xfrm>
+            <a:prstGeom prst="rect">
+              <a:avLst/>
+            </a:prstGeom>
+            <a:noFill/>
+            <a:ln>
+              <a:noFill/>
+            </a:ln>
+          </p:spPr>
+          <p:style>
+            <a:lnRef idx="0">
+              <a:scrgbClr r="0" g="0" b="0"/>
+            </a:lnRef>
+            <a:fillRef idx="0">
+              <a:scrgbClr r="0" g="0" b="0"/>
+            </a:fillRef>
+            <a:effectRef idx="0">
+              <a:scrgbClr r="0" g="0" b="0"/>
+            </a:effectRef>
+            <a:fontRef idx="minor">
+              <a:schemeClr val="accent3"/>
+            </a:fontRef>
+          </p:style>
+          <p:txBody>
+            <a:bodyPr wrap="none" rtlCol="0">
+              <a:spAutoFit/>
+            </a:bodyPr>
+            <a:lstStyle/>
+            <a:p>
+              <a:r>
+                <a:rPr lang="zh-CN" altLang="en-US" sz="3200" b="1" dirty="0">
+                  <a:latin typeface="微軟正黑體" panose="020B0604030504040204" pitchFamily="34" charset="-120"/>
+                  <a:ea typeface="微軟正黑體" panose="020B0604030504040204" pitchFamily="34" charset="-120"/>
+                </a:rPr>
+                <a:t>传统数据记录的麻烦</a:t>
+              </a:r>
+            </a:p>
+            <a:p>
+              <a:endParaRPr lang="zh-TW" altLang="en-US" b="1" dirty="0">
+                <a:latin typeface="微軟正黑體" panose="020B0604030504040204" pitchFamily="34" charset="-120"/>
+                <a:ea typeface="微軟正黑體" panose="020B0604030504040204" pitchFamily="34" charset="-120"/>
+              </a:endParaRPr>
+            </a:p>
+          </p:txBody>
+        </p:sp>
+      </p:grpSp>
+      <p:grpSp>
+        <p:nvGrpSpPr>
+          <p:cNvPr id="12" name="群組 11"/>
+          <p:cNvGrpSpPr/>
+          <p:nvPr/>
+        </p:nvGrpSpPr>
+        <p:grpSpPr>
+          <a:xfrm>
+            <a:off x="8326660" y="1340768"/>
+            <a:ext cx="3096344" cy="4200593"/>
+            <a:chOff x="8531167" y="1340768"/>
+            <a:chExt cx="2713270" cy="4200593"/>
+          </a:xfrm>
+        </p:grpSpPr>
+        <p:sp>
+          <p:nvSpPr>
+            <p:cNvPr id="10" name="文字方塊 9"/>
+            <p:cNvSpPr txBox="1"/>
+            <p:nvPr/>
+          </p:nvSpPr>
+          <p:spPr>
+            <a:xfrm>
+              <a:off x="9087695" y="1340768"/>
+              <a:ext cx="1600214" cy="584775"/>
+            </a:xfrm>
+            <a:prstGeom prst="rect">
+              <a:avLst/>
+            </a:prstGeom>
+            <a:noFill/>
+            <a:ln>
+              <a:noFill/>
+            </a:ln>
+          </p:spPr>
+          <p:style>
+            <a:lnRef idx="0">
+              <a:scrgbClr r="0" g="0" b="0"/>
+            </a:lnRef>
+            <a:fillRef idx="0">
+              <a:scrgbClr r="0" g="0" b="0"/>
+            </a:fillRef>
+            <a:effectRef idx="0">
+              <a:scrgbClr r="0" g="0" b="0"/>
+            </a:effectRef>
+            <a:fontRef idx="minor">
+              <a:schemeClr val="accent2"/>
+            </a:fontRef>
+          </p:style>
+          <p:txBody>
+            <a:bodyPr wrap="none" rtlCol="0">
+              <a:spAutoFit/>
+            </a:bodyPr>
+            <a:lstStyle/>
+            <a:p>
+              <a:pPr algn="ctr"/>
+              <a:r>
+                <a:rPr lang="zh-CN" altLang="en-US" sz="3200" b="1" dirty="0">
+                  <a:latin typeface="微軟正黑體" panose="020B0604030504040204" pitchFamily="34" charset="-120"/>
+                  <a:ea typeface="微軟正黑體" panose="020B0604030504040204" pitchFamily="34" charset="-120"/>
+                </a:rPr>
+                <a:t>实</a:t>
+              </a:r>
+              <a:r>
+                <a:rPr lang="zh-CN" altLang="en-US" sz="3200" b="1" dirty="0" smtClean="0">
+                  <a:latin typeface="微軟正黑體" panose="020B0604030504040204" pitchFamily="34" charset="-120"/>
+                  <a:ea typeface="微軟正黑體" panose="020B0604030504040204" pitchFamily="34" charset="-120"/>
+                </a:rPr>
+                <a:t>现价值</a:t>
+              </a:r>
+              <a:endParaRPr lang="zh-TW" altLang="en-US" sz="3200" b="1" dirty="0">
+                <a:latin typeface="微軟正黑體" panose="020B0604030504040204" pitchFamily="34" charset="-120"/>
+                <a:ea typeface="微軟正黑體" panose="020B0604030504040204" pitchFamily="34" charset="-120"/>
+              </a:endParaRPr>
+            </a:p>
+          </p:txBody>
+        </p:sp>
+        <p:sp>
+          <p:nvSpPr>
+            <p:cNvPr id="11" name="矩形 10"/>
+            <p:cNvSpPr/>
+            <p:nvPr/>
+          </p:nvSpPr>
+          <p:spPr>
+            <a:xfrm>
+              <a:off x="8531167" y="2012969"/>
+              <a:ext cx="2713270" cy="3528392"/>
+            </a:xfrm>
+            <a:prstGeom prst="rect">
+              <a:avLst/>
+            </a:prstGeom>
+            <a:solidFill>
+              <a:schemeClr val="accent5">
+                <a:lumMod val="50000"/>
+              </a:schemeClr>
+            </a:solidFill>
+            <a:ln>
+              <a:noFill/>
+            </a:ln>
+            <a:scene3d>
+              <a:camera prst="orthographicFront">
+                <a:rot lat="0" lon="0" rev="21299999"/>
+              </a:camera>
+              <a:lightRig rig="threePt" dir="t"/>
+            </a:scene3d>
+            <a:sp3d/>
+          </p:spPr>
+          <p:style>
+            <a:lnRef idx="0">
+              <a:scrgbClr r="0" g="0" b="0"/>
+            </a:lnRef>
+            <a:fillRef idx="0">
+              <a:scrgbClr r="0" g="0" b="0"/>
+            </a:fillRef>
+            <a:effectRef idx="0">
+              <a:scrgbClr r="0" g="0" b="0"/>
+            </a:effectRef>
+            <a:fontRef idx="minor">
+              <a:schemeClr val="lt1"/>
+            </a:fontRef>
+          </p:style>
+          <p:txBody>
+            <a:bodyPr rtlCol="0" anchor="ctr">
+              <a:flatTx/>
+            </a:bodyPr>
+            <a:lstStyle/>
+            <a:p>
+              <a:pPr algn="ctr"/>
+              <a:r>
+                <a:rPr lang="zh-CN" altLang="en-US" sz="2800" dirty="0" smtClean="0">
+                  <a:latin typeface="微軟正黑體" panose="020B0604030504040204" pitchFamily="34" charset="-120"/>
+                  <a:ea typeface="微軟正黑體" panose="020B0604030504040204" pitchFamily="34" charset="-120"/>
+                </a:rPr>
+                <a:t>让数据采集、记录入系统全自动化，省心又高效</a:t>
+              </a:r>
+              <a:endParaRPr lang="zh-TW" altLang="en-US" sz="2800" dirty="0">
+                <a:latin typeface="微軟正黑體" panose="020B0604030504040204" pitchFamily="34" charset="-120"/>
+                <a:ea typeface="微軟正黑體" panose="020B0604030504040204" pitchFamily="34" charset="-120"/>
+              </a:endParaRPr>
+            </a:p>
+          </p:txBody>
+        </p:sp>
+      </p:grpSp>
+    </p:spTree>
+    <p:extLst>
+      <p:ext uri="{BB962C8B-B14F-4D97-AF65-F5344CB8AC3E}">
+        <p14:creationId xmlns:p14="http://schemas.microsoft.com/office/powerpoint/2010/main" val="143291871"/>
+      </p:ext>
+    </p:extLst>
+  </p:cSld>
+  <p:clrMapOvr>
+    <a:masterClrMapping/>
+  </p:clrMapOvr>
+  <p:timing>
+    <p:tnLst>
+      <p:par>
+        <p:cTn id="1" dur="indefinite" restart="never" nodeType="tmRoot"/>
+      </p:par>
+    </p:tnLst>
+  </p:timing>
+</p:sld>
+</file>
+
+<file path=ppt/slides/slide3.xml><?xml version="1.0" encoding="utf-8"?>
+<p:sld xmlns:a="http://schemas.openxmlformats.org/drawingml/2006/main" xmlns:r="http://schemas.openxmlformats.org/officeDocument/2006/relationships" xmlns:p="http://schemas.openxmlformats.org/presentationml/2006/main">
+  <p:cSld>
+    <p:spTree>
+      <p:nvGrpSpPr>
+        <p:cNvPr id="1" name=""/>
+        <p:cNvGrpSpPr/>
+        <p:nvPr/>
+      </p:nvGrpSpPr>
+      <p:grpSpPr>
+        <a:xfrm>
+          <a:off x="0" y="0"/>
+          <a:ext cx="0" cy="0"/>
+          <a:chOff x="0" y="0"/>
+          <a:chExt cx="0" cy="0"/>
+        </a:xfrm>
+      </p:grpSpPr>
       <p:sp>
         <p:nvSpPr>
-          <p:cNvPr id="5" name="Text Box 4"/>
+          <p:cNvPr id="2" name="矩形 1"/>
+          <p:cNvSpPr/>
+          <p:nvPr/>
+        </p:nvSpPr>
+        <p:spPr>
+          <a:xfrm>
+            <a:off x="1" y="0"/>
+            <a:ext cx="4084482" cy="6309321"/>
+          </a:xfrm>
+          <a:prstGeom prst="rect">
+            <a:avLst/>
+          </a:prstGeom>
+          <a:noFill/>
+          <a:ln>
+            <a:noFill/>
+          </a:ln>
+        </p:spPr>
+        <p:style>
+          <a:lnRef idx="2">
+            <a:schemeClr val="accent1">
+              <a:shade val="50000"/>
+            </a:schemeClr>
+          </a:lnRef>
+          <a:fillRef idx="1">
+            <a:schemeClr val="accent1"/>
+          </a:fillRef>
+          <a:effectRef idx="0">
+            <a:schemeClr val="accent1"/>
+          </a:effectRef>
+          <a:fontRef idx="minor">
+            <a:schemeClr val="lt1"/>
+          </a:fontRef>
+        </p:style>
+        <p:txBody>
+          <a:bodyPr rtlCol="0" anchor="ctr"/>
+          <a:lstStyle/>
+          <a:p>
+            <a:pPr algn="ctr"/>
+            <a:endParaRPr lang="zh-TW" altLang="en-US" dirty="0"/>
+          </a:p>
+        </p:txBody>
+      </p:sp>
+      <p:sp>
+        <p:nvSpPr>
+          <p:cNvPr id="11" name="矩形 10"/>
+          <p:cNvSpPr/>
+          <p:nvPr/>
+        </p:nvSpPr>
+        <p:spPr>
+          <a:xfrm>
+            <a:off x="4084483" y="0"/>
+            <a:ext cx="4053518" cy="6309321"/>
+          </a:xfrm>
+          <a:prstGeom prst="rect">
+            <a:avLst/>
+          </a:prstGeom>
+          <a:solidFill>
+            <a:schemeClr val="accent1">
+              <a:lumMod val="40000"/>
+              <a:lumOff val="60000"/>
+            </a:schemeClr>
+          </a:solidFill>
+          <a:ln>
+            <a:noFill/>
+          </a:ln>
+        </p:spPr>
+        <p:style>
+          <a:lnRef idx="2">
+            <a:schemeClr val="accent1">
+              <a:shade val="50000"/>
+            </a:schemeClr>
+          </a:lnRef>
+          <a:fillRef idx="1">
+            <a:schemeClr val="accent1"/>
+          </a:fillRef>
+          <a:effectRef idx="0">
+            <a:schemeClr val="accent1"/>
+          </a:effectRef>
+          <a:fontRef idx="minor">
+            <a:schemeClr val="lt1"/>
+          </a:fontRef>
+        </p:style>
+        <p:txBody>
+          <a:bodyPr rtlCol="0" anchor="ctr"/>
+          <a:lstStyle/>
+          <a:p>
+            <a:pPr algn="ctr">
+              <a:lnSpc>
+                <a:spcPct val="150000"/>
+              </a:lnSpc>
+            </a:pPr>
+            <a:endParaRPr lang="zh-TW" altLang="en-US" sz="2000" dirty="0">
+              <a:solidFill>
+                <a:schemeClr val="tx1">
+                  <a:lumMod val="95000"/>
+                  <a:lumOff val="5000"/>
+                </a:schemeClr>
+              </a:solidFill>
+              <a:latin typeface="微軟正黑體" panose="020B0604030504040204" pitchFamily="34" charset="-120"/>
+              <a:ea typeface="微軟正黑體" panose="020B0604030504040204" pitchFamily="34" charset="-120"/>
+            </a:endParaRPr>
+          </a:p>
+        </p:txBody>
+      </p:sp>
+      <p:sp>
+        <p:nvSpPr>
+          <p:cNvPr id="12" name="矩形 11"/>
+          <p:cNvSpPr/>
+          <p:nvPr/>
+        </p:nvSpPr>
+        <p:spPr>
+          <a:xfrm>
+            <a:off x="8107037" y="0"/>
+            <a:ext cx="4084482" cy="6309321"/>
+          </a:xfrm>
+          <a:prstGeom prst="rect">
+            <a:avLst/>
+          </a:prstGeom>
+          <a:solidFill>
+            <a:srgbClr val="FFC000"/>
+          </a:solidFill>
+          <a:ln>
+            <a:noFill/>
+          </a:ln>
+        </p:spPr>
+        <p:style>
+          <a:lnRef idx="2">
+            <a:schemeClr val="accent1">
+              <a:shade val="50000"/>
+            </a:schemeClr>
+          </a:lnRef>
+          <a:fillRef idx="1">
+            <a:schemeClr val="accent1"/>
+          </a:fillRef>
+          <a:effectRef idx="0">
+            <a:schemeClr val="accent1"/>
+          </a:effectRef>
+          <a:fontRef idx="minor">
+            <a:schemeClr val="lt1"/>
+          </a:fontRef>
+        </p:style>
+        <p:txBody>
+          <a:bodyPr rtlCol="0" anchor="ctr"/>
+          <a:lstStyle/>
+          <a:p>
+            <a:pPr algn="ctr">
+              <a:lnSpc>
+                <a:spcPct val="150000"/>
+              </a:lnSpc>
+            </a:pPr>
+            <a:endParaRPr lang="en-US" altLang="zh-CN" sz="2000" dirty="0">
+              <a:solidFill>
+                <a:schemeClr val="tx1">
+                  <a:lumMod val="95000"/>
+                  <a:lumOff val="5000"/>
+                </a:schemeClr>
+              </a:solidFill>
+              <a:latin typeface="微軟正黑體" panose="020B0604030504040204" pitchFamily="34" charset="-120"/>
+              <a:ea typeface="微軟正黑體" panose="020B0604030504040204" pitchFamily="34" charset="-120"/>
+            </a:endParaRPr>
+          </a:p>
+        </p:txBody>
+      </p:sp>
+      <p:sp>
+        <p:nvSpPr>
+          <p:cNvPr id="4" name="Text Box 4"/>
           <p:cNvSpPr txBox="1">
             <a:spLocks noChangeArrowheads="1"/>
           </p:cNvSpPr>
@@ -4858,8 +8517,8 @@
         </p:nvSpPr>
         <p:spPr bwMode="auto">
           <a:xfrm>
-            <a:off x="10702924" y="332655"/>
-            <a:ext cx="1021249" cy="498507"/>
+            <a:off x="333772" y="332656"/>
+            <a:ext cx="9480104" cy="479928"/>
           </a:xfrm>
           <a:prstGeom prst="rect">
             <a:avLst/>
@@ -5008,30 +8667,637 @@
             </a:lvl9pPr>
           </a:lstStyle>
           <a:p>
-            <a:pPr defTabSz="1088231" eaLnBrk="1" hangingPunct="1">
-              <a:defRPr/>
-            </a:pPr>
             <a:r>
-              <a:rPr lang="zh-CN" altLang="en-US" sz="2133" b="1" dirty="0" smtClean="0">
+              <a:rPr lang="zh-CN" altLang="en-US" sz="2933" b="1" dirty="0" smtClean="0">
+                <a:latin typeface="微軟正黑體" panose="020B0604030504040204" pitchFamily="34" charset="-120"/>
+                <a:ea typeface="微軟正黑體" panose="020B0604030504040204" pitchFamily="34" charset="-120"/>
+              </a:rPr>
+              <a:t>软件功能</a:t>
+            </a:r>
+            <a:endParaRPr lang="zh-CN" altLang="en-US" sz="2933" b="1" dirty="0">
+              <a:latin typeface="微軟正黑體" panose="020B0604030504040204" pitchFamily="34" charset="-120"/>
+              <a:ea typeface="微軟正黑體" panose="020B0604030504040204" pitchFamily="34" charset="-120"/>
+            </a:endParaRPr>
+          </a:p>
+        </p:txBody>
+      </p:sp>
+      <p:sp>
+        <p:nvSpPr>
+          <p:cNvPr id="13" name="文字方塊 12"/>
+          <p:cNvSpPr txBox="1"/>
+          <p:nvPr/>
+        </p:nvSpPr>
+        <p:spPr>
+          <a:xfrm>
+            <a:off x="885479" y="1268760"/>
+            <a:ext cx="2339102" cy="461665"/>
+          </a:xfrm>
+          <a:prstGeom prst="rect">
+            <a:avLst/>
+          </a:prstGeom>
+          <a:noFill/>
+        </p:spPr>
+        <p:txBody>
+          <a:bodyPr wrap="none" rtlCol="0">
+            <a:spAutoFit/>
+          </a:bodyPr>
+          <a:lstStyle/>
+          <a:p>
+            <a:r>
+              <a:rPr lang="zh-CN" altLang="en-US" b="1" dirty="0" smtClean="0">
+                <a:latin typeface="微軟正黑體" panose="020B0604030504040204" pitchFamily="34" charset="-120"/>
+                <a:ea typeface="微軟正黑體" panose="020B0604030504040204" pitchFamily="34" charset="-120"/>
+              </a:rPr>
+              <a:t>自动“产”</a:t>
+            </a:r>
+            <a:r>
+              <a:rPr lang="zh-CN" altLang="en-US" b="1" dirty="0">
+                <a:latin typeface="微軟正黑體" panose="020B0604030504040204" pitchFamily="34" charset="-120"/>
+                <a:ea typeface="微軟正黑體" panose="020B0604030504040204" pitchFamily="34" charset="-120"/>
+              </a:rPr>
+              <a:t>数据</a:t>
+            </a:r>
+            <a:endParaRPr lang="zh-TW" altLang="en-US" b="1" dirty="0">
+              <a:latin typeface="微軟正黑體" panose="020B0604030504040204" pitchFamily="34" charset="-120"/>
+              <a:ea typeface="微軟正黑體" panose="020B0604030504040204" pitchFamily="34" charset="-120"/>
+            </a:endParaRPr>
+          </a:p>
+        </p:txBody>
+      </p:sp>
+      <p:sp>
+        <p:nvSpPr>
+          <p:cNvPr id="14" name="文字方塊 13"/>
+          <p:cNvSpPr txBox="1"/>
+          <p:nvPr/>
+        </p:nvSpPr>
+        <p:spPr>
+          <a:xfrm>
+            <a:off x="4936304" y="1268760"/>
+            <a:ext cx="2339102" cy="461665"/>
+          </a:xfrm>
+          <a:prstGeom prst="rect">
+            <a:avLst/>
+          </a:prstGeom>
+          <a:noFill/>
+        </p:spPr>
+        <p:txBody>
+          <a:bodyPr wrap="none" rtlCol="0">
+            <a:spAutoFit/>
+          </a:bodyPr>
+          <a:lstStyle/>
+          <a:p>
+            <a:r>
+              <a:rPr lang="zh-CN" altLang="en-US" b="1" dirty="0" smtClean="0">
+                <a:latin typeface="微軟正黑體" panose="020B0604030504040204" pitchFamily="34" charset="-120"/>
+                <a:ea typeface="微軟正黑體" panose="020B0604030504040204" pitchFamily="34" charset="-120"/>
+              </a:rPr>
+              <a:t>自动“抓”</a:t>
+            </a:r>
+            <a:r>
+              <a:rPr lang="zh-CN" altLang="en-US" b="1" dirty="0">
+                <a:latin typeface="微軟正黑體" panose="020B0604030504040204" pitchFamily="34" charset="-120"/>
+                <a:ea typeface="微軟正黑體" panose="020B0604030504040204" pitchFamily="34" charset="-120"/>
+              </a:rPr>
+              <a:t>数据</a:t>
+            </a:r>
+            <a:endParaRPr lang="zh-TW" altLang="en-US" b="1" dirty="0">
+              <a:latin typeface="微軟正黑體" panose="020B0604030504040204" pitchFamily="34" charset="-120"/>
+              <a:ea typeface="微軟正黑體" panose="020B0604030504040204" pitchFamily="34" charset="-120"/>
+            </a:endParaRPr>
+          </a:p>
+        </p:txBody>
+      </p:sp>
+      <p:sp>
+        <p:nvSpPr>
+          <p:cNvPr id="15" name="文字方塊 14"/>
+          <p:cNvSpPr txBox="1"/>
+          <p:nvPr/>
+        </p:nvSpPr>
+        <p:spPr>
+          <a:xfrm>
+            <a:off x="8997901" y="1268759"/>
+            <a:ext cx="2339102" cy="461665"/>
+          </a:xfrm>
+          <a:prstGeom prst="rect">
+            <a:avLst/>
+          </a:prstGeom>
+          <a:noFill/>
+        </p:spPr>
+        <p:txBody>
+          <a:bodyPr wrap="none" rtlCol="0">
+            <a:spAutoFit/>
+          </a:bodyPr>
+          <a:lstStyle/>
+          <a:p>
+            <a:r>
+              <a:rPr lang="zh-CN" altLang="en-US" b="1" dirty="0" smtClean="0">
+                <a:latin typeface="微軟正黑體" panose="020B0604030504040204" pitchFamily="34" charset="-120"/>
+                <a:ea typeface="微軟正黑體" panose="020B0604030504040204" pitchFamily="34" charset="-120"/>
+              </a:rPr>
+              <a:t>自动“传”</a:t>
+            </a:r>
+            <a:r>
+              <a:rPr lang="zh-CN" altLang="en-US" b="1" dirty="0">
+                <a:latin typeface="微軟正黑體" panose="020B0604030504040204" pitchFamily="34" charset="-120"/>
+                <a:ea typeface="微軟正黑體" panose="020B0604030504040204" pitchFamily="34" charset="-120"/>
+              </a:rPr>
+              <a:t>数据</a:t>
+            </a:r>
+            <a:endParaRPr lang="zh-TW" altLang="en-US" b="1" dirty="0">
+              <a:latin typeface="微軟正黑體" panose="020B0604030504040204" pitchFamily="34" charset="-120"/>
+              <a:ea typeface="微軟正黑體" panose="020B0604030504040204" pitchFamily="34" charset="-120"/>
+            </a:endParaRPr>
+          </a:p>
+        </p:txBody>
+      </p:sp>
+      <p:pic>
+        <p:nvPicPr>
+          <p:cNvPr id="17" name="圖片 16"/>
+          <p:cNvPicPr>
+            <a:picLocks noChangeAspect="1"/>
+          </p:cNvPicPr>
+          <p:nvPr/>
+        </p:nvPicPr>
+        <p:blipFill rotWithShape="1">
+          <a:blip r:embed="rId3" cstate="hqprint">
+            <a:extLst>
+              <a:ext uri="{28A0092B-C50C-407E-A947-70E740481C1C}">
+                <a14:useLocalDpi xmlns:a14="http://schemas.microsoft.com/office/drawing/2010/main"/>
+              </a:ext>
+            </a:extLst>
+          </a:blip>
+          <a:srcRect t="15570"/>
+          <a:stretch/>
+        </p:blipFill>
+        <p:spPr>
+          <a:xfrm>
+            <a:off x="168217" y="4293096"/>
+            <a:ext cx="3773626" cy="1849595"/>
+          </a:xfrm>
+          <a:prstGeom prst="rect">
+            <a:avLst/>
+          </a:prstGeom>
+        </p:spPr>
+      </p:pic>
+      <p:pic>
+        <p:nvPicPr>
+          <p:cNvPr id="18" name="圖片 17"/>
+          <p:cNvPicPr>
+            <a:picLocks noChangeAspect="1"/>
+          </p:cNvPicPr>
+          <p:nvPr/>
+        </p:nvPicPr>
+        <p:blipFill rotWithShape="1">
+          <a:blip r:embed="rId4" cstate="hqprint">
+            <a:extLst>
+              <a:ext uri="{28A0092B-C50C-407E-A947-70E740481C1C}">
+                <a14:useLocalDpi xmlns:a14="http://schemas.microsoft.com/office/drawing/2010/main"/>
+              </a:ext>
+            </a:extLst>
+          </a:blip>
+          <a:srcRect/>
+          <a:stretch/>
+        </p:blipFill>
+        <p:spPr>
+          <a:xfrm>
+            <a:off x="4208280" y="4293095"/>
+            <a:ext cx="3819281" cy="1849595"/>
+          </a:xfrm>
+          <a:prstGeom prst="rect">
+            <a:avLst/>
+          </a:prstGeom>
+          <a:ln w="3175" cap="sq">
+            <a:noFill/>
+            <a:prstDash val="solid"/>
+            <a:miter lim="800000"/>
+          </a:ln>
+          <a:effectLst/>
+        </p:spPr>
+      </p:pic>
+      <p:grpSp>
+        <p:nvGrpSpPr>
+          <p:cNvPr id="48" name="群組 47"/>
+          <p:cNvGrpSpPr/>
+          <p:nvPr/>
+        </p:nvGrpSpPr>
+        <p:grpSpPr>
+          <a:xfrm>
+            <a:off x="1341884" y="1916832"/>
+            <a:ext cx="10513168" cy="144000"/>
+            <a:chOff x="1341884" y="1916832"/>
+            <a:chExt cx="10513168" cy="144000"/>
+          </a:xfrm>
+        </p:grpSpPr>
+        <p:cxnSp>
+          <p:nvCxnSpPr>
+            <p:cNvPr id="20" name="直線單箭頭接點 19"/>
+            <p:cNvCxnSpPr/>
+            <p:nvPr/>
+          </p:nvCxnSpPr>
+          <p:spPr>
+            <a:xfrm>
+              <a:off x="1341884" y="1988840"/>
+              <a:ext cx="10513168" cy="0"/>
+            </a:xfrm>
+            <a:prstGeom prst="straightConnector1">
+              <a:avLst/>
+            </a:prstGeom>
+            <a:ln>
+              <a:tailEnd type="triangle"/>
+            </a:ln>
+          </p:spPr>
+          <p:style>
+            <a:lnRef idx="2">
+              <a:schemeClr val="accent3"/>
+            </a:lnRef>
+            <a:fillRef idx="0">
+              <a:schemeClr val="accent3"/>
+            </a:fillRef>
+            <a:effectRef idx="1">
+              <a:schemeClr val="accent3"/>
+            </a:effectRef>
+            <a:fontRef idx="minor">
+              <a:schemeClr val="tx1"/>
+            </a:fontRef>
+          </p:style>
+        </p:cxnSp>
+        <p:sp>
+          <p:nvSpPr>
+            <p:cNvPr id="45" name="流程圖: 接點 44"/>
+            <p:cNvSpPr/>
+            <p:nvPr/>
+          </p:nvSpPr>
+          <p:spPr>
+            <a:xfrm>
+              <a:off x="1945002" y="1916832"/>
+              <a:ext cx="144000" cy="144000"/>
+            </a:xfrm>
+            <a:prstGeom prst="flowChartConnector">
+              <a:avLst/>
+            </a:prstGeom>
+            <a:ln w="22225">
+              <a:solidFill>
+                <a:schemeClr val="bg1"/>
+              </a:solidFill>
+            </a:ln>
+          </p:spPr>
+          <p:style>
+            <a:lnRef idx="2">
+              <a:schemeClr val="accent1">
+                <a:shade val="50000"/>
+              </a:schemeClr>
+            </a:lnRef>
+            <a:fillRef idx="1">
+              <a:schemeClr val="accent1"/>
+            </a:fillRef>
+            <a:effectRef idx="0">
+              <a:schemeClr val="accent1"/>
+            </a:effectRef>
+            <a:fontRef idx="minor">
+              <a:schemeClr val="lt1"/>
+            </a:fontRef>
+          </p:style>
+          <p:txBody>
+            <a:bodyPr rtlCol="0" anchor="ctr"/>
+            <a:lstStyle/>
+            <a:p>
+              <a:pPr algn="ctr"/>
+              <a:endParaRPr lang="zh-TW" altLang="en-US"/>
+            </a:p>
+          </p:txBody>
+        </p:sp>
+        <p:sp>
+          <p:nvSpPr>
+            <p:cNvPr id="46" name="流程圖: 接點 45"/>
+            <p:cNvSpPr/>
+            <p:nvPr/>
+          </p:nvSpPr>
+          <p:spPr>
+            <a:xfrm>
+              <a:off x="6022404" y="1916832"/>
+              <a:ext cx="144000" cy="144000"/>
+            </a:xfrm>
+            <a:prstGeom prst="flowChartConnector">
+              <a:avLst/>
+            </a:prstGeom>
+            <a:ln w="22225">
+              <a:solidFill>
+                <a:schemeClr val="bg1"/>
+              </a:solidFill>
+            </a:ln>
+          </p:spPr>
+          <p:style>
+            <a:lnRef idx="2">
+              <a:schemeClr val="accent1">
+                <a:shade val="50000"/>
+              </a:schemeClr>
+            </a:lnRef>
+            <a:fillRef idx="1">
+              <a:schemeClr val="accent1"/>
+            </a:fillRef>
+            <a:effectRef idx="0">
+              <a:schemeClr val="accent1"/>
+            </a:effectRef>
+            <a:fontRef idx="minor">
+              <a:schemeClr val="lt1"/>
+            </a:fontRef>
+          </p:style>
+          <p:txBody>
+            <a:bodyPr rtlCol="0" anchor="ctr"/>
+            <a:lstStyle/>
+            <a:p>
+              <a:pPr algn="ctr"/>
+              <a:endParaRPr lang="zh-TW" altLang="en-US"/>
+            </a:p>
+          </p:txBody>
+        </p:sp>
+        <p:sp>
+          <p:nvSpPr>
+            <p:cNvPr id="47" name="流程圖: 接點 46"/>
+            <p:cNvSpPr/>
+            <p:nvPr/>
+          </p:nvSpPr>
+          <p:spPr>
+            <a:xfrm>
+              <a:off x="10081906" y="1916832"/>
+              <a:ext cx="144000" cy="144000"/>
+            </a:xfrm>
+            <a:prstGeom prst="flowChartConnector">
+              <a:avLst/>
+            </a:prstGeom>
+            <a:ln w="22225">
+              <a:solidFill>
+                <a:schemeClr val="bg1"/>
+              </a:solidFill>
+            </a:ln>
+          </p:spPr>
+          <p:style>
+            <a:lnRef idx="2">
+              <a:schemeClr val="accent1">
+                <a:shade val="50000"/>
+              </a:schemeClr>
+            </a:lnRef>
+            <a:fillRef idx="1">
+              <a:schemeClr val="accent1"/>
+            </a:fillRef>
+            <a:effectRef idx="0">
+              <a:schemeClr val="accent1"/>
+            </a:effectRef>
+            <a:fontRef idx="minor">
+              <a:schemeClr val="lt1"/>
+            </a:fontRef>
+          </p:style>
+          <p:txBody>
+            <a:bodyPr rtlCol="0" anchor="ctr"/>
+            <a:lstStyle/>
+            <a:p>
+              <a:pPr algn="ctr"/>
+              <a:endParaRPr lang="zh-TW" altLang="en-US"/>
+            </a:p>
+          </p:txBody>
+        </p:sp>
+      </p:grpSp>
+      <p:sp>
+        <p:nvSpPr>
+          <p:cNvPr id="49" name="文字方塊 48"/>
+          <p:cNvSpPr txBox="1"/>
+          <p:nvPr/>
+        </p:nvSpPr>
+        <p:spPr>
+          <a:xfrm>
+            <a:off x="935517" y="3228945"/>
+            <a:ext cx="2236510" cy="400110"/>
+          </a:xfrm>
+          <a:prstGeom prst="rect">
+            <a:avLst/>
+          </a:prstGeom>
+          <a:noFill/>
+          <a:ln>
+            <a:noFill/>
+          </a:ln>
+        </p:spPr>
+        <p:txBody>
+          <a:bodyPr wrap="none" rtlCol="0">
+            <a:spAutoFit/>
+          </a:bodyPr>
+          <a:lstStyle/>
+          <a:p>
+            <a:pPr lvl="0" algn="ctr"/>
+            <a:r>
+              <a:rPr lang="zh-CN" altLang="en-US" sz="2000" dirty="0">
+                <a:latin typeface="微軟正黑體" panose="020B0604030504040204" pitchFamily="34" charset="-120"/>
+                <a:ea typeface="微軟正黑體" panose="020B0604030504040204" pitchFamily="34" charset="-120"/>
+              </a:rPr>
+              <a:t>不用盯着设备屏幕</a:t>
+            </a:r>
+            <a:endParaRPr lang="zh-TW" altLang="en-US" sz="2000" dirty="0">
+              <a:latin typeface="微軟正黑體" panose="020B0604030504040204" pitchFamily="34" charset="-120"/>
+              <a:ea typeface="微軟正黑體" panose="020B0604030504040204" pitchFamily="34" charset="-120"/>
+            </a:endParaRPr>
+          </a:p>
+        </p:txBody>
+      </p:sp>
+      <p:pic>
+        <p:nvPicPr>
+          <p:cNvPr id="51" name="圖片 50"/>
+          <p:cNvPicPr>
+            <a:picLocks noChangeAspect="1"/>
+          </p:cNvPicPr>
+          <p:nvPr/>
+        </p:nvPicPr>
+        <p:blipFill rotWithShape="1">
+          <a:blip r:embed="rId5">
+            <a:extLst>
+              <a:ext uri="{28A0092B-C50C-407E-A947-70E740481C1C}">
+                <a14:useLocalDpi xmlns:a14="http://schemas.microsoft.com/office/drawing/2010/main" val="0"/>
+              </a:ext>
+            </a:extLst>
+          </a:blip>
+          <a:srcRect l="11596" t="52457" r="56268" b="22591"/>
+          <a:stretch/>
+        </p:blipFill>
+        <p:spPr>
+          <a:xfrm>
+            <a:off x="8261797" y="4293096"/>
+            <a:ext cx="3811287" cy="1849595"/>
+          </a:xfrm>
+          <a:prstGeom prst="rect">
+            <a:avLst/>
+          </a:prstGeom>
+        </p:spPr>
+      </p:pic>
+      <p:sp>
+        <p:nvSpPr>
+          <p:cNvPr id="53" name="文字方塊 52"/>
+          <p:cNvSpPr txBox="1"/>
+          <p:nvPr/>
+        </p:nvSpPr>
+        <p:spPr>
+          <a:xfrm>
+            <a:off x="8774542" y="3429000"/>
+            <a:ext cx="2749471" cy="400110"/>
+          </a:xfrm>
+          <a:prstGeom prst="rect">
+            <a:avLst/>
+          </a:prstGeom>
+          <a:noFill/>
+        </p:spPr>
+        <p:txBody>
+          <a:bodyPr wrap="none" rtlCol="0">
+            <a:spAutoFit/>
+          </a:bodyPr>
+          <a:lstStyle/>
+          <a:p>
+            <a:pPr algn="ctr"/>
+            <a:r>
+              <a:rPr lang="zh-CN" altLang="en-US" sz="2000" dirty="0">
+                <a:solidFill>
+                  <a:schemeClr val="tx1">
+                    <a:lumMod val="95000"/>
+                    <a:lumOff val="5000"/>
+                  </a:schemeClr>
+                </a:solidFill>
+                <a:latin typeface="微軟正黑體" panose="020B0604030504040204" pitchFamily="34" charset="-120"/>
+                <a:ea typeface="微軟正黑體" panose="020B0604030504040204" pitchFamily="34" charset="-120"/>
+              </a:rPr>
+              <a:t>操控键盘直接输入数</a:t>
+            </a:r>
+            <a:r>
+              <a:rPr lang="zh-CN" altLang="en-US" sz="2000" dirty="0" smtClean="0">
+                <a:solidFill>
+                  <a:schemeClr val="tx1">
+                    <a:lumMod val="95000"/>
+                    <a:lumOff val="5000"/>
+                  </a:schemeClr>
+                </a:solidFill>
+                <a:latin typeface="微軟正黑體" panose="020B0604030504040204" pitchFamily="34" charset="-120"/>
+                <a:ea typeface="微軟正黑體" panose="020B0604030504040204" pitchFamily="34" charset="-120"/>
+              </a:rPr>
+              <a:t>据</a:t>
+            </a:r>
+            <a:endParaRPr lang="zh-TW" altLang="en-US" sz="2000" dirty="0">
+              <a:solidFill>
+                <a:schemeClr val="tx1">
+                  <a:lumMod val="95000"/>
+                  <a:lumOff val="5000"/>
+                </a:schemeClr>
+              </a:solidFill>
+              <a:latin typeface="微軟正黑體" panose="020B0604030504040204" pitchFamily="34" charset="-120"/>
+              <a:ea typeface="微軟正黑體" panose="020B0604030504040204" pitchFamily="34" charset="-120"/>
+            </a:endParaRPr>
+          </a:p>
+        </p:txBody>
+      </p:sp>
+      <p:sp>
+        <p:nvSpPr>
+          <p:cNvPr id="55" name="文字方塊 54"/>
+          <p:cNvSpPr txBox="1"/>
+          <p:nvPr/>
+        </p:nvSpPr>
+        <p:spPr>
+          <a:xfrm>
+            <a:off x="4977505" y="3230540"/>
+            <a:ext cx="2236510" cy="400110"/>
+          </a:xfrm>
+          <a:prstGeom prst="rect">
+            <a:avLst/>
+          </a:prstGeom>
+          <a:noFill/>
+        </p:spPr>
+        <p:txBody>
+          <a:bodyPr wrap="none" rtlCol="0">
+            <a:spAutoFit/>
+          </a:bodyPr>
+          <a:lstStyle/>
+          <a:p>
+            <a:r>
+              <a:rPr lang="zh-CN" altLang="en-US" sz="2000" dirty="0">
+                <a:solidFill>
+                  <a:schemeClr val="tx1">
+                    <a:lumMod val="95000"/>
+                    <a:lumOff val="5000"/>
+                  </a:schemeClr>
+                </a:solidFill>
+                <a:latin typeface="微軟正黑體" panose="020B0604030504040204" pitchFamily="34" charset="-120"/>
+                <a:ea typeface="微軟正黑體" panose="020B0604030504040204" pitchFamily="34" charset="-120"/>
+              </a:rPr>
+              <a:t>无需手动记录数</a:t>
+            </a:r>
+            <a:r>
+              <a:rPr lang="zh-CN" altLang="en-US" sz="2000" dirty="0" smtClean="0">
+                <a:solidFill>
+                  <a:schemeClr val="tx1">
+                    <a:lumMod val="95000"/>
+                    <a:lumOff val="5000"/>
+                  </a:schemeClr>
+                </a:solidFill>
+                <a:latin typeface="微軟正黑體" panose="020B0604030504040204" pitchFamily="34" charset="-120"/>
+                <a:ea typeface="微軟正黑體" panose="020B0604030504040204" pitchFamily="34" charset="-120"/>
+              </a:rPr>
+              <a:t>据</a:t>
+            </a:r>
+            <a:endParaRPr lang="zh-TW" altLang="en-US" sz="2000" dirty="0">
+              <a:solidFill>
+                <a:schemeClr val="tx1">
+                  <a:lumMod val="95000"/>
+                  <a:lumOff val="5000"/>
+                </a:schemeClr>
+              </a:solidFill>
+              <a:latin typeface="微軟正黑體" panose="020B0604030504040204" pitchFamily="34" charset="-120"/>
+              <a:ea typeface="微軟正黑體" panose="020B0604030504040204" pitchFamily="34" charset="-120"/>
+            </a:endParaRPr>
+          </a:p>
+        </p:txBody>
+      </p:sp>
+      <p:sp>
+        <p:nvSpPr>
+          <p:cNvPr id="56" name="圓角矩形 55"/>
+          <p:cNvSpPr/>
+          <p:nvPr/>
+        </p:nvSpPr>
+        <p:spPr>
+          <a:xfrm>
+            <a:off x="457114" y="2552786"/>
+            <a:ext cx="3193315" cy="479928"/>
+          </a:xfrm>
+          <a:prstGeom prst="roundRect">
+            <a:avLst>
+              <a:gd name="adj" fmla="val 35131"/>
+            </a:avLst>
+          </a:prstGeom>
+        </p:spPr>
+        <p:style>
+          <a:lnRef idx="2">
+            <a:schemeClr val="accent1">
+              <a:shade val="50000"/>
+            </a:schemeClr>
+          </a:lnRef>
+          <a:fillRef idx="1">
+            <a:schemeClr val="accent1"/>
+          </a:fillRef>
+          <a:effectRef idx="0">
+            <a:schemeClr val="accent1"/>
+          </a:effectRef>
+          <a:fontRef idx="minor">
+            <a:schemeClr val="lt1"/>
+          </a:fontRef>
+        </p:style>
+        <p:txBody>
+          <a:bodyPr rtlCol="0" anchor="ctr"/>
+          <a:lstStyle/>
+          <a:p>
+            <a:pPr lvl="0" algn="ctr"/>
+            <a:r>
+              <a:rPr lang="zh-CN" altLang="en-US" sz="2000" dirty="0">
                 <a:solidFill>
                   <a:prstClr val="black"/>
                 </a:solidFill>
                 <a:latin typeface="微軟正黑體" panose="020B0604030504040204" pitchFamily="34" charset="-120"/>
                 <a:ea typeface="微軟正黑體" panose="020B0604030504040204" pitchFamily="34" charset="-120"/>
               </a:rPr>
-              <a:t>李志斌</a:t>
+              <a:t>通过指令让设备执行测试</a:t>
             </a:r>
-            <a:r>
-              <a:rPr lang="en-US" altLang="zh-TW" sz="2133" b="1" dirty="0" smtClean="0">
-                <a:solidFill>
-                  <a:prstClr val="black"/>
-                </a:solidFill>
-                <a:latin typeface="微軟正黑體" panose="020B0604030504040204" pitchFamily="34" charset="-120"/>
-                <a:ea typeface="微軟正黑體" panose="020B0604030504040204" pitchFamily="34" charset="-120"/>
-              </a:rPr>
-              <a:t> </a:t>
-            </a:r>
-            <a:endParaRPr lang="en-US" altLang="zh-TW" sz="2133" b="1" dirty="0">
+            <a:endParaRPr lang="zh-TW" altLang="en-US" sz="2000" dirty="0">
               <a:solidFill>
                 <a:prstClr val="black"/>
               </a:solidFill>
@@ -5043,98 +9309,132 @@
       </p:sp>
       <p:sp>
         <p:nvSpPr>
-          <p:cNvPr id="6" name="文字方塊 5"/>
-          <p:cNvSpPr txBox="1"/>
+          <p:cNvPr id="57" name="圓角矩形 56"/>
+          <p:cNvSpPr/>
           <p:nvPr/>
         </p:nvSpPr>
         <p:spPr>
           <a:xfrm>
-            <a:off x="4726260" y="1628800"/>
-            <a:ext cx="3600399" cy="2923877"/>
+            <a:off x="8570782" y="2552786"/>
+            <a:ext cx="3193315" cy="720095"/>
           </a:xfrm>
-          <a:prstGeom prst="rect">
-            <a:avLst/>
+          <a:prstGeom prst="roundRect">
+            <a:avLst>
+              <a:gd name="adj" fmla="val 35131"/>
+            </a:avLst>
           </a:prstGeom>
-          <a:noFill/>
         </p:spPr>
+        <p:style>
+          <a:lnRef idx="2">
+            <a:schemeClr val="accent1">
+              <a:shade val="50000"/>
+            </a:schemeClr>
+          </a:lnRef>
+          <a:fillRef idx="1">
+            <a:schemeClr val="accent1"/>
+          </a:fillRef>
+          <a:effectRef idx="0">
+            <a:schemeClr val="accent1"/>
+          </a:effectRef>
+          <a:fontRef idx="minor">
+            <a:schemeClr val="lt1"/>
+          </a:fontRef>
+        </p:style>
         <p:txBody>
-          <a:bodyPr wrap="square" rtlCol="0">
-            <a:spAutoFit/>
-          </a:bodyPr>
+          <a:bodyPr rtlCol="0" anchor="ctr"/>
           <a:lstStyle/>
           <a:p>
+            <a:pPr lvl="0" algn="ctr"/>
             <a:r>
-              <a:rPr lang="zh-CN" altLang="en-US" dirty="0" smtClean="0"/>
-              <a:t>目的</a:t>
+              <a:rPr lang="zh-CN" altLang="en-US" sz="2000" dirty="0">
+                <a:solidFill>
+                  <a:prstClr val="black"/>
+                </a:solidFill>
+                <a:latin typeface="微軟正黑體" panose="020B0604030504040204" pitchFamily="34" charset="-120"/>
+                <a:ea typeface="微軟正黑體" panose="020B0604030504040204" pitchFamily="34" charset="-120"/>
+              </a:rPr>
+              <a:t>通过屏幕识别定位系统</a:t>
             </a:r>
-            <a:endParaRPr lang="en-US" altLang="zh-CN" dirty="0" smtClean="0"/>
           </a:p>
           <a:p>
-            <a:r>
-              <a:rPr lang="zh-CN" altLang="en-US" sz="2000" dirty="0" smtClean="0">
-                <a:latin typeface="細明體_HKSCS" panose="02020500000000000000" pitchFamily="18" charset="-120"/>
-                <a:ea typeface="細明體_HKSCS" panose="02020500000000000000" pitchFamily="18" charset="-120"/>
-              </a:rPr>
-              <a:t>武汉</a:t>
-            </a:r>
-            <a:r>
-              <a:rPr lang="en-US" altLang="zh-CN" sz="2000" dirty="0" smtClean="0">
-                <a:latin typeface="細明體_HKSCS" panose="02020500000000000000" pitchFamily="18" charset="-120"/>
-                <a:ea typeface="細明體_HKSCS" panose="02020500000000000000" pitchFamily="18" charset="-120"/>
-              </a:rPr>
-              <a:t>IQC</a:t>
-            </a:r>
-            <a:r>
-              <a:rPr lang="zh-CN" altLang="en-US" sz="2000" dirty="0" smtClean="0">
-                <a:latin typeface="細明體_HKSCS" panose="02020500000000000000" pitchFamily="18" charset="-120"/>
-                <a:ea typeface="細明體_HKSCS" panose="02020500000000000000" pitchFamily="18" charset="-120"/>
-              </a:rPr>
-              <a:t>同仁在进料检验的零件</a:t>
-            </a:r>
+            <a:pPr lvl="0" algn="ctr"/>
             <a:r>
               <a:rPr lang="zh-CN" altLang="en-US" sz="2000" dirty="0">
-                <a:latin typeface="細明體_HKSCS" panose="02020500000000000000" pitchFamily="18" charset="-120"/>
-                <a:ea typeface="細明體_HKSCS" panose="02020500000000000000" pitchFamily="18" charset="-120"/>
+                <a:solidFill>
+                  <a:prstClr val="black"/>
+                </a:solidFill>
+                <a:latin typeface="微軟正黑體" panose="020B0604030504040204" pitchFamily="34" charset="-120"/>
+                <a:ea typeface="微軟正黑體" panose="020B0604030504040204" pitchFamily="34" charset="-120"/>
               </a:rPr>
-              <a:t>参</a:t>
+              <a:t>的数据录入区域</a:t>
             </a:r>
-            <a:r>
-              <a:rPr lang="zh-CN" altLang="en-US" sz="2000" dirty="0" smtClean="0">
-                <a:latin typeface="細明體_HKSCS" panose="02020500000000000000" pitchFamily="18" charset="-120"/>
-                <a:ea typeface="細明體_HKSCS" panose="02020500000000000000" pitchFamily="18" charset="-120"/>
-              </a:rPr>
-              <a:t>数</a:t>
-            </a:r>
+          </a:p>
+        </p:txBody>
+      </p:sp>
+      <p:sp>
+        <p:nvSpPr>
+          <p:cNvPr id="58" name="圓角矩形 57"/>
+          <p:cNvSpPr/>
+          <p:nvPr/>
+        </p:nvSpPr>
+        <p:spPr>
+          <a:xfrm>
+            <a:off x="4311399" y="2559052"/>
+            <a:ext cx="3613042" cy="479928"/>
+          </a:xfrm>
+          <a:prstGeom prst="roundRect">
+            <a:avLst>
+              <a:gd name="adj" fmla="val 35131"/>
+            </a:avLst>
+          </a:prstGeom>
+        </p:spPr>
+        <p:style>
+          <a:lnRef idx="2">
+            <a:schemeClr val="accent1">
+              <a:shade val="50000"/>
+            </a:schemeClr>
+          </a:lnRef>
+          <a:fillRef idx="1">
+            <a:schemeClr val="accent1"/>
+          </a:fillRef>
+          <a:effectRef idx="0">
+            <a:schemeClr val="accent1"/>
+          </a:effectRef>
+          <a:fontRef idx="minor">
+            <a:schemeClr val="lt1"/>
+          </a:fontRef>
+        </p:style>
+        <p:txBody>
+          <a:bodyPr rtlCol="0" anchor="ctr"/>
+          <a:lstStyle/>
+          <a:p>
+            <a:pPr lvl="0" algn="ctr">
+              <a:lnSpc>
+                <a:spcPct val="150000"/>
+              </a:lnSpc>
+            </a:pPr>
             <a:r>
               <a:rPr lang="zh-CN" altLang="en-US" sz="2000" dirty="0">
-                <a:latin typeface="細明體_HKSCS" panose="02020500000000000000" pitchFamily="18" charset="-120"/>
-                <a:ea typeface="細明體_HKSCS" panose="02020500000000000000" pitchFamily="18" charset="-120"/>
+                <a:solidFill>
+                  <a:schemeClr val="tx1">
+                    <a:lumMod val="95000"/>
+                    <a:lumOff val="5000"/>
+                  </a:schemeClr>
+                </a:solidFill>
+                <a:latin typeface="微軟正黑體" panose="020B0604030504040204" pitchFamily="34" charset="-120"/>
+                <a:ea typeface="微軟正黑體" panose="020B0604030504040204" pitchFamily="34" charset="-120"/>
               </a:rPr>
-              <a:t>测</a:t>
+              <a:t>设备测完，数据直接进入软件</a:t>
             </a:r>
-            <a:r>
-              <a:rPr lang="zh-CN" altLang="en-US" sz="2000" dirty="0" smtClean="0">
-                <a:latin typeface="細明體_HKSCS" panose="02020500000000000000" pitchFamily="18" charset="-120"/>
-                <a:ea typeface="細明體_HKSCS" panose="02020500000000000000" pitchFamily="18" charset="-120"/>
-              </a:rPr>
-              <a:t>量过程中需人工记录数据，零件数量大、测量参数多。</a:t>
-            </a:r>
-            <a:endParaRPr lang="en-US" altLang="zh-CN" sz="2000" dirty="0" smtClean="0">
-              <a:latin typeface="細明體_HKSCS" panose="02020500000000000000" pitchFamily="18" charset="-120"/>
-              <a:ea typeface="細明體_HKSCS" panose="02020500000000000000" pitchFamily="18" charset="-120"/>
-            </a:endParaRPr>
-          </a:p>
-          <a:p>
-            <a:r>
-              <a:rPr lang="zh-CN" altLang="en-US" sz="2000" dirty="0" smtClean="0">
-                <a:latin typeface="細明體_HKSCS" panose="02020500000000000000" pitchFamily="18" charset="-120"/>
-                <a:ea typeface="細明體_HKSCS" panose="02020500000000000000" pitchFamily="18" charset="-120"/>
-              </a:rPr>
-              <a:t>为减轻测量压力、减少测量耗时，我们在设备原有通信协议的基础上，开发了自动获取数据软件。</a:t>
-            </a:r>
-            <a:endParaRPr lang="en-US" altLang="zh-CN" sz="2000" dirty="0" smtClean="0">
-              <a:latin typeface="細明體_HKSCS" panose="02020500000000000000" pitchFamily="18" charset="-120"/>
-              <a:ea typeface="細明體_HKSCS" panose="02020500000000000000" pitchFamily="18" charset="-120"/>
+            <a:endParaRPr lang="en-US" altLang="zh-CN" sz="2000" dirty="0">
+              <a:solidFill>
+                <a:schemeClr val="tx1">
+                  <a:lumMod val="95000"/>
+                  <a:lumOff val="5000"/>
+                </a:schemeClr>
+              </a:solidFill>
+              <a:latin typeface="微軟正黑體" panose="020B0604030504040204" pitchFamily="34" charset="-120"/>
+              <a:ea typeface="微軟正黑體" panose="020B0604030504040204" pitchFamily="34" charset="-120"/>
             </a:endParaRPr>
           </a:p>
         </p:txBody>
@@ -5142,7 +9442,7 @@
     </p:spTree>
     <p:extLst>
       <p:ext uri="{BB962C8B-B14F-4D97-AF65-F5344CB8AC3E}">
-        <p14:creationId xmlns:p14="http://schemas.microsoft.com/office/powerpoint/2010/main" val="3474980247"/>
+        <p14:creationId xmlns:p14="http://schemas.microsoft.com/office/powerpoint/2010/main" val="4100856487"/>
       </p:ext>
     </p:extLst>
   </p:cSld>
@@ -5159,7 +9459,7 @@
 </p:sld>
 </file>
 
-<file path=ppt/slides/slide2.xml><?xml version="1.0" encoding="utf-8"?>
+<file path=ppt/slides/slide4.xml><?xml version="1.0" encoding="utf-8"?>
 <p:sld xmlns:a="http://schemas.openxmlformats.org/drawingml/2006/main" xmlns:r="http://schemas.openxmlformats.org/officeDocument/2006/relationships" xmlns:p="http://schemas.openxmlformats.org/presentationml/2006/main">
   <p:cSld>
     <p:spTree>
@@ -5178,190 +9478,350 @@
       </p:grpSpPr>
       <p:sp>
         <p:nvSpPr>
-          <p:cNvPr id="2" name="Text Box 4">
-            <a:extLst>
-              <a:ext uri="{FF2B5EF4-FFF2-40B4-BE49-F238E27FC236}">
-                <a16:creationId xmlns:a16="http://schemas.microsoft.com/office/drawing/2014/main" id="{79520668-F7AC-096B-40AC-4BB1DE35A68D}"/>
-              </a:ext>
-            </a:extLst>
-          </p:cNvPr>
-          <p:cNvSpPr txBox="1">
-            <a:spLocks noChangeArrowheads="1"/>
-          </p:cNvSpPr>
+          <p:cNvPr id="16" name="等腰三角形 15"/>
+          <p:cNvSpPr/>
           <p:nvPr/>
         </p:nvSpPr>
-        <p:spPr bwMode="auto">
+        <p:spPr>
+          <a:xfrm rot="10800000">
+            <a:off x="1594413" y="-387425"/>
+            <a:ext cx="9000000" cy="7255495"/>
+          </a:xfrm>
+          <a:prstGeom prst="triangle">
+            <a:avLst>
+              <a:gd name="adj" fmla="val 49822"/>
+            </a:avLst>
+          </a:prstGeom>
+          <a:ln w="6350"/>
+        </p:spPr>
+        <p:style>
+          <a:lnRef idx="2">
+            <a:schemeClr val="accent5"/>
+          </a:lnRef>
+          <a:fillRef idx="1">
+            <a:schemeClr val="lt1"/>
+          </a:fillRef>
+          <a:effectRef idx="0">
+            <a:schemeClr val="accent5"/>
+          </a:effectRef>
+          <a:fontRef idx="minor">
+            <a:schemeClr val="dk1"/>
+          </a:fontRef>
+        </p:style>
+        <p:txBody>
+          <a:bodyPr rtlCol="0" anchor="ctr"/>
+          <a:lstStyle/>
+          <a:p>
+            <a:pPr algn="ctr"/>
+            <a:endParaRPr lang="zh-TW" altLang="en-US" dirty="0"/>
+          </a:p>
+        </p:txBody>
+      </p:sp>
+      <p:grpSp>
+        <p:nvGrpSpPr>
+          <p:cNvPr id="15" name="群組 14"/>
+          <p:cNvGrpSpPr/>
+          <p:nvPr/>
+        </p:nvGrpSpPr>
+        <p:grpSpPr>
           <a:xfrm>
-            <a:off x="609441" y="274639"/>
-            <a:ext cx="10969943" cy="711081"/>
+            <a:off x="3394412" y="4191234"/>
+            <a:ext cx="5400000" cy="5400000"/>
+            <a:chOff x="3862644" y="1269000"/>
+            <a:chExt cx="4320000" cy="4320000"/>
+          </a:xfrm>
+          <a:gradFill>
+            <a:gsLst>
+              <a:gs pos="0">
+                <a:schemeClr val="accent5">
+                  <a:lumMod val="5000"/>
+                  <a:lumOff val="95000"/>
+                </a:schemeClr>
+              </a:gs>
+              <a:gs pos="56000">
+                <a:schemeClr val="bg1">
+                  <a:lumMod val="95000"/>
+                </a:schemeClr>
+              </a:gs>
+              <a:gs pos="100000">
+                <a:schemeClr val="accent3">
+                  <a:lumMod val="10000"/>
+                  <a:lumOff val="90000"/>
+                </a:schemeClr>
+              </a:gs>
+            </a:gsLst>
+            <a:path path="shape">
+              <a:fillToRect l="50000" t="50000" r="50000" b="50000"/>
+            </a:path>
+          </a:gradFill>
+        </p:grpSpPr>
+        <p:sp>
+          <p:nvSpPr>
+            <p:cNvPr id="3" name="甜甜圈 2"/>
+            <p:cNvSpPr/>
+            <p:nvPr/>
+          </p:nvSpPr>
+          <p:spPr>
+            <a:xfrm>
+              <a:off x="3862644" y="1269000"/>
+              <a:ext cx="4320000" cy="4320000"/>
+            </a:xfrm>
+            <a:prstGeom prst="donut">
+              <a:avLst>
+                <a:gd name="adj" fmla="val 49275"/>
+              </a:avLst>
+            </a:prstGeom>
+            <a:grpFill/>
+            <a:ln>
+              <a:noFill/>
+            </a:ln>
+            <a:effectLst/>
+          </p:spPr>
+          <p:style>
+            <a:lnRef idx="2">
+              <a:schemeClr val="accent1">
+                <a:shade val="50000"/>
+              </a:schemeClr>
+            </a:lnRef>
+            <a:fillRef idx="1">
+              <a:schemeClr val="accent1"/>
+            </a:fillRef>
+            <a:effectRef idx="0">
+              <a:schemeClr val="accent1"/>
+            </a:effectRef>
+            <a:fontRef idx="minor">
+              <a:schemeClr val="lt1"/>
+            </a:fontRef>
+          </p:style>
+          <p:txBody>
+            <a:bodyPr rtlCol="0" anchor="ctr"/>
+            <a:lstStyle/>
+            <a:p>
+              <a:pPr algn="ctr"/>
+              <a:endParaRPr lang="zh-TW" altLang="en-US" dirty="0">
+                <a:solidFill>
+                  <a:schemeClr val="tx1"/>
+                </a:solidFill>
+              </a:endParaRPr>
+            </a:p>
+          </p:txBody>
+        </p:sp>
+        <p:sp>
+          <p:nvSpPr>
+            <p:cNvPr id="4" name="文字方塊 3"/>
+            <p:cNvSpPr txBox="1"/>
+            <p:nvPr/>
+          </p:nvSpPr>
+          <p:spPr>
+            <a:xfrm>
+              <a:off x="5112643" y="2421128"/>
+              <a:ext cx="1820002" cy="763286"/>
+            </a:xfrm>
+            <a:prstGeom prst="rect">
+              <a:avLst/>
+            </a:prstGeom>
+            <a:grpFill/>
+          </p:spPr>
+          <p:txBody>
+            <a:bodyPr wrap="square" rtlCol="0">
+              <a:spAutoFit/>
+            </a:bodyPr>
+            <a:lstStyle/>
+            <a:p>
+              <a:r>
+                <a:rPr lang="zh-CN" altLang="en-US" sz="2800" dirty="0" smtClean="0">
+                  <a:latin typeface="微軟正黑體" panose="020B0604030504040204" pitchFamily="34" charset="-120"/>
+                  <a:ea typeface="微軟正黑體" panose="020B0604030504040204" pitchFamily="34" charset="-120"/>
+                </a:rPr>
+                <a:t>这个软件带来什么？</a:t>
+              </a:r>
+              <a:endParaRPr lang="zh-TW" altLang="en-US" sz="2800" dirty="0">
+                <a:latin typeface="微軟正黑體" panose="020B0604030504040204" pitchFamily="34" charset="-120"/>
+                <a:ea typeface="微軟正黑體" panose="020B0604030504040204" pitchFamily="34" charset="-120"/>
+              </a:endParaRPr>
+            </a:p>
+          </p:txBody>
+        </p:sp>
+      </p:grpSp>
+      <p:sp>
+        <p:nvSpPr>
+          <p:cNvPr id="2" name="標題 1"/>
+          <p:cNvSpPr>
+            <a:spLocks noGrp="1"/>
+          </p:cNvSpPr>
+          <p:nvPr>
+            <p:ph type="title"/>
+          </p:nvPr>
+        </p:nvSpPr>
+        <p:spPr/>
+        <p:txBody>
+          <a:bodyPr>
+            <a:normAutofit/>
+          </a:bodyPr>
+          <a:lstStyle/>
+          <a:p>
+            <a:r>
+              <a:rPr lang="zh-CN" altLang="en-US" sz="2800" b="1" dirty="0" smtClean="0">
+                <a:latin typeface="微軟正黑體" panose="020B0604030504040204" pitchFamily="34" charset="-120"/>
+                <a:ea typeface="微軟正黑體" panose="020B0604030504040204" pitchFamily="34" charset="-120"/>
+              </a:rPr>
+              <a:t>效果</a:t>
+            </a:r>
+            <a:endParaRPr lang="zh-TW" altLang="en-US" sz="2800" b="1" dirty="0">
+              <a:latin typeface="微軟正黑體" panose="020B0604030504040204" pitchFamily="34" charset="-120"/>
+              <a:ea typeface="微軟正黑體" panose="020B0604030504040204" pitchFamily="34" charset="-120"/>
+            </a:endParaRPr>
+          </a:p>
+        </p:txBody>
+      </p:sp>
+      <p:sp>
+        <p:nvSpPr>
+          <p:cNvPr id="18" name="文字方塊 17"/>
+          <p:cNvSpPr txBox="1"/>
+          <p:nvPr/>
+        </p:nvSpPr>
+        <p:spPr>
+          <a:xfrm>
+            <a:off x="675866" y="2033726"/>
+            <a:ext cx="1415772" cy="461665"/>
           </a:xfrm>
           <a:prstGeom prst="rect">
             <a:avLst/>
           </a:prstGeom>
-          <a:extLst>
-            <a:ext uri="{909E8E84-426E-40DD-AFC4-6F175D3DCCD1}">
-              <a14:hiddenFill xmlns:a14="http://schemas.microsoft.com/office/drawing/2010/main">
-                <a:solidFill>
-                  <a:schemeClr val="accent1"/>
-                </a:solidFill>
-              </a14:hiddenFill>
-            </a:ext>
-            <a:ext uri="{91240B29-F687-4F45-9708-019B960494DF}">
-              <a14:hiddenLine xmlns:a14="http://schemas.microsoft.com/office/drawing/2010/main" w="9525">
-                <a:solidFill>
-                  <a:schemeClr val="tx1"/>
-                </a:solidFill>
-                <a:miter lim="800000"/>
-                <a:headEnd/>
-                <a:tailEnd/>
-              </a14:hiddenLine>
-            </a:ext>
-            <a:ext uri="{AF507438-7753-43E0-B8FC-AC1667EBCBE1}">
-              <a14:hiddenEffects xmlns:a14="http://schemas.microsoft.com/office/drawing/2010/main">
-                <a:effectLst>
-                  <a:outerShdw dist="35921" dir="2700000" algn="ctr" rotWithShape="0">
-                    <a:schemeClr val="bg2"/>
-                  </a:outerShdw>
-                </a:effectLst>
-              </a14:hiddenEffects>
-            </a:ext>
-          </a:extLst>
+          <a:noFill/>
         </p:spPr>
         <p:txBody>
-          <a:bodyPr vert="horz" lIns="0" tIns="60949" rIns="0" bIns="60949" rtlCol="0" anchor="ctr">
-            <a:normAutofit/>
+          <a:bodyPr wrap="none" rtlCol="0">
+            <a:spAutoFit/>
           </a:bodyPr>
-          <a:lstStyle>
-            <a:lvl1pPr eaLnBrk="0" hangingPunct="0">
-              <a:defRPr kumimoji="1" sz="2400">
-                <a:solidFill>
-                  <a:schemeClr val="tx1"/>
-                </a:solidFill>
-                <a:latin typeface="Times New Roman" pitchFamily="18" charset="0"/>
-                <a:ea typeface="新細明體" charset="-120"/>
-              </a:defRPr>
-            </a:lvl1pPr>
-            <a:lvl2pPr marL="742950" indent="-285750" eaLnBrk="0" hangingPunct="0">
-              <a:defRPr kumimoji="1" sz="2400">
-                <a:solidFill>
-                  <a:schemeClr val="tx1"/>
-                </a:solidFill>
-                <a:latin typeface="Times New Roman" pitchFamily="18" charset="0"/>
-                <a:ea typeface="新細明體" charset="-120"/>
-              </a:defRPr>
-            </a:lvl2pPr>
-            <a:lvl3pPr marL="1143000" indent="-228600" eaLnBrk="0" hangingPunct="0">
-              <a:defRPr kumimoji="1" sz="2400">
-                <a:solidFill>
-                  <a:schemeClr val="tx1"/>
-                </a:solidFill>
-                <a:latin typeface="Times New Roman" pitchFamily="18" charset="0"/>
-                <a:ea typeface="新細明體" charset="-120"/>
-              </a:defRPr>
-            </a:lvl3pPr>
-            <a:lvl4pPr marL="1600200" indent="-228600" eaLnBrk="0" hangingPunct="0">
-              <a:defRPr kumimoji="1" sz="2400">
-                <a:solidFill>
-                  <a:schemeClr val="tx1"/>
-                </a:solidFill>
-                <a:latin typeface="Times New Roman" pitchFamily="18" charset="0"/>
-                <a:ea typeface="新細明體" charset="-120"/>
-              </a:defRPr>
-            </a:lvl4pPr>
-            <a:lvl5pPr marL="2057400" indent="-228600" eaLnBrk="0" hangingPunct="0">
-              <a:defRPr kumimoji="1" sz="2400">
-                <a:solidFill>
-                  <a:schemeClr val="tx1"/>
-                </a:solidFill>
-                <a:latin typeface="Times New Roman" pitchFamily="18" charset="0"/>
-                <a:ea typeface="新細明體" charset="-120"/>
-              </a:defRPr>
-            </a:lvl5pPr>
-            <a:lvl6pPr marL="2514600" indent="-228600" eaLnBrk="0" fontAlgn="base" hangingPunct="0">
-              <a:spcBef>
-                <a:spcPct val="0"/>
-              </a:spcBef>
-              <a:spcAft>
-                <a:spcPct val="0"/>
-              </a:spcAft>
-              <a:defRPr kumimoji="1" sz="2400">
-                <a:solidFill>
-                  <a:schemeClr val="tx1"/>
-                </a:solidFill>
-                <a:latin typeface="Times New Roman" pitchFamily="18" charset="0"/>
-                <a:ea typeface="新細明體" charset="-120"/>
-              </a:defRPr>
-            </a:lvl6pPr>
-            <a:lvl7pPr marL="2971800" indent="-228600" eaLnBrk="0" fontAlgn="base" hangingPunct="0">
-              <a:spcBef>
-                <a:spcPct val="0"/>
-              </a:spcBef>
-              <a:spcAft>
-                <a:spcPct val="0"/>
-              </a:spcAft>
-              <a:defRPr kumimoji="1" sz="2400">
-                <a:solidFill>
-                  <a:schemeClr val="tx1"/>
-                </a:solidFill>
-                <a:latin typeface="Times New Roman" pitchFamily="18" charset="0"/>
-                <a:ea typeface="新細明體" charset="-120"/>
-              </a:defRPr>
-            </a:lvl7pPr>
-            <a:lvl8pPr marL="3429000" indent="-228600" eaLnBrk="0" fontAlgn="base" hangingPunct="0">
-              <a:spcBef>
-                <a:spcPct val="0"/>
-              </a:spcBef>
-              <a:spcAft>
-                <a:spcPct val="0"/>
-              </a:spcAft>
-              <a:defRPr kumimoji="1" sz="2400">
-                <a:solidFill>
-                  <a:schemeClr val="tx1"/>
-                </a:solidFill>
-                <a:latin typeface="Times New Roman" pitchFamily="18" charset="0"/>
-                <a:ea typeface="新細明體" charset="-120"/>
-              </a:defRPr>
-            </a:lvl8pPr>
-            <a:lvl9pPr marL="3886200" indent="-228600" eaLnBrk="0" fontAlgn="base" hangingPunct="0">
-              <a:spcBef>
-                <a:spcPct val="0"/>
-              </a:spcBef>
-              <a:spcAft>
-                <a:spcPct val="0"/>
-              </a:spcAft>
-              <a:defRPr kumimoji="1" sz="2400">
-                <a:solidFill>
-                  <a:schemeClr val="tx1"/>
-                </a:solidFill>
-                <a:latin typeface="Times New Roman" pitchFamily="18" charset="0"/>
-                <a:ea typeface="新細明體" charset="-120"/>
-              </a:defRPr>
-            </a:lvl9pPr>
-          </a:lstStyle>
+          <a:lstStyle/>
           <a:p>
-            <a:pPr eaLnBrk="1" hangingPunct="1">
-              <a:spcBef>
-                <a:spcPct val="0"/>
-              </a:spcBef>
-              <a:spcAft>
-                <a:spcPts val="600"/>
-              </a:spcAft>
-            </a:pPr>
             <a:r>
-              <a:rPr lang="zh-CN" altLang="en-US" sz="3600" b="1" kern="1200" dirty="0" smtClean="0"/>
-              <a:t>演示</a:t>
+              <a:rPr lang="zh-CN" altLang="en-US" b="1" dirty="0" smtClean="0">
+                <a:latin typeface="微軟正黑體 Light" panose="020B0304030504040204" pitchFamily="34" charset="-120"/>
+                <a:ea typeface="微軟正黑體 Light" panose="020B0304030504040204" pitchFamily="34" charset="-120"/>
+              </a:rPr>
+              <a:t>效率提升</a:t>
             </a:r>
+            <a:endParaRPr lang="zh-TW" altLang="en-US" b="1" dirty="0">
+              <a:latin typeface="微軟正黑體 Light" panose="020B0304030504040204" pitchFamily="34" charset="-120"/>
+              <a:ea typeface="微軟正黑體 Light" panose="020B0304030504040204" pitchFamily="34" charset="-120"/>
+            </a:endParaRPr>
+          </a:p>
+        </p:txBody>
+      </p:sp>
+      <p:sp>
+        <p:nvSpPr>
+          <p:cNvPr id="19" name="文字方塊 18"/>
+          <p:cNvSpPr txBox="1"/>
+          <p:nvPr/>
+        </p:nvSpPr>
+        <p:spPr>
+          <a:xfrm>
+            <a:off x="5232638" y="539251"/>
+            <a:ext cx="1723549" cy="461665"/>
+          </a:xfrm>
+          <a:prstGeom prst="rect">
+            <a:avLst/>
+          </a:prstGeom>
+          <a:noFill/>
+        </p:spPr>
+        <p:txBody>
+          <a:bodyPr wrap="none" rtlCol="0">
+            <a:spAutoFit/>
+          </a:bodyPr>
+          <a:lstStyle/>
+          <a:p>
             <a:r>
-              <a:rPr lang="zh-CN" altLang="en-US" sz="3600" b="1" kern="1200" dirty="0"/>
-              <a:t>视频</a:t>
+              <a:rPr lang="zh-CN" altLang="en-US" b="1" dirty="0" smtClean="0">
+                <a:latin typeface="微軟正黑體 Light" panose="020B0304030504040204" pitchFamily="34" charset="-120"/>
+                <a:ea typeface="微軟正黑體 Light" panose="020B0304030504040204" pitchFamily="34" charset="-120"/>
+              </a:rPr>
+              <a:t>错误率下降</a:t>
             </a:r>
+            <a:endParaRPr lang="zh-TW" altLang="en-US" b="1" dirty="0">
+              <a:latin typeface="微軟正黑體 Light" panose="020B0304030504040204" pitchFamily="34" charset="-120"/>
+              <a:ea typeface="微軟正黑體 Light" panose="020B0304030504040204" pitchFamily="34" charset="-120"/>
+            </a:endParaRPr>
+          </a:p>
+        </p:txBody>
+      </p:sp>
+      <p:sp>
+        <p:nvSpPr>
+          <p:cNvPr id="20" name="文字方塊 19"/>
+          <p:cNvSpPr txBox="1"/>
+          <p:nvPr/>
+        </p:nvSpPr>
+        <p:spPr>
+          <a:xfrm>
+            <a:off x="9406780" y="2033726"/>
+            <a:ext cx="1415772" cy="461665"/>
+          </a:xfrm>
+          <a:prstGeom prst="rect">
+            <a:avLst/>
+          </a:prstGeom>
+          <a:noFill/>
+        </p:spPr>
+        <p:txBody>
+          <a:bodyPr wrap="none" rtlCol="0">
+            <a:spAutoFit/>
+          </a:bodyPr>
+          <a:lstStyle/>
+          <a:p>
+            <a:r>
+              <a:rPr lang="zh-CN" altLang="en-US" b="1" dirty="0" smtClean="0">
+                <a:latin typeface="微軟正黑體 Light" panose="020B0304030504040204" pitchFamily="34" charset="-120"/>
+                <a:ea typeface="微軟正黑體 Light" panose="020B0304030504040204" pitchFamily="34" charset="-120"/>
+              </a:rPr>
+              <a:t>人力解放</a:t>
+            </a:r>
+            <a:endParaRPr lang="zh-TW" altLang="en-US" b="1" dirty="0">
+              <a:latin typeface="微軟正黑體 Light" panose="020B0304030504040204" pitchFamily="34" charset="-120"/>
+              <a:ea typeface="微軟正黑體 Light" panose="020B0304030504040204" pitchFamily="34" charset="-120"/>
+            </a:endParaRPr>
+          </a:p>
+        </p:txBody>
+      </p:sp>
+      <p:sp>
+        <p:nvSpPr>
+          <p:cNvPr id="21" name="文字方塊 20"/>
+          <p:cNvSpPr txBox="1"/>
+          <p:nvPr/>
+        </p:nvSpPr>
+        <p:spPr>
+          <a:xfrm>
+            <a:off x="675866" y="2527734"/>
+            <a:ext cx="2232248" cy="1015663"/>
+          </a:xfrm>
+          <a:prstGeom prst="rect">
+            <a:avLst/>
+          </a:prstGeom>
+          <a:noFill/>
+        </p:spPr>
+        <p:txBody>
+          <a:bodyPr wrap="square" rtlCol="0">
+            <a:spAutoFit/>
+          </a:bodyPr>
+          <a:lstStyle/>
+          <a:p>
+            <a:r>
+              <a:rPr lang="zh-CN" altLang="en-US" sz="2000" dirty="0" smtClean="0">
+                <a:latin typeface="微軟正黑體" panose="020B0604030504040204" pitchFamily="34" charset="-120"/>
+                <a:ea typeface="微軟正黑體" panose="020B0604030504040204" pitchFamily="34" charset="-120"/>
+              </a:rPr>
+              <a:t>数据读取和录入完全交由自动化软件完成，</a:t>
+            </a:r>
+            <a:endParaRPr lang="zh-TW" altLang="en-US" sz="2000" dirty="0">
+              <a:latin typeface="微軟正黑體" panose="020B0604030504040204" pitchFamily="34" charset="-120"/>
+              <a:ea typeface="微軟正黑體" panose="020B0604030504040204" pitchFamily="34" charset="-120"/>
+            </a:endParaRPr>
           </a:p>
         </p:txBody>
       </p:sp>
     </p:spTree>
     <p:extLst>
       <p:ext uri="{BB962C8B-B14F-4D97-AF65-F5344CB8AC3E}">
-        <p14:creationId xmlns:p14="http://schemas.microsoft.com/office/powerpoint/2010/main" val="950838122"/>
+        <p14:creationId xmlns:p14="http://schemas.microsoft.com/office/powerpoint/2010/main" val="3107328822"/>
       </p:ext>
     </p:extLst>
   </p:cSld>
